--- a/SimpsonsImageDetection_Final Presentation_M.pptx
+++ b/SimpsonsImageDetection_Final Presentation_M.pptx
@@ -15,18 +15,21 @@
     <p:sldId id="263" r:id="rId9"/>
     <p:sldId id="264" r:id="rId10"/>
     <p:sldId id="265" r:id="rId11"/>
-    <p:sldId id="275" r:id="rId12"/>
-    <p:sldId id="276" r:id="rId13"/>
-    <p:sldId id="278" r:id="rId14"/>
-    <p:sldId id="266" r:id="rId15"/>
-    <p:sldId id="267" r:id="rId16"/>
-    <p:sldId id="268" r:id="rId17"/>
-    <p:sldId id="269" r:id="rId18"/>
-    <p:sldId id="270" r:id="rId19"/>
-    <p:sldId id="271" r:id="rId20"/>
-    <p:sldId id="272" r:id="rId21"/>
-    <p:sldId id="273" r:id="rId22"/>
-    <p:sldId id="274" r:id="rId23"/>
+    <p:sldId id="279" r:id="rId12"/>
+    <p:sldId id="275" r:id="rId13"/>
+    <p:sldId id="276" r:id="rId14"/>
+    <p:sldId id="281" r:id="rId15"/>
+    <p:sldId id="278" r:id="rId16"/>
+    <p:sldId id="266" r:id="rId17"/>
+    <p:sldId id="267" r:id="rId18"/>
+    <p:sldId id="268" r:id="rId19"/>
+    <p:sldId id="269" r:id="rId20"/>
+    <p:sldId id="270" r:id="rId21"/>
+    <p:sldId id="280" r:id="rId22"/>
+    <p:sldId id="271" r:id="rId23"/>
+    <p:sldId id="272" r:id="rId24"/>
+    <p:sldId id="273" r:id="rId25"/>
+    <p:sldId id="274" r:id="rId26"/>
   </p:sldIdLst>
   <p:sldSz cx="12192000" cy="6858000"/>
   <p:notesSz cx="6858000" cy="9144000"/>
@@ -3483,13 +3486,13 @@
         </p:nvSpPr>
         <p:spPr>
           <a:xfrm>
-            <a:off x="1524000" y="3602038"/>
-            <a:ext cx="9144000" cy="809418"/>
+            <a:off x="400595" y="979953"/>
+            <a:ext cx="11286308" cy="5063796"/>
           </a:xfrm>
         </p:spPr>
         <p:txBody>
           <a:bodyPr>
-            <a:normAutofit fontScale="92500" lnSpcReduction="10000"/>
+            <a:normAutofit fontScale="62500" lnSpcReduction="20000"/>
           </a:bodyPr>
           <a:lstStyle/>
           <a:p>
@@ -3501,7 +3504,80 @@
           <a:p>
             <a:r>
               <a:rPr lang="en-US" dirty="0"/>
-              <a:t>Darknet </a:t>
+              <a:t>Used for classification, classification + localization, multiple objects (detection)</a:t>
+            </a:r>
+          </a:p>
+          <a:p>
+            <a:r>
+              <a:rPr lang="en-US" dirty="0"/>
+              <a:t>Runs fast and therefore can be used for </a:t>
+            </a:r>
+            <a:r>
+              <a:rPr lang="en-US" dirty="0" err="1"/>
+              <a:t>realtime</a:t>
+            </a:r>
+            <a:r>
+              <a:rPr lang="en-US" dirty="0"/>
+              <a:t> object detection.  </a:t>
+            </a:r>
+          </a:p>
+          <a:p>
+            <a:r>
+              <a:rPr lang="en-US" dirty="0"/>
+              <a:t>Prior detection systems repurpose classifiers or localizers to perform detection. They apply the model to an image at multiple locations and scales. High scoring regions of the image are considered detections.</a:t>
+            </a:r>
+          </a:p>
+          <a:p>
+            <a:endParaRPr lang="en-US" dirty="0"/>
+          </a:p>
+          <a:p>
+            <a:r>
+              <a:rPr lang="en-US" dirty="0"/>
+              <a:t>We use a totally different approach. We apply a single neural network to the full image. This network divides the image into regions and predicts bounding boxes and probabilities for each region. These bounding boxes are weighted by the predicted probabilities.</a:t>
+            </a:r>
+          </a:p>
+          <a:p>
+            <a:endParaRPr lang="en-US" dirty="0"/>
+          </a:p>
+          <a:p>
+            <a:r>
+              <a:rPr lang="en-US" dirty="0"/>
+              <a:t>Our model has several advantages over classifier-based systems. It looks at the whole image at test time so its predictions are informed by global context in the image. It also makes predictions with a single network evaluation unlike systems like R-CNN which require thousands for a single image. This makes it extremely fast, more than 1000x faster than R-CNN and 100x faster than Fast R-CNN.</a:t>
+            </a:r>
+          </a:p>
+          <a:p>
+            <a:r>
+              <a:rPr lang="en-US" dirty="0"/>
+              <a:t>What's New in Version 3?</a:t>
+            </a:r>
+          </a:p>
+          <a:p>
+            <a:r>
+              <a:rPr lang="en-US" dirty="0"/>
+              <a:t>YOLOv3 uses a few tricks to improve training and increase performance, including: multi-scale predictions, a better backbone classifier. YOLOv3 uses multi-label classification. For example, the output labels may be “pedestrian” and “child” which are not non-exclusive. (the sum of output can be greater than 1 now.) YOLOv3 replaces the </a:t>
+            </a:r>
+            <a:r>
+              <a:rPr lang="en-US" dirty="0" err="1"/>
+              <a:t>softmax</a:t>
+            </a:r>
+            <a:r>
+              <a:rPr lang="en-US" dirty="0"/>
+              <a:t> function with independent logistic classifiers to calculate the likeliness of the input belongs to a specific label. Instead of using mean square error in calculating the classification loss, YOLOv3 uses binary cross-entropy loss for each label. </a:t>
+            </a:r>
+          </a:p>
+          <a:p>
+            <a:endParaRPr lang="en-US" dirty="0"/>
+          </a:p>
+          <a:p>
+            <a:r>
+              <a:rPr lang="en-US" dirty="0"/>
+              <a:t>Darknet</a:t>
+            </a:r>
+          </a:p>
+          <a:p>
+            <a:r>
+              <a:rPr lang="en-US" dirty="0"/>
+              <a:t>Darknet is an open source neural network framework written in C and CUDA </a:t>
             </a:r>
           </a:p>
         </p:txBody>
@@ -3589,8 +3665,8 @@
         </p:nvSpPr>
         <p:spPr>
           <a:xfrm>
-            <a:off x="1524000" y="1647316"/>
-            <a:ext cx="9144000" cy="2764140"/>
+            <a:off x="400595" y="979953"/>
+            <a:ext cx="8046719" cy="5063796"/>
           </a:xfrm>
         </p:spPr>
         <p:txBody>
@@ -3601,43 +3677,68 @@
           <a:p>
             <a:r>
               <a:rPr lang="en-US" dirty="0"/>
-              <a:t>Approach taken</a:t>
+              <a:t>Architecture</a:t>
             </a:r>
           </a:p>
           <a:p>
             <a:r>
               <a:rPr lang="en-US" dirty="0"/>
-              <a:t>Pre-trained model</a:t>
+              <a:t>Draw Grid and explain output grid</a:t>
             </a:r>
           </a:p>
           <a:p>
             <a:r>
               <a:rPr lang="en-US" dirty="0"/>
-              <a:t>Training with frozen layer</a:t>
-            </a:r>
-          </a:p>
-          <a:p>
+              <a:t>Evaluate object localization using </a:t>
+            </a:r>
             <a:r>
               <a:rPr lang="en-US" dirty="0" err="1"/>
-              <a:t>TensorBoard</a:t>
-            </a:r>
+              <a:t>iOu</a:t>
+            </a:r>
+            <a:endParaRPr lang="en-US" dirty="0"/>
+          </a:p>
+          <a:p>
             <a:r>
               <a:rPr lang="en-US" dirty="0"/>
-              <a:t> output</a:t>
-            </a:r>
-          </a:p>
-          <a:p>
-            <a:r>
-              <a:rPr lang="en-US" dirty="0"/>
-              <a:t> </a:t>
+              <a:t>Use non max suppression </a:t>
             </a:r>
           </a:p>
         </p:txBody>
       </p:sp>
+      <p:pic>
+        <p:nvPicPr>
+          <p:cNvPr id="4" name="Picture 3">
+            <a:extLst>
+              <a:ext uri="{FF2B5EF4-FFF2-40B4-BE49-F238E27FC236}">
+                <a16:creationId xmlns:a16="http://schemas.microsoft.com/office/drawing/2014/main" id="{DC150873-3D7D-4EE4-B17D-9A195C6512C4}"/>
+              </a:ext>
+            </a:extLst>
+          </p:cNvPr>
+          <p:cNvPicPr>
+            <a:picLocks noChangeAspect="1"/>
+          </p:cNvPicPr>
+          <p:nvPr/>
+        </p:nvPicPr>
+        <p:blipFill>
+          <a:blip r:embed="rId2"/>
+          <a:stretch>
+            <a:fillRect/>
+          </a:stretch>
+        </p:blipFill>
+        <p:spPr>
+          <a:xfrm>
+            <a:off x="8125257" y="1471748"/>
+            <a:ext cx="3744458" cy="4898571"/>
+          </a:xfrm>
+          <a:prstGeom prst="rect">
+            <a:avLst/>
+          </a:prstGeom>
+        </p:spPr>
+      </p:pic>
     </p:spTree>
     <p:extLst>
       <p:ext uri="{BB962C8B-B14F-4D97-AF65-F5344CB8AC3E}">
-        <p14:creationId xmlns:p14="http://schemas.microsoft.com/office/powerpoint/2010/main" val="950942945"/>
+        <p14:creationId xmlns:p14="http://schemas.microsoft.com/office/powerpoint/2010/main" val="581219833"/>
       </p:ext>
     </p:extLst>
   </p:cSld>
@@ -3717,8 +3818,8 @@
         </p:nvSpPr>
         <p:spPr>
           <a:xfrm>
-            <a:off x="1524000" y="1507713"/>
-            <a:ext cx="9144000" cy="2903743"/>
+            <a:off x="1524000" y="1647315"/>
+            <a:ext cx="10363200" cy="4736067"/>
           </a:xfrm>
         </p:spPr>
         <p:txBody>
@@ -3729,59 +3830,63 @@
           <a:p>
             <a:r>
               <a:rPr lang="en-US" dirty="0"/>
-              <a:t>Results:</a:t>
-            </a:r>
-          </a:p>
-          <a:p>
-            <a:pPr marL="342900" indent="-342900" algn="l">
-              <a:buFont typeface="Arial" panose="020B0604020202020204" pitchFamily="34" charset="0"/>
-              <a:buChar char="•"/>
-            </a:pPr>
+              <a:t>Approach taken</a:t>
+            </a:r>
+          </a:p>
+          <a:p>
             <a:r>
               <a:rPr lang="en-US" dirty="0"/>
-              <a:t>Comparison between models created</a:t>
-            </a:r>
-          </a:p>
-          <a:p>
-            <a:pPr marL="342900" indent="-342900" algn="l">
-              <a:buFont typeface="Arial" panose="020B0604020202020204" pitchFamily="34" charset="0"/>
-              <a:buChar char="•"/>
-            </a:pPr>
+              <a:t>Python</a:t>
+            </a:r>
+          </a:p>
+          <a:p>
             <a:r>
               <a:rPr lang="en-US" dirty="0"/>
-              <a:t>Sample images</a:t>
-            </a:r>
-          </a:p>
-          <a:p>
-            <a:pPr marL="342900" indent="-342900" algn="l">
-              <a:buFont typeface="Arial" panose="020B0604020202020204" pitchFamily="34" charset="0"/>
-              <a:buChar char="•"/>
-            </a:pPr>
+              <a:t>Pre-trained model – Momo image and video (include images and videos)</a:t>
+            </a:r>
+          </a:p>
+          <a:p>
             <a:r>
               <a:rPr lang="en-US" dirty="0"/>
-              <a:t>Sample videos</a:t>
-            </a:r>
-          </a:p>
-          <a:p>
-            <a:pPr marL="342900" indent="-342900" algn="l">
-              <a:buFont typeface="Arial" panose="020B0604020202020204" pitchFamily="34" charset="0"/>
-              <a:buChar char="•"/>
-            </a:pPr>
-            <a:endParaRPr lang="en-US" dirty="0"/>
-          </a:p>
-          <a:p>
-            <a:pPr marL="342900" indent="-342900" algn="l">
-              <a:buFont typeface="Arial" panose="020B0604020202020204" pitchFamily="34" charset="0"/>
-              <a:buChar char="•"/>
-            </a:pPr>
-            <a:endParaRPr lang="en-US" dirty="0"/>
+              <a:t>Limits on local machine, used ARGO</a:t>
+            </a:r>
+          </a:p>
+          <a:p>
+            <a:r>
+              <a:rPr lang="en-US" dirty="0"/>
+              <a:t>Used Darknet preexisting weights to train</a:t>
+            </a:r>
+          </a:p>
+          <a:p>
+            <a:r>
+              <a:rPr lang="en-US" dirty="0"/>
+              <a:t>Frozen layers to reduce spikes in loss , followed by unfrozen layer</a:t>
+            </a:r>
+          </a:p>
+          <a:p>
+            <a:r>
+              <a:rPr lang="en-US" dirty="0"/>
+              <a:t>Call back functions to change learning rate and stop training if gains are leveled out.</a:t>
+            </a:r>
+          </a:p>
+          <a:p>
+            <a:r>
+              <a:rPr lang="en-US" dirty="0"/>
+              <a:t>Multiple trainings – different hyperparameters (due to cluster limitations, improving results)</a:t>
+            </a:r>
+          </a:p>
+          <a:p>
+            <a:r>
+              <a:rPr lang="en-US" dirty="0"/>
+              <a:t> </a:t>
+            </a:r>
           </a:p>
         </p:txBody>
       </p:sp>
     </p:spTree>
     <p:extLst>
       <p:ext uri="{BB962C8B-B14F-4D97-AF65-F5344CB8AC3E}">
-        <p14:creationId xmlns:p14="http://schemas.microsoft.com/office/powerpoint/2010/main" val="627059621"/>
+        <p14:creationId xmlns:p14="http://schemas.microsoft.com/office/powerpoint/2010/main" val="950942945"/>
       </p:ext>
     </p:extLst>
   </p:cSld>
@@ -3883,7 +3988,7 @@
             </a:pPr>
             <a:r>
               <a:rPr lang="en-US" dirty="0"/>
-              <a:t>Why the difference?</a:t>
+              <a:t>Tensor Board output</a:t>
             </a:r>
           </a:p>
           <a:p>
@@ -3893,17 +3998,7 @@
             </a:pPr>
             <a:r>
               <a:rPr lang="en-US" dirty="0"/>
-              <a:t>Challenges faced?</a:t>
-            </a:r>
-          </a:p>
-          <a:p>
-            <a:pPr marL="342900" indent="-342900" algn="l">
-              <a:buFont typeface="Arial" panose="020B0604020202020204" pitchFamily="34" charset="0"/>
-              <a:buChar char="•"/>
-            </a:pPr>
-            <a:r>
-              <a:rPr lang="en-US" dirty="0"/>
-              <a:t>ARGO experience</a:t>
+              <a:t>Comparison between models created</a:t>
             </a:r>
           </a:p>
           <a:p>
@@ -3920,19 +4015,6289 @@
             </a:pPr>
             <a:endParaRPr lang="en-US" dirty="0"/>
           </a:p>
-          <a:p>
-            <a:pPr marL="342900" indent="-342900" algn="l">
-              <a:buFont typeface="Arial" panose="020B0604020202020204" pitchFamily="34" charset="0"/>
-              <a:buChar char="•"/>
-            </a:pPr>
-            <a:endParaRPr lang="en-US" dirty="0"/>
-          </a:p>
         </p:txBody>
       </p:sp>
+      <p:graphicFrame>
+        <p:nvGraphicFramePr>
+          <p:cNvPr id="4" name="Table 3">
+            <a:extLst>
+              <a:ext uri="{FF2B5EF4-FFF2-40B4-BE49-F238E27FC236}">
+                <a16:creationId xmlns:a16="http://schemas.microsoft.com/office/drawing/2014/main" id="{A03B0F1C-0537-4205-B62C-712FFEB49400}"/>
+              </a:ext>
+            </a:extLst>
+          </p:cNvPr>
+          <p:cNvGraphicFramePr>
+            <a:graphicFrameLocks noGrp="1"/>
+          </p:cNvGraphicFramePr>
+          <p:nvPr>
+            <p:extLst>
+              <p:ext uri="{D42A27DB-BD31-4B8C-83A1-F6EECF244321}">
+                <p14:modId xmlns:p14="http://schemas.microsoft.com/office/powerpoint/2010/main" val="1307150114"/>
+              </p:ext>
+            </p:extLst>
+          </p:nvPr>
+        </p:nvGraphicFramePr>
+        <p:xfrm>
+          <a:off x="377932" y="4052013"/>
+          <a:ext cx="10515601" cy="1911468"/>
+        </p:xfrm>
+        <a:graphic>
+          <a:graphicData uri="http://schemas.openxmlformats.org/drawingml/2006/table">
+            <a:tbl>
+              <a:tblPr/>
+              <a:tblGrid>
+                <a:gridCol w="2535101">
+                  <a:extLst>
+                    <a:ext uri="{9D8B030D-6E8A-4147-A177-3AD203B41FA5}">
+                      <a16:colId xmlns:a16="http://schemas.microsoft.com/office/drawing/2014/main" val="75724153"/>
+                    </a:ext>
+                  </a:extLst>
+                </a:gridCol>
+                <a:gridCol w="1652886">
+                  <a:extLst>
+                    <a:ext uri="{9D8B030D-6E8A-4147-A177-3AD203B41FA5}">
+                      <a16:colId xmlns:a16="http://schemas.microsoft.com/office/drawing/2014/main" val="3835123859"/>
+                    </a:ext>
+                  </a:extLst>
+                </a:gridCol>
+                <a:gridCol w="953198">
+                  <a:extLst>
+                    <a:ext uri="{9D8B030D-6E8A-4147-A177-3AD203B41FA5}">
+                      <a16:colId xmlns:a16="http://schemas.microsoft.com/office/drawing/2014/main" val="1210824132"/>
+                    </a:ext>
+                  </a:extLst>
+                </a:gridCol>
+                <a:gridCol w="750390">
+                  <a:extLst>
+                    <a:ext uri="{9D8B030D-6E8A-4147-A177-3AD203B41FA5}">
+                      <a16:colId xmlns:a16="http://schemas.microsoft.com/office/drawing/2014/main" val="848057684"/>
+                    </a:ext>
+                  </a:extLst>
+                </a:gridCol>
+                <a:gridCol w="1439938">
+                  <a:extLst>
+                    <a:ext uri="{9D8B030D-6E8A-4147-A177-3AD203B41FA5}">
+                      <a16:colId xmlns:a16="http://schemas.microsoft.com/office/drawing/2014/main" val="3579625901"/>
+                    </a:ext>
+                  </a:extLst>
+                </a:gridCol>
+                <a:gridCol w="1125585">
+                  <a:extLst>
+                    <a:ext uri="{9D8B030D-6E8A-4147-A177-3AD203B41FA5}">
+                      <a16:colId xmlns:a16="http://schemas.microsoft.com/office/drawing/2014/main" val="3454576290"/>
+                    </a:ext>
+                  </a:extLst>
+                </a:gridCol>
+                <a:gridCol w="993760">
+                  <a:extLst>
+                    <a:ext uri="{9D8B030D-6E8A-4147-A177-3AD203B41FA5}">
+                      <a16:colId xmlns:a16="http://schemas.microsoft.com/office/drawing/2014/main" val="1219537116"/>
+                    </a:ext>
+                  </a:extLst>
+                </a:gridCol>
+                <a:gridCol w="1064743">
+                  <a:extLst>
+                    <a:ext uri="{9D8B030D-6E8A-4147-A177-3AD203B41FA5}">
+                      <a16:colId xmlns:a16="http://schemas.microsoft.com/office/drawing/2014/main" val="2019535978"/>
+                    </a:ext>
+                  </a:extLst>
+                </a:gridCol>
+              </a:tblGrid>
+              <a:tr h="147036">
+                <a:tc>
+                  <a:txBody>
+                    <a:bodyPr/>
+                    <a:lstStyle/>
+                    <a:p>
+                      <a:pPr algn="l" fontAlgn="b"/>
+                      <a:r>
+                        <a:rPr lang="en-US" sz="900" b="1" i="0" u="none" strike="noStrike">
+                          <a:solidFill>
+                            <a:srgbClr val="FFFFFF"/>
+                          </a:solidFill>
+                          <a:effectLst/>
+                          <a:latin typeface="Calibri" panose="020F0502020204030204" pitchFamily="34" charset="0"/>
+                        </a:rPr>
+                        <a:t>Model</a:t>
+                      </a:r>
+                    </a:p>
+                  </a:txBody>
+                  <a:tcPr marL="5070" marR="5070" marT="5070" marB="0" anchor="b">
+                    <a:lnL w="6350" cap="flat" cmpd="sng" algn="ctr">
+                      <a:solidFill>
+                        <a:srgbClr val="000000"/>
+                      </a:solidFill>
+                      <a:prstDash val="solid"/>
+                      <a:round/>
+                      <a:headEnd type="none" w="med" len="med"/>
+                      <a:tailEnd type="none" w="med" len="med"/>
+                    </a:lnL>
+                    <a:lnR w="6350" cap="flat" cmpd="sng" algn="ctr">
+                      <a:solidFill>
+                        <a:srgbClr val="000000"/>
+                      </a:solidFill>
+                      <a:prstDash val="solid"/>
+                      <a:round/>
+                      <a:headEnd type="none" w="med" len="med"/>
+                      <a:tailEnd type="none" w="med" len="med"/>
+                    </a:lnR>
+                    <a:lnT w="6350" cap="flat" cmpd="sng" algn="ctr">
+                      <a:solidFill>
+                        <a:srgbClr val="000000"/>
+                      </a:solidFill>
+                      <a:prstDash val="solid"/>
+                      <a:round/>
+                      <a:headEnd type="none" w="med" len="med"/>
+                      <a:tailEnd type="none" w="med" len="med"/>
+                    </a:lnT>
+                    <a:lnB w="6350" cap="flat" cmpd="sng" algn="ctr">
+                      <a:solidFill>
+                        <a:srgbClr val="000000"/>
+                      </a:solidFill>
+                      <a:prstDash val="solid"/>
+                      <a:round/>
+                      <a:headEnd type="none" w="med" len="med"/>
+                      <a:tailEnd type="none" w="med" len="med"/>
+                    </a:lnB>
+                    <a:solidFill>
+                      <a:srgbClr val="4472C4"/>
+                    </a:solidFill>
+                  </a:tcPr>
+                </a:tc>
+                <a:tc>
+                  <a:txBody>
+                    <a:bodyPr/>
+                    <a:lstStyle/>
+                    <a:p>
+                      <a:pPr algn="l" fontAlgn="b"/>
+                      <a:r>
+                        <a:rPr lang="en-US" sz="900" b="1" i="0" u="none" strike="noStrike">
+                          <a:solidFill>
+                            <a:srgbClr val="FFFFFF"/>
+                          </a:solidFill>
+                          <a:effectLst/>
+                          <a:latin typeface="Calibri" panose="020F0502020204030204" pitchFamily="34" charset="0"/>
+                        </a:rPr>
+                        <a:t>Characteristics/ Hyperparameters</a:t>
+                      </a:r>
+                    </a:p>
+                  </a:txBody>
+                  <a:tcPr marL="5070" marR="5070" marT="5070" marB="0" anchor="b">
+                    <a:lnL w="6350" cap="flat" cmpd="sng" algn="ctr">
+                      <a:solidFill>
+                        <a:srgbClr val="000000"/>
+                      </a:solidFill>
+                      <a:prstDash val="solid"/>
+                      <a:round/>
+                      <a:headEnd type="none" w="med" len="med"/>
+                      <a:tailEnd type="none" w="med" len="med"/>
+                    </a:lnL>
+                    <a:lnR w="6350" cap="flat" cmpd="sng" algn="ctr">
+                      <a:solidFill>
+                        <a:srgbClr val="000000"/>
+                      </a:solidFill>
+                      <a:prstDash val="solid"/>
+                      <a:round/>
+                      <a:headEnd type="none" w="med" len="med"/>
+                      <a:tailEnd type="none" w="med" len="med"/>
+                    </a:lnR>
+                    <a:lnT w="6350" cap="flat" cmpd="sng" algn="ctr">
+                      <a:solidFill>
+                        <a:srgbClr val="000000"/>
+                      </a:solidFill>
+                      <a:prstDash val="solid"/>
+                      <a:round/>
+                      <a:headEnd type="none" w="med" len="med"/>
+                      <a:tailEnd type="none" w="med" len="med"/>
+                    </a:lnT>
+                    <a:lnB w="6350" cap="flat" cmpd="sng" algn="ctr">
+                      <a:solidFill>
+                        <a:srgbClr val="000000"/>
+                      </a:solidFill>
+                      <a:prstDash val="solid"/>
+                      <a:round/>
+                      <a:headEnd type="none" w="med" len="med"/>
+                      <a:tailEnd type="none" w="med" len="med"/>
+                    </a:lnB>
+                    <a:solidFill>
+                      <a:srgbClr val="4472C4"/>
+                    </a:solidFill>
+                  </a:tcPr>
+                </a:tc>
+                <a:tc>
+                  <a:txBody>
+                    <a:bodyPr/>
+                    <a:lstStyle/>
+                    <a:p>
+                      <a:pPr algn="l" fontAlgn="b"/>
+                      <a:r>
+                        <a:rPr lang="en-US" sz="900" b="1" i="0" u="none" strike="noStrike">
+                          <a:solidFill>
+                            <a:srgbClr val="FFFFFF"/>
+                          </a:solidFill>
+                          <a:effectLst/>
+                          <a:latin typeface="Calibri" panose="020F0502020204030204" pitchFamily="34" charset="0"/>
+                        </a:rPr>
+                        <a:t>Time taken to train</a:t>
+                      </a:r>
+                    </a:p>
+                  </a:txBody>
+                  <a:tcPr marL="5070" marR="5070" marT="5070" marB="0" anchor="b">
+                    <a:lnL w="6350" cap="flat" cmpd="sng" algn="ctr">
+                      <a:solidFill>
+                        <a:srgbClr val="000000"/>
+                      </a:solidFill>
+                      <a:prstDash val="solid"/>
+                      <a:round/>
+                      <a:headEnd type="none" w="med" len="med"/>
+                      <a:tailEnd type="none" w="med" len="med"/>
+                    </a:lnL>
+                    <a:lnR w="6350" cap="flat" cmpd="sng" algn="ctr">
+                      <a:solidFill>
+                        <a:srgbClr val="000000"/>
+                      </a:solidFill>
+                      <a:prstDash val="solid"/>
+                      <a:round/>
+                      <a:headEnd type="none" w="med" len="med"/>
+                      <a:tailEnd type="none" w="med" len="med"/>
+                    </a:lnR>
+                    <a:lnT w="6350" cap="flat" cmpd="sng" algn="ctr">
+                      <a:solidFill>
+                        <a:srgbClr val="000000"/>
+                      </a:solidFill>
+                      <a:prstDash val="solid"/>
+                      <a:round/>
+                      <a:headEnd type="none" w="med" len="med"/>
+                      <a:tailEnd type="none" w="med" len="med"/>
+                    </a:lnT>
+                    <a:lnB w="6350" cap="flat" cmpd="sng" algn="ctr">
+                      <a:solidFill>
+                        <a:srgbClr val="000000"/>
+                      </a:solidFill>
+                      <a:prstDash val="solid"/>
+                      <a:round/>
+                      <a:headEnd type="none" w="med" len="med"/>
+                      <a:tailEnd type="none" w="med" len="med"/>
+                    </a:lnB>
+                    <a:solidFill>
+                      <a:srgbClr val="4472C4"/>
+                    </a:solidFill>
+                  </a:tcPr>
+                </a:tc>
+                <a:tc>
+                  <a:txBody>
+                    <a:bodyPr/>
+                    <a:lstStyle/>
+                    <a:p>
+                      <a:pPr algn="l" fontAlgn="b"/>
+                      <a:r>
+                        <a:rPr lang="en-US" sz="900" b="1" i="0" u="none" strike="noStrike">
+                          <a:solidFill>
+                            <a:srgbClr val="FFFFFF"/>
+                          </a:solidFill>
+                          <a:effectLst/>
+                          <a:latin typeface="Calibri" panose="020F0502020204030204" pitchFamily="34" charset="0"/>
+                        </a:rPr>
+                        <a:t>Validation Loss</a:t>
+                      </a:r>
+                    </a:p>
+                  </a:txBody>
+                  <a:tcPr marL="5070" marR="5070" marT="5070" marB="0" anchor="b">
+                    <a:lnL w="6350" cap="flat" cmpd="sng" algn="ctr">
+                      <a:solidFill>
+                        <a:srgbClr val="000000"/>
+                      </a:solidFill>
+                      <a:prstDash val="solid"/>
+                      <a:round/>
+                      <a:headEnd type="none" w="med" len="med"/>
+                      <a:tailEnd type="none" w="med" len="med"/>
+                    </a:lnL>
+                    <a:lnR w="6350" cap="flat" cmpd="sng" algn="ctr">
+                      <a:solidFill>
+                        <a:srgbClr val="000000"/>
+                      </a:solidFill>
+                      <a:prstDash val="solid"/>
+                      <a:round/>
+                      <a:headEnd type="none" w="med" len="med"/>
+                      <a:tailEnd type="none" w="med" len="med"/>
+                    </a:lnR>
+                    <a:lnT w="6350" cap="flat" cmpd="sng" algn="ctr">
+                      <a:solidFill>
+                        <a:srgbClr val="000000"/>
+                      </a:solidFill>
+                      <a:prstDash val="solid"/>
+                      <a:round/>
+                      <a:headEnd type="none" w="med" len="med"/>
+                      <a:tailEnd type="none" w="med" len="med"/>
+                    </a:lnT>
+                    <a:lnB w="6350" cap="flat" cmpd="sng" algn="ctr">
+                      <a:solidFill>
+                        <a:srgbClr val="000000"/>
+                      </a:solidFill>
+                      <a:prstDash val="solid"/>
+                      <a:round/>
+                      <a:headEnd type="none" w="med" len="med"/>
+                      <a:tailEnd type="none" w="med" len="med"/>
+                    </a:lnB>
+                    <a:solidFill>
+                      <a:srgbClr val="4472C4"/>
+                    </a:solidFill>
+                  </a:tcPr>
+                </a:tc>
+                <a:tc>
+                  <a:txBody>
+                    <a:bodyPr/>
+                    <a:lstStyle/>
+                    <a:p>
+                      <a:pPr algn="l" fontAlgn="b"/>
+                      <a:r>
+                        <a:rPr lang="en-US" sz="900" b="1" i="0" u="none" strike="noStrike">
+                          <a:solidFill>
+                            <a:srgbClr val="FFFFFF"/>
+                          </a:solidFill>
+                          <a:effectLst/>
+                          <a:latin typeface="Calibri" panose="020F0502020204030204" pitchFamily="34" charset="0"/>
+                        </a:rPr>
+                        <a:t>Detections on set of 8 images</a:t>
+                      </a:r>
+                    </a:p>
+                  </a:txBody>
+                  <a:tcPr marL="5070" marR="5070" marT="5070" marB="0" anchor="b">
+                    <a:lnL w="6350" cap="flat" cmpd="sng" algn="ctr">
+                      <a:solidFill>
+                        <a:srgbClr val="000000"/>
+                      </a:solidFill>
+                      <a:prstDash val="solid"/>
+                      <a:round/>
+                      <a:headEnd type="none" w="med" len="med"/>
+                      <a:tailEnd type="none" w="med" len="med"/>
+                    </a:lnL>
+                    <a:lnR w="6350" cap="flat" cmpd="sng" algn="ctr">
+                      <a:solidFill>
+                        <a:srgbClr val="000000"/>
+                      </a:solidFill>
+                      <a:prstDash val="solid"/>
+                      <a:round/>
+                      <a:headEnd type="none" w="med" len="med"/>
+                      <a:tailEnd type="none" w="med" len="med"/>
+                    </a:lnR>
+                    <a:lnT w="6350" cap="flat" cmpd="sng" algn="ctr">
+                      <a:solidFill>
+                        <a:srgbClr val="000000"/>
+                      </a:solidFill>
+                      <a:prstDash val="solid"/>
+                      <a:round/>
+                      <a:headEnd type="none" w="med" len="med"/>
+                      <a:tailEnd type="none" w="med" len="med"/>
+                    </a:lnT>
+                    <a:lnB w="6350" cap="flat" cmpd="sng" algn="ctr">
+                      <a:solidFill>
+                        <a:srgbClr val="000000"/>
+                      </a:solidFill>
+                      <a:prstDash val="solid"/>
+                      <a:round/>
+                      <a:headEnd type="none" w="med" len="med"/>
+                      <a:tailEnd type="none" w="med" len="med"/>
+                    </a:lnB>
+                    <a:solidFill>
+                      <a:srgbClr val="4472C4"/>
+                    </a:solidFill>
+                  </a:tcPr>
+                </a:tc>
+                <a:tc>
+                  <a:txBody>
+                    <a:bodyPr/>
+                    <a:lstStyle/>
+                    <a:p>
+                      <a:pPr algn="l" fontAlgn="b"/>
+                      <a:r>
+                        <a:rPr lang="en-US" sz="900" b="1" i="0" u="none" strike="noStrike">
+                          <a:solidFill>
+                            <a:srgbClr val="FFFFFF"/>
+                          </a:solidFill>
+                          <a:effectLst/>
+                          <a:latin typeface="Calibri" panose="020F0502020204030204" pitchFamily="34" charset="0"/>
+                        </a:rPr>
+                        <a:t>Multi-Object detection</a:t>
+                      </a:r>
+                    </a:p>
+                  </a:txBody>
+                  <a:tcPr marL="5070" marR="5070" marT="5070" marB="0" anchor="b">
+                    <a:lnL w="6350" cap="flat" cmpd="sng" algn="ctr">
+                      <a:solidFill>
+                        <a:srgbClr val="000000"/>
+                      </a:solidFill>
+                      <a:prstDash val="solid"/>
+                      <a:round/>
+                      <a:headEnd type="none" w="med" len="med"/>
+                      <a:tailEnd type="none" w="med" len="med"/>
+                    </a:lnL>
+                    <a:lnR w="6350" cap="flat" cmpd="sng" algn="ctr">
+                      <a:solidFill>
+                        <a:srgbClr val="000000"/>
+                      </a:solidFill>
+                      <a:prstDash val="solid"/>
+                      <a:round/>
+                      <a:headEnd type="none" w="med" len="med"/>
+                      <a:tailEnd type="none" w="med" len="med"/>
+                    </a:lnR>
+                    <a:lnT w="6350" cap="flat" cmpd="sng" algn="ctr">
+                      <a:solidFill>
+                        <a:srgbClr val="000000"/>
+                      </a:solidFill>
+                      <a:prstDash val="solid"/>
+                      <a:round/>
+                      <a:headEnd type="none" w="med" len="med"/>
+                      <a:tailEnd type="none" w="med" len="med"/>
+                    </a:lnT>
+                    <a:lnB w="6350" cap="flat" cmpd="sng" algn="ctr">
+                      <a:solidFill>
+                        <a:srgbClr val="000000"/>
+                      </a:solidFill>
+                      <a:prstDash val="solid"/>
+                      <a:round/>
+                      <a:headEnd type="none" w="med" len="med"/>
+                      <a:tailEnd type="none" w="med" len="med"/>
+                    </a:lnB>
+                    <a:solidFill>
+                      <a:srgbClr val="4472C4"/>
+                    </a:solidFill>
+                  </a:tcPr>
+                </a:tc>
+                <a:tc>
+                  <a:txBody>
+                    <a:bodyPr/>
+                    <a:lstStyle/>
+                    <a:p>
+                      <a:pPr algn="l" fontAlgn="b"/>
+                      <a:r>
+                        <a:rPr lang="en-US" sz="900" b="1" i="0" u="none" strike="noStrike">
+                          <a:solidFill>
+                            <a:srgbClr val="FFFFFF"/>
+                          </a:solidFill>
+                          <a:effectLst/>
+                          <a:latin typeface="Calibri" panose="020F0502020204030204" pitchFamily="34" charset="0"/>
+                        </a:rPr>
+                        <a:t>Incorrect detections</a:t>
+                      </a:r>
+                    </a:p>
+                  </a:txBody>
+                  <a:tcPr marL="5070" marR="5070" marT="5070" marB="0" anchor="b">
+                    <a:lnL w="6350" cap="flat" cmpd="sng" algn="ctr">
+                      <a:solidFill>
+                        <a:srgbClr val="000000"/>
+                      </a:solidFill>
+                      <a:prstDash val="solid"/>
+                      <a:round/>
+                      <a:headEnd type="none" w="med" len="med"/>
+                      <a:tailEnd type="none" w="med" len="med"/>
+                    </a:lnL>
+                    <a:lnR w="6350" cap="flat" cmpd="sng" algn="ctr">
+                      <a:solidFill>
+                        <a:srgbClr val="000000"/>
+                      </a:solidFill>
+                      <a:prstDash val="solid"/>
+                      <a:round/>
+                      <a:headEnd type="none" w="med" len="med"/>
+                      <a:tailEnd type="none" w="med" len="med"/>
+                    </a:lnR>
+                    <a:lnT w="6350" cap="flat" cmpd="sng" algn="ctr">
+                      <a:solidFill>
+                        <a:srgbClr val="000000"/>
+                      </a:solidFill>
+                      <a:prstDash val="solid"/>
+                      <a:round/>
+                      <a:headEnd type="none" w="med" len="med"/>
+                      <a:tailEnd type="none" w="med" len="med"/>
+                    </a:lnT>
+                    <a:lnB w="6350" cap="flat" cmpd="sng" algn="ctr">
+                      <a:solidFill>
+                        <a:srgbClr val="000000"/>
+                      </a:solidFill>
+                      <a:prstDash val="solid"/>
+                      <a:round/>
+                      <a:headEnd type="none" w="med" len="med"/>
+                      <a:tailEnd type="none" w="med" len="med"/>
+                    </a:lnB>
+                    <a:solidFill>
+                      <a:srgbClr val="4472C4"/>
+                    </a:solidFill>
+                  </a:tcPr>
+                </a:tc>
+                <a:tc>
+                  <a:txBody>
+                    <a:bodyPr/>
+                    <a:lstStyle/>
+                    <a:p>
+                      <a:pPr algn="l" fontAlgn="b"/>
+                      <a:r>
+                        <a:rPr lang="en-US" sz="900" b="1" i="0" u="none" strike="noStrike">
+                          <a:solidFill>
+                            <a:srgbClr val="FFFFFF"/>
+                          </a:solidFill>
+                          <a:effectLst/>
+                          <a:latin typeface="Calibri" panose="020F0502020204030204" pitchFamily="34" charset="0"/>
+                        </a:rPr>
+                        <a:t>Detection on 2 videos</a:t>
+                      </a:r>
+                    </a:p>
+                  </a:txBody>
+                  <a:tcPr marL="5070" marR="5070" marT="5070" marB="0" anchor="b">
+                    <a:lnL w="6350" cap="flat" cmpd="sng" algn="ctr">
+                      <a:solidFill>
+                        <a:srgbClr val="000000"/>
+                      </a:solidFill>
+                      <a:prstDash val="solid"/>
+                      <a:round/>
+                      <a:headEnd type="none" w="med" len="med"/>
+                      <a:tailEnd type="none" w="med" len="med"/>
+                    </a:lnL>
+                    <a:lnR w="6350" cap="flat" cmpd="sng" algn="ctr">
+                      <a:solidFill>
+                        <a:srgbClr val="000000"/>
+                      </a:solidFill>
+                      <a:prstDash val="solid"/>
+                      <a:round/>
+                      <a:headEnd type="none" w="med" len="med"/>
+                      <a:tailEnd type="none" w="med" len="med"/>
+                    </a:lnR>
+                    <a:lnT w="6350" cap="flat" cmpd="sng" algn="ctr">
+                      <a:solidFill>
+                        <a:srgbClr val="000000"/>
+                      </a:solidFill>
+                      <a:prstDash val="solid"/>
+                      <a:round/>
+                      <a:headEnd type="none" w="med" len="med"/>
+                      <a:tailEnd type="none" w="med" len="med"/>
+                    </a:lnT>
+                    <a:lnB w="6350" cap="flat" cmpd="sng" algn="ctr">
+                      <a:solidFill>
+                        <a:srgbClr val="000000"/>
+                      </a:solidFill>
+                      <a:prstDash val="solid"/>
+                      <a:round/>
+                      <a:headEnd type="none" w="med" len="med"/>
+                      <a:tailEnd type="none" w="med" len="med"/>
+                    </a:lnB>
+                    <a:solidFill>
+                      <a:srgbClr val="4472C4"/>
+                    </a:solidFill>
+                  </a:tcPr>
+                </a:tc>
+                <a:extLst>
+                  <a:ext uri="{0D108BD9-81ED-4DB2-BD59-A6C34878D82A}">
+                    <a16:rowId xmlns:a16="http://schemas.microsoft.com/office/drawing/2014/main" val="3349584170"/>
+                  </a:ext>
+                </a:extLst>
+              </a:tr>
+              <a:tr h="147036">
+                <a:tc>
+                  <a:txBody>
+                    <a:bodyPr/>
+                    <a:lstStyle/>
+                    <a:p>
+                      <a:pPr algn="l" fontAlgn="b"/>
+                      <a:r>
+                        <a:rPr lang="en-US" sz="900" b="0" i="0" u="none" strike="noStrike">
+                          <a:solidFill>
+                            <a:srgbClr val="000000"/>
+                          </a:solidFill>
+                          <a:effectLst/>
+                          <a:latin typeface="Calibri" panose="020F0502020204030204" pitchFamily="34" charset="0"/>
+                        </a:rPr>
+                        <a:t>10+10nonfreeze_32_10batch</a:t>
+                      </a:r>
+                    </a:p>
+                  </a:txBody>
+                  <a:tcPr marL="5070" marR="5070" marT="5070" marB="0" anchor="b">
+                    <a:lnL w="6350" cap="flat" cmpd="sng" algn="ctr">
+                      <a:solidFill>
+                        <a:srgbClr val="000000"/>
+                      </a:solidFill>
+                      <a:prstDash val="solid"/>
+                      <a:round/>
+                      <a:headEnd type="none" w="med" len="med"/>
+                      <a:tailEnd type="none" w="med" len="med"/>
+                    </a:lnL>
+                    <a:lnR w="6350" cap="flat" cmpd="sng" algn="ctr">
+                      <a:solidFill>
+                        <a:srgbClr val="000000"/>
+                      </a:solidFill>
+                      <a:prstDash val="solid"/>
+                      <a:round/>
+                      <a:headEnd type="none" w="med" len="med"/>
+                      <a:tailEnd type="none" w="med" len="med"/>
+                    </a:lnR>
+                    <a:lnT w="6350" cap="flat" cmpd="sng" algn="ctr">
+                      <a:solidFill>
+                        <a:srgbClr val="000000"/>
+                      </a:solidFill>
+                      <a:prstDash val="solid"/>
+                      <a:round/>
+                      <a:headEnd type="none" w="med" len="med"/>
+                      <a:tailEnd type="none" w="med" len="med"/>
+                    </a:lnT>
+                    <a:lnB w="6350" cap="flat" cmpd="sng" algn="ctr">
+                      <a:solidFill>
+                        <a:srgbClr val="000000"/>
+                      </a:solidFill>
+                      <a:prstDash val="solid"/>
+                      <a:round/>
+                      <a:headEnd type="none" w="med" len="med"/>
+                      <a:tailEnd type="none" w="med" len="med"/>
+                    </a:lnB>
+                    <a:solidFill>
+                      <a:srgbClr val="D9E1F2"/>
+                    </a:solidFill>
+                  </a:tcPr>
+                </a:tc>
+                <a:tc>
+                  <a:txBody>
+                    <a:bodyPr/>
+                    <a:lstStyle/>
+                    <a:p>
+                      <a:pPr algn="l" fontAlgn="b"/>
+                      <a:r>
+                        <a:rPr lang="en-US" sz="900" b="0" i="0" u="none" strike="noStrike">
+                          <a:solidFill>
+                            <a:srgbClr val="000000"/>
+                          </a:solidFill>
+                          <a:effectLst/>
+                          <a:latin typeface="Calibri" panose="020F0502020204030204" pitchFamily="34" charset="0"/>
+                        </a:rPr>
+                        <a:t> </a:t>
+                      </a:r>
+                    </a:p>
+                  </a:txBody>
+                  <a:tcPr marL="5070" marR="5070" marT="5070" marB="0" anchor="b">
+                    <a:lnL w="6350" cap="flat" cmpd="sng" algn="ctr">
+                      <a:solidFill>
+                        <a:srgbClr val="000000"/>
+                      </a:solidFill>
+                      <a:prstDash val="solid"/>
+                      <a:round/>
+                      <a:headEnd type="none" w="med" len="med"/>
+                      <a:tailEnd type="none" w="med" len="med"/>
+                    </a:lnL>
+                    <a:lnR w="6350" cap="flat" cmpd="sng" algn="ctr">
+                      <a:solidFill>
+                        <a:srgbClr val="000000"/>
+                      </a:solidFill>
+                      <a:prstDash val="solid"/>
+                      <a:round/>
+                      <a:headEnd type="none" w="med" len="med"/>
+                      <a:tailEnd type="none" w="med" len="med"/>
+                    </a:lnR>
+                    <a:lnT w="6350" cap="flat" cmpd="sng" algn="ctr">
+                      <a:solidFill>
+                        <a:srgbClr val="000000"/>
+                      </a:solidFill>
+                      <a:prstDash val="solid"/>
+                      <a:round/>
+                      <a:headEnd type="none" w="med" len="med"/>
+                      <a:tailEnd type="none" w="med" len="med"/>
+                    </a:lnT>
+                    <a:lnB w="6350" cap="flat" cmpd="sng" algn="ctr">
+                      <a:solidFill>
+                        <a:srgbClr val="000000"/>
+                      </a:solidFill>
+                      <a:prstDash val="solid"/>
+                      <a:round/>
+                      <a:headEnd type="none" w="med" len="med"/>
+                      <a:tailEnd type="none" w="med" len="med"/>
+                    </a:lnB>
+                    <a:solidFill>
+                      <a:srgbClr val="D9E1F2"/>
+                    </a:solidFill>
+                  </a:tcPr>
+                </a:tc>
+                <a:tc>
+                  <a:txBody>
+                    <a:bodyPr/>
+                    <a:lstStyle/>
+                    <a:p>
+                      <a:pPr algn="l" fontAlgn="b"/>
+                      <a:r>
+                        <a:rPr lang="en-US" sz="900" b="0" i="0" u="none" strike="noStrike">
+                          <a:solidFill>
+                            <a:srgbClr val="000000"/>
+                          </a:solidFill>
+                          <a:effectLst/>
+                          <a:latin typeface="Calibri" panose="020F0502020204030204" pitchFamily="34" charset="0"/>
+                        </a:rPr>
+                        <a:t> </a:t>
+                      </a:r>
+                    </a:p>
+                  </a:txBody>
+                  <a:tcPr marL="5070" marR="5070" marT="5070" marB="0" anchor="b">
+                    <a:lnL w="6350" cap="flat" cmpd="sng" algn="ctr">
+                      <a:solidFill>
+                        <a:srgbClr val="000000"/>
+                      </a:solidFill>
+                      <a:prstDash val="solid"/>
+                      <a:round/>
+                      <a:headEnd type="none" w="med" len="med"/>
+                      <a:tailEnd type="none" w="med" len="med"/>
+                    </a:lnL>
+                    <a:lnR w="6350" cap="flat" cmpd="sng" algn="ctr">
+                      <a:solidFill>
+                        <a:srgbClr val="000000"/>
+                      </a:solidFill>
+                      <a:prstDash val="solid"/>
+                      <a:round/>
+                      <a:headEnd type="none" w="med" len="med"/>
+                      <a:tailEnd type="none" w="med" len="med"/>
+                    </a:lnR>
+                    <a:lnT w="6350" cap="flat" cmpd="sng" algn="ctr">
+                      <a:solidFill>
+                        <a:srgbClr val="000000"/>
+                      </a:solidFill>
+                      <a:prstDash val="solid"/>
+                      <a:round/>
+                      <a:headEnd type="none" w="med" len="med"/>
+                      <a:tailEnd type="none" w="med" len="med"/>
+                    </a:lnT>
+                    <a:lnB w="6350" cap="flat" cmpd="sng" algn="ctr">
+                      <a:solidFill>
+                        <a:srgbClr val="000000"/>
+                      </a:solidFill>
+                      <a:prstDash val="solid"/>
+                      <a:round/>
+                      <a:headEnd type="none" w="med" len="med"/>
+                      <a:tailEnd type="none" w="med" len="med"/>
+                    </a:lnB>
+                    <a:solidFill>
+                      <a:srgbClr val="D9E1F2"/>
+                    </a:solidFill>
+                  </a:tcPr>
+                </a:tc>
+                <a:tc>
+                  <a:txBody>
+                    <a:bodyPr/>
+                    <a:lstStyle/>
+                    <a:p>
+                      <a:pPr algn="l" fontAlgn="b"/>
+                      <a:r>
+                        <a:rPr lang="en-US" sz="900" b="0" i="0" u="none" strike="noStrike">
+                          <a:solidFill>
+                            <a:srgbClr val="000000"/>
+                          </a:solidFill>
+                          <a:effectLst/>
+                          <a:latin typeface="Calibri" panose="020F0502020204030204" pitchFamily="34" charset="0"/>
+                        </a:rPr>
+                        <a:t> </a:t>
+                      </a:r>
+                    </a:p>
+                  </a:txBody>
+                  <a:tcPr marL="5070" marR="5070" marT="5070" marB="0" anchor="b">
+                    <a:lnL w="6350" cap="flat" cmpd="sng" algn="ctr">
+                      <a:solidFill>
+                        <a:srgbClr val="000000"/>
+                      </a:solidFill>
+                      <a:prstDash val="solid"/>
+                      <a:round/>
+                      <a:headEnd type="none" w="med" len="med"/>
+                      <a:tailEnd type="none" w="med" len="med"/>
+                    </a:lnL>
+                    <a:lnR w="6350" cap="flat" cmpd="sng" algn="ctr">
+                      <a:solidFill>
+                        <a:srgbClr val="000000"/>
+                      </a:solidFill>
+                      <a:prstDash val="solid"/>
+                      <a:round/>
+                      <a:headEnd type="none" w="med" len="med"/>
+                      <a:tailEnd type="none" w="med" len="med"/>
+                    </a:lnR>
+                    <a:lnT w="6350" cap="flat" cmpd="sng" algn="ctr">
+                      <a:solidFill>
+                        <a:srgbClr val="000000"/>
+                      </a:solidFill>
+                      <a:prstDash val="solid"/>
+                      <a:round/>
+                      <a:headEnd type="none" w="med" len="med"/>
+                      <a:tailEnd type="none" w="med" len="med"/>
+                    </a:lnT>
+                    <a:lnB w="6350" cap="flat" cmpd="sng" algn="ctr">
+                      <a:solidFill>
+                        <a:srgbClr val="000000"/>
+                      </a:solidFill>
+                      <a:prstDash val="solid"/>
+                      <a:round/>
+                      <a:headEnd type="none" w="med" len="med"/>
+                      <a:tailEnd type="none" w="med" len="med"/>
+                    </a:lnB>
+                    <a:solidFill>
+                      <a:srgbClr val="D9E1F2"/>
+                    </a:solidFill>
+                  </a:tcPr>
+                </a:tc>
+                <a:tc>
+                  <a:txBody>
+                    <a:bodyPr/>
+                    <a:lstStyle/>
+                    <a:p>
+                      <a:pPr algn="l" fontAlgn="b"/>
+                      <a:r>
+                        <a:rPr lang="en-US" sz="900" b="0" i="0" u="none" strike="noStrike">
+                          <a:solidFill>
+                            <a:srgbClr val="000000"/>
+                          </a:solidFill>
+                          <a:effectLst/>
+                          <a:latin typeface="Calibri" panose="020F0502020204030204" pitchFamily="34" charset="0"/>
+                        </a:rPr>
+                        <a:t> </a:t>
+                      </a:r>
+                    </a:p>
+                  </a:txBody>
+                  <a:tcPr marL="5070" marR="5070" marT="5070" marB="0" anchor="b">
+                    <a:lnL w="6350" cap="flat" cmpd="sng" algn="ctr">
+                      <a:solidFill>
+                        <a:srgbClr val="000000"/>
+                      </a:solidFill>
+                      <a:prstDash val="solid"/>
+                      <a:round/>
+                      <a:headEnd type="none" w="med" len="med"/>
+                      <a:tailEnd type="none" w="med" len="med"/>
+                    </a:lnL>
+                    <a:lnR w="6350" cap="flat" cmpd="sng" algn="ctr">
+                      <a:solidFill>
+                        <a:srgbClr val="000000"/>
+                      </a:solidFill>
+                      <a:prstDash val="solid"/>
+                      <a:round/>
+                      <a:headEnd type="none" w="med" len="med"/>
+                      <a:tailEnd type="none" w="med" len="med"/>
+                    </a:lnR>
+                    <a:lnT w="6350" cap="flat" cmpd="sng" algn="ctr">
+                      <a:solidFill>
+                        <a:srgbClr val="000000"/>
+                      </a:solidFill>
+                      <a:prstDash val="solid"/>
+                      <a:round/>
+                      <a:headEnd type="none" w="med" len="med"/>
+                      <a:tailEnd type="none" w="med" len="med"/>
+                    </a:lnT>
+                    <a:lnB w="6350" cap="flat" cmpd="sng" algn="ctr">
+                      <a:solidFill>
+                        <a:srgbClr val="000000"/>
+                      </a:solidFill>
+                      <a:prstDash val="solid"/>
+                      <a:round/>
+                      <a:headEnd type="none" w="med" len="med"/>
+                      <a:tailEnd type="none" w="med" len="med"/>
+                    </a:lnB>
+                    <a:solidFill>
+                      <a:srgbClr val="D9E1F2"/>
+                    </a:solidFill>
+                  </a:tcPr>
+                </a:tc>
+                <a:tc>
+                  <a:txBody>
+                    <a:bodyPr/>
+                    <a:lstStyle/>
+                    <a:p>
+                      <a:pPr algn="l" fontAlgn="b"/>
+                      <a:r>
+                        <a:rPr lang="en-US" sz="900" b="0" i="0" u="none" strike="noStrike">
+                          <a:solidFill>
+                            <a:srgbClr val="000000"/>
+                          </a:solidFill>
+                          <a:effectLst/>
+                          <a:latin typeface="Calibri" panose="020F0502020204030204" pitchFamily="34" charset="0"/>
+                        </a:rPr>
+                        <a:t> </a:t>
+                      </a:r>
+                    </a:p>
+                  </a:txBody>
+                  <a:tcPr marL="5070" marR="5070" marT="5070" marB="0" anchor="b">
+                    <a:lnL w="6350" cap="flat" cmpd="sng" algn="ctr">
+                      <a:solidFill>
+                        <a:srgbClr val="000000"/>
+                      </a:solidFill>
+                      <a:prstDash val="solid"/>
+                      <a:round/>
+                      <a:headEnd type="none" w="med" len="med"/>
+                      <a:tailEnd type="none" w="med" len="med"/>
+                    </a:lnL>
+                    <a:lnR w="6350" cap="flat" cmpd="sng" algn="ctr">
+                      <a:solidFill>
+                        <a:srgbClr val="000000"/>
+                      </a:solidFill>
+                      <a:prstDash val="solid"/>
+                      <a:round/>
+                      <a:headEnd type="none" w="med" len="med"/>
+                      <a:tailEnd type="none" w="med" len="med"/>
+                    </a:lnR>
+                    <a:lnT w="6350" cap="flat" cmpd="sng" algn="ctr">
+                      <a:solidFill>
+                        <a:srgbClr val="000000"/>
+                      </a:solidFill>
+                      <a:prstDash val="solid"/>
+                      <a:round/>
+                      <a:headEnd type="none" w="med" len="med"/>
+                      <a:tailEnd type="none" w="med" len="med"/>
+                    </a:lnT>
+                    <a:lnB w="6350" cap="flat" cmpd="sng" algn="ctr">
+                      <a:solidFill>
+                        <a:srgbClr val="000000"/>
+                      </a:solidFill>
+                      <a:prstDash val="solid"/>
+                      <a:round/>
+                      <a:headEnd type="none" w="med" len="med"/>
+                      <a:tailEnd type="none" w="med" len="med"/>
+                    </a:lnB>
+                    <a:solidFill>
+                      <a:srgbClr val="D9E1F2"/>
+                    </a:solidFill>
+                  </a:tcPr>
+                </a:tc>
+                <a:tc>
+                  <a:txBody>
+                    <a:bodyPr/>
+                    <a:lstStyle/>
+                    <a:p>
+                      <a:pPr algn="l" fontAlgn="b"/>
+                      <a:r>
+                        <a:rPr lang="en-US" sz="900" b="0" i="0" u="none" strike="noStrike">
+                          <a:solidFill>
+                            <a:srgbClr val="000000"/>
+                          </a:solidFill>
+                          <a:effectLst/>
+                          <a:latin typeface="Calibri" panose="020F0502020204030204" pitchFamily="34" charset="0"/>
+                        </a:rPr>
+                        <a:t> </a:t>
+                      </a:r>
+                    </a:p>
+                  </a:txBody>
+                  <a:tcPr marL="5070" marR="5070" marT="5070" marB="0" anchor="b">
+                    <a:lnL w="6350" cap="flat" cmpd="sng" algn="ctr">
+                      <a:solidFill>
+                        <a:srgbClr val="000000"/>
+                      </a:solidFill>
+                      <a:prstDash val="solid"/>
+                      <a:round/>
+                      <a:headEnd type="none" w="med" len="med"/>
+                      <a:tailEnd type="none" w="med" len="med"/>
+                    </a:lnL>
+                    <a:lnR w="6350" cap="flat" cmpd="sng" algn="ctr">
+                      <a:solidFill>
+                        <a:srgbClr val="000000"/>
+                      </a:solidFill>
+                      <a:prstDash val="solid"/>
+                      <a:round/>
+                      <a:headEnd type="none" w="med" len="med"/>
+                      <a:tailEnd type="none" w="med" len="med"/>
+                    </a:lnR>
+                    <a:lnT w="6350" cap="flat" cmpd="sng" algn="ctr">
+                      <a:solidFill>
+                        <a:srgbClr val="000000"/>
+                      </a:solidFill>
+                      <a:prstDash val="solid"/>
+                      <a:round/>
+                      <a:headEnd type="none" w="med" len="med"/>
+                      <a:tailEnd type="none" w="med" len="med"/>
+                    </a:lnT>
+                    <a:lnB w="6350" cap="flat" cmpd="sng" algn="ctr">
+                      <a:solidFill>
+                        <a:srgbClr val="000000"/>
+                      </a:solidFill>
+                      <a:prstDash val="solid"/>
+                      <a:round/>
+                      <a:headEnd type="none" w="med" len="med"/>
+                      <a:tailEnd type="none" w="med" len="med"/>
+                    </a:lnB>
+                    <a:solidFill>
+                      <a:srgbClr val="D9E1F2"/>
+                    </a:solidFill>
+                  </a:tcPr>
+                </a:tc>
+                <a:tc>
+                  <a:txBody>
+                    <a:bodyPr/>
+                    <a:lstStyle/>
+                    <a:p>
+                      <a:pPr algn="l" fontAlgn="b"/>
+                      <a:r>
+                        <a:rPr lang="en-US" sz="900" b="0" i="0" u="none" strike="noStrike">
+                          <a:solidFill>
+                            <a:srgbClr val="000000"/>
+                          </a:solidFill>
+                          <a:effectLst/>
+                          <a:latin typeface="Calibri" panose="020F0502020204030204" pitchFamily="34" charset="0"/>
+                        </a:rPr>
+                        <a:t> </a:t>
+                      </a:r>
+                    </a:p>
+                  </a:txBody>
+                  <a:tcPr marL="5070" marR="5070" marT="5070" marB="0" anchor="b">
+                    <a:lnL w="6350" cap="flat" cmpd="sng" algn="ctr">
+                      <a:solidFill>
+                        <a:srgbClr val="000000"/>
+                      </a:solidFill>
+                      <a:prstDash val="solid"/>
+                      <a:round/>
+                      <a:headEnd type="none" w="med" len="med"/>
+                      <a:tailEnd type="none" w="med" len="med"/>
+                    </a:lnL>
+                    <a:lnR w="6350" cap="flat" cmpd="sng" algn="ctr">
+                      <a:solidFill>
+                        <a:srgbClr val="000000"/>
+                      </a:solidFill>
+                      <a:prstDash val="solid"/>
+                      <a:round/>
+                      <a:headEnd type="none" w="med" len="med"/>
+                      <a:tailEnd type="none" w="med" len="med"/>
+                    </a:lnR>
+                    <a:lnT w="6350" cap="flat" cmpd="sng" algn="ctr">
+                      <a:solidFill>
+                        <a:srgbClr val="000000"/>
+                      </a:solidFill>
+                      <a:prstDash val="solid"/>
+                      <a:round/>
+                      <a:headEnd type="none" w="med" len="med"/>
+                      <a:tailEnd type="none" w="med" len="med"/>
+                    </a:lnT>
+                    <a:lnB w="6350" cap="flat" cmpd="sng" algn="ctr">
+                      <a:solidFill>
+                        <a:srgbClr val="000000"/>
+                      </a:solidFill>
+                      <a:prstDash val="solid"/>
+                      <a:round/>
+                      <a:headEnd type="none" w="med" len="med"/>
+                      <a:tailEnd type="none" w="med" len="med"/>
+                    </a:lnB>
+                    <a:solidFill>
+                      <a:srgbClr val="D9E1F2"/>
+                    </a:solidFill>
+                  </a:tcPr>
+                </a:tc>
+                <a:extLst>
+                  <a:ext uri="{0D108BD9-81ED-4DB2-BD59-A6C34878D82A}">
+                    <a16:rowId xmlns:a16="http://schemas.microsoft.com/office/drawing/2014/main" val="1508743853"/>
+                  </a:ext>
+                </a:extLst>
+              </a:tr>
+              <a:tr h="147036">
+                <a:tc>
+                  <a:txBody>
+                    <a:bodyPr/>
+                    <a:lstStyle/>
+                    <a:p>
+                      <a:pPr algn="l" fontAlgn="b"/>
+                      <a:r>
+                        <a:rPr lang="en-US" sz="900" b="0" i="0" u="none" strike="noStrike">
+                          <a:solidFill>
+                            <a:srgbClr val="000000"/>
+                          </a:solidFill>
+                          <a:effectLst/>
+                          <a:latin typeface="Calibri" panose="020F0502020204030204" pitchFamily="34" charset="0"/>
+                        </a:rPr>
+                        <a:t>10+10nonfreeze_32_10batch_fullset</a:t>
+                      </a:r>
+                    </a:p>
+                  </a:txBody>
+                  <a:tcPr marL="5070" marR="5070" marT="5070" marB="0" anchor="b">
+                    <a:lnL w="6350" cap="flat" cmpd="sng" algn="ctr">
+                      <a:solidFill>
+                        <a:srgbClr val="000000"/>
+                      </a:solidFill>
+                      <a:prstDash val="solid"/>
+                      <a:round/>
+                      <a:headEnd type="none" w="med" len="med"/>
+                      <a:tailEnd type="none" w="med" len="med"/>
+                    </a:lnL>
+                    <a:lnR w="6350" cap="flat" cmpd="sng" algn="ctr">
+                      <a:solidFill>
+                        <a:srgbClr val="000000"/>
+                      </a:solidFill>
+                      <a:prstDash val="solid"/>
+                      <a:round/>
+                      <a:headEnd type="none" w="med" len="med"/>
+                      <a:tailEnd type="none" w="med" len="med"/>
+                    </a:lnR>
+                    <a:lnT w="6350" cap="flat" cmpd="sng" algn="ctr">
+                      <a:solidFill>
+                        <a:srgbClr val="000000"/>
+                      </a:solidFill>
+                      <a:prstDash val="solid"/>
+                      <a:round/>
+                      <a:headEnd type="none" w="med" len="med"/>
+                      <a:tailEnd type="none" w="med" len="med"/>
+                    </a:lnT>
+                    <a:lnB w="6350" cap="flat" cmpd="sng" algn="ctr">
+                      <a:solidFill>
+                        <a:srgbClr val="000000"/>
+                      </a:solidFill>
+                      <a:prstDash val="solid"/>
+                      <a:round/>
+                      <a:headEnd type="none" w="med" len="med"/>
+                      <a:tailEnd type="none" w="med" len="med"/>
+                    </a:lnB>
+                  </a:tcPr>
+                </a:tc>
+                <a:tc>
+                  <a:txBody>
+                    <a:bodyPr/>
+                    <a:lstStyle/>
+                    <a:p>
+                      <a:pPr algn="l" fontAlgn="b"/>
+                      <a:r>
+                        <a:rPr lang="en-US" sz="900" b="0" i="0" u="none" strike="noStrike">
+                          <a:solidFill>
+                            <a:srgbClr val="000000"/>
+                          </a:solidFill>
+                          <a:effectLst/>
+                          <a:latin typeface="Calibri" panose="020F0502020204030204" pitchFamily="34" charset="0"/>
+                        </a:rPr>
+                        <a:t> </a:t>
+                      </a:r>
+                    </a:p>
+                  </a:txBody>
+                  <a:tcPr marL="5070" marR="5070" marT="5070" marB="0" anchor="b">
+                    <a:lnL w="6350" cap="flat" cmpd="sng" algn="ctr">
+                      <a:solidFill>
+                        <a:srgbClr val="000000"/>
+                      </a:solidFill>
+                      <a:prstDash val="solid"/>
+                      <a:round/>
+                      <a:headEnd type="none" w="med" len="med"/>
+                      <a:tailEnd type="none" w="med" len="med"/>
+                    </a:lnL>
+                    <a:lnR w="6350" cap="flat" cmpd="sng" algn="ctr">
+                      <a:solidFill>
+                        <a:srgbClr val="000000"/>
+                      </a:solidFill>
+                      <a:prstDash val="solid"/>
+                      <a:round/>
+                      <a:headEnd type="none" w="med" len="med"/>
+                      <a:tailEnd type="none" w="med" len="med"/>
+                    </a:lnR>
+                    <a:lnT w="6350" cap="flat" cmpd="sng" algn="ctr">
+                      <a:solidFill>
+                        <a:srgbClr val="000000"/>
+                      </a:solidFill>
+                      <a:prstDash val="solid"/>
+                      <a:round/>
+                      <a:headEnd type="none" w="med" len="med"/>
+                      <a:tailEnd type="none" w="med" len="med"/>
+                    </a:lnT>
+                    <a:lnB w="6350" cap="flat" cmpd="sng" algn="ctr">
+                      <a:solidFill>
+                        <a:srgbClr val="000000"/>
+                      </a:solidFill>
+                      <a:prstDash val="solid"/>
+                      <a:round/>
+                      <a:headEnd type="none" w="med" len="med"/>
+                      <a:tailEnd type="none" w="med" len="med"/>
+                    </a:lnB>
+                  </a:tcPr>
+                </a:tc>
+                <a:tc>
+                  <a:txBody>
+                    <a:bodyPr/>
+                    <a:lstStyle/>
+                    <a:p>
+                      <a:pPr algn="l" fontAlgn="b"/>
+                      <a:r>
+                        <a:rPr lang="en-US" sz="900" b="0" i="0" u="none" strike="noStrike">
+                          <a:solidFill>
+                            <a:srgbClr val="000000"/>
+                          </a:solidFill>
+                          <a:effectLst/>
+                          <a:latin typeface="Calibri" panose="020F0502020204030204" pitchFamily="34" charset="0"/>
+                        </a:rPr>
+                        <a:t> </a:t>
+                      </a:r>
+                    </a:p>
+                  </a:txBody>
+                  <a:tcPr marL="5070" marR="5070" marT="5070" marB="0" anchor="b">
+                    <a:lnL w="6350" cap="flat" cmpd="sng" algn="ctr">
+                      <a:solidFill>
+                        <a:srgbClr val="000000"/>
+                      </a:solidFill>
+                      <a:prstDash val="solid"/>
+                      <a:round/>
+                      <a:headEnd type="none" w="med" len="med"/>
+                      <a:tailEnd type="none" w="med" len="med"/>
+                    </a:lnL>
+                    <a:lnR w="6350" cap="flat" cmpd="sng" algn="ctr">
+                      <a:solidFill>
+                        <a:srgbClr val="000000"/>
+                      </a:solidFill>
+                      <a:prstDash val="solid"/>
+                      <a:round/>
+                      <a:headEnd type="none" w="med" len="med"/>
+                      <a:tailEnd type="none" w="med" len="med"/>
+                    </a:lnR>
+                    <a:lnT w="6350" cap="flat" cmpd="sng" algn="ctr">
+                      <a:solidFill>
+                        <a:srgbClr val="000000"/>
+                      </a:solidFill>
+                      <a:prstDash val="solid"/>
+                      <a:round/>
+                      <a:headEnd type="none" w="med" len="med"/>
+                      <a:tailEnd type="none" w="med" len="med"/>
+                    </a:lnT>
+                    <a:lnB w="6350" cap="flat" cmpd="sng" algn="ctr">
+                      <a:solidFill>
+                        <a:srgbClr val="000000"/>
+                      </a:solidFill>
+                      <a:prstDash val="solid"/>
+                      <a:round/>
+                      <a:headEnd type="none" w="med" len="med"/>
+                      <a:tailEnd type="none" w="med" len="med"/>
+                    </a:lnB>
+                  </a:tcPr>
+                </a:tc>
+                <a:tc>
+                  <a:txBody>
+                    <a:bodyPr/>
+                    <a:lstStyle/>
+                    <a:p>
+                      <a:pPr algn="l" fontAlgn="b"/>
+                      <a:r>
+                        <a:rPr lang="en-US" sz="900" b="0" i="0" u="none" strike="noStrike">
+                          <a:solidFill>
+                            <a:srgbClr val="000000"/>
+                          </a:solidFill>
+                          <a:effectLst/>
+                          <a:latin typeface="Calibri" panose="020F0502020204030204" pitchFamily="34" charset="0"/>
+                        </a:rPr>
+                        <a:t> </a:t>
+                      </a:r>
+                    </a:p>
+                  </a:txBody>
+                  <a:tcPr marL="5070" marR="5070" marT="5070" marB="0" anchor="b">
+                    <a:lnL w="6350" cap="flat" cmpd="sng" algn="ctr">
+                      <a:solidFill>
+                        <a:srgbClr val="000000"/>
+                      </a:solidFill>
+                      <a:prstDash val="solid"/>
+                      <a:round/>
+                      <a:headEnd type="none" w="med" len="med"/>
+                      <a:tailEnd type="none" w="med" len="med"/>
+                    </a:lnL>
+                    <a:lnR w="6350" cap="flat" cmpd="sng" algn="ctr">
+                      <a:solidFill>
+                        <a:srgbClr val="000000"/>
+                      </a:solidFill>
+                      <a:prstDash val="solid"/>
+                      <a:round/>
+                      <a:headEnd type="none" w="med" len="med"/>
+                      <a:tailEnd type="none" w="med" len="med"/>
+                    </a:lnR>
+                    <a:lnT w="6350" cap="flat" cmpd="sng" algn="ctr">
+                      <a:solidFill>
+                        <a:srgbClr val="000000"/>
+                      </a:solidFill>
+                      <a:prstDash val="solid"/>
+                      <a:round/>
+                      <a:headEnd type="none" w="med" len="med"/>
+                      <a:tailEnd type="none" w="med" len="med"/>
+                    </a:lnT>
+                    <a:lnB w="6350" cap="flat" cmpd="sng" algn="ctr">
+                      <a:solidFill>
+                        <a:srgbClr val="000000"/>
+                      </a:solidFill>
+                      <a:prstDash val="solid"/>
+                      <a:round/>
+                      <a:headEnd type="none" w="med" len="med"/>
+                      <a:tailEnd type="none" w="med" len="med"/>
+                    </a:lnB>
+                  </a:tcPr>
+                </a:tc>
+                <a:tc>
+                  <a:txBody>
+                    <a:bodyPr/>
+                    <a:lstStyle/>
+                    <a:p>
+                      <a:pPr algn="l" fontAlgn="b"/>
+                      <a:r>
+                        <a:rPr lang="en-US" sz="900" b="0" i="0" u="none" strike="noStrike">
+                          <a:solidFill>
+                            <a:srgbClr val="000000"/>
+                          </a:solidFill>
+                          <a:effectLst/>
+                          <a:latin typeface="Calibri" panose="020F0502020204030204" pitchFamily="34" charset="0"/>
+                        </a:rPr>
+                        <a:t> </a:t>
+                      </a:r>
+                    </a:p>
+                  </a:txBody>
+                  <a:tcPr marL="5070" marR="5070" marT="5070" marB="0" anchor="b">
+                    <a:lnL w="6350" cap="flat" cmpd="sng" algn="ctr">
+                      <a:solidFill>
+                        <a:srgbClr val="000000"/>
+                      </a:solidFill>
+                      <a:prstDash val="solid"/>
+                      <a:round/>
+                      <a:headEnd type="none" w="med" len="med"/>
+                      <a:tailEnd type="none" w="med" len="med"/>
+                    </a:lnL>
+                    <a:lnR w="6350" cap="flat" cmpd="sng" algn="ctr">
+                      <a:solidFill>
+                        <a:srgbClr val="000000"/>
+                      </a:solidFill>
+                      <a:prstDash val="solid"/>
+                      <a:round/>
+                      <a:headEnd type="none" w="med" len="med"/>
+                      <a:tailEnd type="none" w="med" len="med"/>
+                    </a:lnR>
+                    <a:lnT w="6350" cap="flat" cmpd="sng" algn="ctr">
+                      <a:solidFill>
+                        <a:srgbClr val="000000"/>
+                      </a:solidFill>
+                      <a:prstDash val="solid"/>
+                      <a:round/>
+                      <a:headEnd type="none" w="med" len="med"/>
+                      <a:tailEnd type="none" w="med" len="med"/>
+                    </a:lnT>
+                    <a:lnB w="6350" cap="flat" cmpd="sng" algn="ctr">
+                      <a:solidFill>
+                        <a:srgbClr val="000000"/>
+                      </a:solidFill>
+                      <a:prstDash val="solid"/>
+                      <a:round/>
+                      <a:headEnd type="none" w="med" len="med"/>
+                      <a:tailEnd type="none" w="med" len="med"/>
+                    </a:lnB>
+                  </a:tcPr>
+                </a:tc>
+                <a:tc>
+                  <a:txBody>
+                    <a:bodyPr/>
+                    <a:lstStyle/>
+                    <a:p>
+                      <a:pPr algn="l" fontAlgn="b"/>
+                      <a:r>
+                        <a:rPr lang="en-US" sz="900" b="0" i="0" u="none" strike="noStrike">
+                          <a:solidFill>
+                            <a:srgbClr val="000000"/>
+                          </a:solidFill>
+                          <a:effectLst/>
+                          <a:latin typeface="Calibri" panose="020F0502020204030204" pitchFamily="34" charset="0"/>
+                        </a:rPr>
+                        <a:t> </a:t>
+                      </a:r>
+                    </a:p>
+                  </a:txBody>
+                  <a:tcPr marL="5070" marR="5070" marT="5070" marB="0" anchor="b">
+                    <a:lnL w="6350" cap="flat" cmpd="sng" algn="ctr">
+                      <a:solidFill>
+                        <a:srgbClr val="000000"/>
+                      </a:solidFill>
+                      <a:prstDash val="solid"/>
+                      <a:round/>
+                      <a:headEnd type="none" w="med" len="med"/>
+                      <a:tailEnd type="none" w="med" len="med"/>
+                    </a:lnL>
+                    <a:lnR w="6350" cap="flat" cmpd="sng" algn="ctr">
+                      <a:solidFill>
+                        <a:srgbClr val="000000"/>
+                      </a:solidFill>
+                      <a:prstDash val="solid"/>
+                      <a:round/>
+                      <a:headEnd type="none" w="med" len="med"/>
+                      <a:tailEnd type="none" w="med" len="med"/>
+                    </a:lnR>
+                    <a:lnT w="6350" cap="flat" cmpd="sng" algn="ctr">
+                      <a:solidFill>
+                        <a:srgbClr val="000000"/>
+                      </a:solidFill>
+                      <a:prstDash val="solid"/>
+                      <a:round/>
+                      <a:headEnd type="none" w="med" len="med"/>
+                      <a:tailEnd type="none" w="med" len="med"/>
+                    </a:lnT>
+                    <a:lnB w="6350" cap="flat" cmpd="sng" algn="ctr">
+                      <a:solidFill>
+                        <a:srgbClr val="000000"/>
+                      </a:solidFill>
+                      <a:prstDash val="solid"/>
+                      <a:round/>
+                      <a:headEnd type="none" w="med" len="med"/>
+                      <a:tailEnd type="none" w="med" len="med"/>
+                    </a:lnB>
+                  </a:tcPr>
+                </a:tc>
+                <a:tc>
+                  <a:txBody>
+                    <a:bodyPr/>
+                    <a:lstStyle/>
+                    <a:p>
+                      <a:pPr algn="l" fontAlgn="b"/>
+                      <a:r>
+                        <a:rPr lang="en-US" sz="900" b="0" i="0" u="none" strike="noStrike">
+                          <a:solidFill>
+                            <a:srgbClr val="000000"/>
+                          </a:solidFill>
+                          <a:effectLst/>
+                          <a:latin typeface="Calibri" panose="020F0502020204030204" pitchFamily="34" charset="0"/>
+                        </a:rPr>
+                        <a:t> </a:t>
+                      </a:r>
+                    </a:p>
+                  </a:txBody>
+                  <a:tcPr marL="5070" marR="5070" marT="5070" marB="0" anchor="b">
+                    <a:lnL w="6350" cap="flat" cmpd="sng" algn="ctr">
+                      <a:solidFill>
+                        <a:srgbClr val="000000"/>
+                      </a:solidFill>
+                      <a:prstDash val="solid"/>
+                      <a:round/>
+                      <a:headEnd type="none" w="med" len="med"/>
+                      <a:tailEnd type="none" w="med" len="med"/>
+                    </a:lnL>
+                    <a:lnR w="6350" cap="flat" cmpd="sng" algn="ctr">
+                      <a:solidFill>
+                        <a:srgbClr val="000000"/>
+                      </a:solidFill>
+                      <a:prstDash val="solid"/>
+                      <a:round/>
+                      <a:headEnd type="none" w="med" len="med"/>
+                      <a:tailEnd type="none" w="med" len="med"/>
+                    </a:lnR>
+                    <a:lnT w="6350" cap="flat" cmpd="sng" algn="ctr">
+                      <a:solidFill>
+                        <a:srgbClr val="000000"/>
+                      </a:solidFill>
+                      <a:prstDash val="solid"/>
+                      <a:round/>
+                      <a:headEnd type="none" w="med" len="med"/>
+                      <a:tailEnd type="none" w="med" len="med"/>
+                    </a:lnT>
+                    <a:lnB w="6350" cap="flat" cmpd="sng" algn="ctr">
+                      <a:solidFill>
+                        <a:srgbClr val="000000"/>
+                      </a:solidFill>
+                      <a:prstDash val="solid"/>
+                      <a:round/>
+                      <a:headEnd type="none" w="med" len="med"/>
+                      <a:tailEnd type="none" w="med" len="med"/>
+                    </a:lnB>
+                  </a:tcPr>
+                </a:tc>
+                <a:tc>
+                  <a:txBody>
+                    <a:bodyPr/>
+                    <a:lstStyle/>
+                    <a:p>
+                      <a:pPr algn="l" fontAlgn="b"/>
+                      <a:r>
+                        <a:rPr lang="en-US" sz="900" b="0" i="0" u="none" strike="noStrike">
+                          <a:solidFill>
+                            <a:srgbClr val="000000"/>
+                          </a:solidFill>
+                          <a:effectLst/>
+                          <a:latin typeface="Calibri" panose="020F0502020204030204" pitchFamily="34" charset="0"/>
+                        </a:rPr>
+                        <a:t> </a:t>
+                      </a:r>
+                    </a:p>
+                  </a:txBody>
+                  <a:tcPr marL="5070" marR="5070" marT="5070" marB="0" anchor="b">
+                    <a:lnL w="6350" cap="flat" cmpd="sng" algn="ctr">
+                      <a:solidFill>
+                        <a:srgbClr val="000000"/>
+                      </a:solidFill>
+                      <a:prstDash val="solid"/>
+                      <a:round/>
+                      <a:headEnd type="none" w="med" len="med"/>
+                      <a:tailEnd type="none" w="med" len="med"/>
+                    </a:lnL>
+                    <a:lnR w="6350" cap="flat" cmpd="sng" algn="ctr">
+                      <a:solidFill>
+                        <a:srgbClr val="000000"/>
+                      </a:solidFill>
+                      <a:prstDash val="solid"/>
+                      <a:round/>
+                      <a:headEnd type="none" w="med" len="med"/>
+                      <a:tailEnd type="none" w="med" len="med"/>
+                    </a:lnR>
+                    <a:lnT w="6350" cap="flat" cmpd="sng" algn="ctr">
+                      <a:solidFill>
+                        <a:srgbClr val="000000"/>
+                      </a:solidFill>
+                      <a:prstDash val="solid"/>
+                      <a:round/>
+                      <a:headEnd type="none" w="med" len="med"/>
+                      <a:tailEnd type="none" w="med" len="med"/>
+                    </a:lnT>
+                    <a:lnB w="6350" cap="flat" cmpd="sng" algn="ctr">
+                      <a:solidFill>
+                        <a:srgbClr val="000000"/>
+                      </a:solidFill>
+                      <a:prstDash val="solid"/>
+                      <a:round/>
+                      <a:headEnd type="none" w="med" len="med"/>
+                      <a:tailEnd type="none" w="med" len="med"/>
+                    </a:lnB>
+                  </a:tcPr>
+                </a:tc>
+                <a:extLst>
+                  <a:ext uri="{0D108BD9-81ED-4DB2-BD59-A6C34878D82A}">
+                    <a16:rowId xmlns:a16="http://schemas.microsoft.com/office/drawing/2014/main" val="1327938786"/>
+                  </a:ext>
+                </a:extLst>
+              </a:tr>
+              <a:tr h="147036">
+                <a:tc>
+                  <a:txBody>
+                    <a:bodyPr/>
+                    <a:lstStyle/>
+                    <a:p>
+                      <a:pPr algn="l" fontAlgn="b"/>
+                      <a:r>
+                        <a:rPr lang="en-US" sz="900" b="0" i="0" u="none" strike="noStrike">
+                          <a:solidFill>
+                            <a:srgbClr val="000000"/>
+                          </a:solidFill>
+                          <a:effectLst/>
+                          <a:latin typeface="Calibri" panose="020F0502020204030204" pitchFamily="34" charset="0"/>
+                        </a:rPr>
+                        <a:t>25Epochs, 64 Batch size, 3 Classes starting with 0</a:t>
+                      </a:r>
+                    </a:p>
+                  </a:txBody>
+                  <a:tcPr marL="5070" marR="5070" marT="5070" marB="0" anchor="b">
+                    <a:lnL w="6350" cap="flat" cmpd="sng" algn="ctr">
+                      <a:solidFill>
+                        <a:srgbClr val="000000"/>
+                      </a:solidFill>
+                      <a:prstDash val="solid"/>
+                      <a:round/>
+                      <a:headEnd type="none" w="med" len="med"/>
+                      <a:tailEnd type="none" w="med" len="med"/>
+                    </a:lnL>
+                    <a:lnR w="6350" cap="flat" cmpd="sng" algn="ctr">
+                      <a:solidFill>
+                        <a:srgbClr val="000000"/>
+                      </a:solidFill>
+                      <a:prstDash val="solid"/>
+                      <a:round/>
+                      <a:headEnd type="none" w="med" len="med"/>
+                      <a:tailEnd type="none" w="med" len="med"/>
+                    </a:lnR>
+                    <a:lnT w="6350" cap="flat" cmpd="sng" algn="ctr">
+                      <a:solidFill>
+                        <a:srgbClr val="000000"/>
+                      </a:solidFill>
+                      <a:prstDash val="solid"/>
+                      <a:round/>
+                      <a:headEnd type="none" w="med" len="med"/>
+                      <a:tailEnd type="none" w="med" len="med"/>
+                    </a:lnT>
+                    <a:lnB w="6350" cap="flat" cmpd="sng" algn="ctr">
+                      <a:solidFill>
+                        <a:srgbClr val="000000"/>
+                      </a:solidFill>
+                      <a:prstDash val="solid"/>
+                      <a:round/>
+                      <a:headEnd type="none" w="med" len="med"/>
+                      <a:tailEnd type="none" w="med" len="med"/>
+                    </a:lnB>
+                    <a:solidFill>
+                      <a:srgbClr val="D9E1F2"/>
+                    </a:solidFill>
+                  </a:tcPr>
+                </a:tc>
+                <a:tc>
+                  <a:txBody>
+                    <a:bodyPr/>
+                    <a:lstStyle/>
+                    <a:p>
+                      <a:pPr algn="l" fontAlgn="b"/>
+                      <a:r>
+                        <a:rPr lang="en-US" sz="900" b="0" i="0" u="none" strike="noStrike">
+                          <a:solidFill>
+                            <a:srgbClr val="000000"/>
+                          </a:solidFill>
+                          <a:effectLst/>
+                          <a:latin typeface="Calibri" panose="020F0502020204030204" pitchFamily="34" charset="0"/>
+                        </a:rPr>
+                        <a:t> </a:t>
+                      </a:r>
+                    </a:p>
+                  </a:txBody>
+                  <a:tcPr marL="5070" marR="5070" marT="5070" marB="0" anchor="b">
+                    <a:lnL w="6350" cap="flat" cmpd="sng" algn="ctr">
+                      <a:solidFill>
+                        <a:srgbClr val="000000"/>
+                      </a:solidFill>
+                      <a:prstDash val="solid"/>
+                      <a:round/>
+                      <a:headEnd type="none" w="med" len="med"/>
+                      <a:tailEnd type="none" w="med" len="med"/>
+                    </a:lnL>
+                    <a:lnR w="6350" cap="flat" cmpd="sng" algn="ctr">
+                      <a:solidFill>
+                        <a:srgbClr val="000000"/>
+                      </a:solidFill>
+                      <a:prstDash val="solid"/>
+                      <a:round/>
+                      <a:headEnd type="none" w="med" len="med"/>
+                      <a:tailEnd type="none" w="med" len="med"/>
+                    </a:lnR>
+                    <a:lnT w="6350" cap="flat" cmpd="sng" algn="ctr">
+                      <a:solidFill>
+                        <a:srgbClr val="000000"/>
+                      </a:solidFill>
+                      <a:prstDash val="solid"/>
+                      <a:round/>
+                      <a:headEnd type="none" w="med" len="med"/>
+                      <a:tailEnd type="none" w="med" len="med"/>
+                    </a:lnT>
+                    <a:lnB w="6350" cap="flat" cmpd="sng" algn="ctr">
+                      <a:solidFill>
+                        <a:srgbClr val="000000"/>
+                      </a:solidFill>
+                      <a:prstDash val="solid"/>
+                      <a:round/>
+                      <a:headEnd type="none" w="med" len="med"/>
+                      <a:tailEnd type="none" w="med" len="med"/>
+                    </a:lnB>
+                    <a:solidFill>
+                      <a:srgbClr val="D9E1F2"/>
+                    </a:solidFill>
+                  </a:tcPr>
+                </a:tc>
+                <a:tc>
+                  <a:txBody>
+                    <a:bodyPr/>
+                    <a:lstStyle/>
+                    <a:p>
+                      <a:pPr algn="l" fontAlgn="b"/>
+                      <a:r>
+                        <a:rPr lang="en-US" sz="900" b="0" i="0" u="none" strike="noStrike">
+                          <a:solidFill>
+                            <a:srgbClr val="000000"/>
+                          </a:solidFill>
+                          <a:effectLst/>
+                          <a:latin typeface="Calibri" panose="020F0502020204030204" pitchFamily="34" charset="0"/>
+                        </a:rPr>
+                        <a:t> </a:t>
+                      </a:r>
+                    </a:p>
+                  </a:txBody>
+                  <a:tcPr marL="5070" marR="5070" marT="5070" marB="0" anchor="b">
+                    <a:lnL w="6350" cap="flat" cmpd="sng" algn="ctr">
+                      <a:solidFill>
+                        <a:srgbClr val="000000"/>
+                      </a:solidFill>
+                      <a:prstDash val="solid"/>
+                      <a:round/>
+                      <a:headEnd type="none" w="med" len="med"/>
+                      <a:tailEnd type="none" w="med" len="med"/>
+                    </a:lnL>
+                    <a:lnR w="6350" cap="flat" cmpd="sng" algn="ctr">
+                      <a:solidFill>
+                        <a:srgbClr val="000000"/>
+                      </a:solidFill>
+                      <a:prstDash val="solid"/>
+                      <a:round/>
+                      <a:headEnd type="none" w="med" len="med"/>
+                      <a:tailEnd type="none" w="med" len="med"/>
+                    </a:lnR>
+                    <a:lnT w="6350" cap="flat" cmpd="sng" algn="ctr">
+                      <a:solidFill>
+                        <a:srgbClr val="000000"/>
+                      </a:solidFill>
+                      <a:prstDash val="solid"/>
+                      <a:round/>
+                      <a:headEnd type="none" w="med" len="med"/>
+                      <a:tailEnd type="none" w="med" len="med"/>
+                    </a:lnT>
+                    <a:lnB w="6350" cap="flat" cmpd="sng" algn="ctr">
+                      <a:solidFill>
+                        <a:srgbClr val="000000"/>
+                      </a:solidFill>
+                      <a:prstDash val="solid"/>
+                      <a:round/>
+                      <a:headEnd type="none" w="med" len="med"/>
+                      <a:tailEnd type="none" w="med" len="med"/>
+                    </a:lnB>
+                    <a:solidFill>
+                      <a:srgbClr val="D9E1F2"/>
+                    </a:solidFill>
+                  </a:tcPr>
+                </a:tc>
+                <a:tc>
+                  <a:txBody>
+                    <a:bodyPr/>
+                    <a:lstStyle/>
+                    <a:p>
+                      <a:pPr algn="l" fontAlgn="b"/>
+                      <a:r>
+                        <a:rPr lang="en-US" sz="900" b="0" i="0" u="none" strike="noStrike">
+                          <a:solidFill>
+                            <a:srgbClr val="000000"/>
+                          </a:solidFill>
+                          <a:effectLst/>
+                          <a:latin typeface="Calibri" panose="020F0502020204030204" pitchFamily="34" charset="0"/>
+                        </a:rPr>
+                        <a:t> </a:t>
+                      </a:r>
+                    </a:p>
+                  </a:txBody>
+                  <a:tcPr marL="5070" marR="5070" marT="5070" marB="0" anchor="b">
+                    <a:lnL w="6350" cap="flat" cmpd="sng" algn="ctr">
+                      <a:solidFill>
+                        <a:srgbClr val="000000"/>
+                      </a:solidFill>
+                      <a:prstDash val="solid"/>
+                      <a:round/>
+                      <a:headEnd type="none" w="med" len="med"/>
+                      <a:tailEnd type="none" w="med" len="med"/>
+                    </a:lnL>
+                    <a:lnR w="6350" cap="flat" cmpd="sng" algn="ctr">
+                      <a:solidFill>
+                        <a:srgbClr val="000000"/>
+                      </a:solidFill>
+                      <a:prstDash val="solid"/>
+                      <a:round/>
+                      <a:headEnd type="none" w="med" len="med"/>
+                      <a:tailEnd type="none" w="med" len="med"/>
+                    </a:lnR>
+                    <a:lnT w="6350" cap="flat" cmpd="sng" algn="ctr">
+                      <a:solidFill>
+                        <a:srgbClr val="000000"/>
+                      </a:solidFill>
+                      <a:prstDash val="solid"/>
+                      <a:round/>
+                      <a:headEnd type="none" w="med" len="med"/>
+                      <a:tailEnd type="none" w="med" len="med"/>
+                    </a:lnT>
+                    <a:lnB w="6350" cap="flat" cmpd="sng" algn="ctr">
+                      <a:solidFill>
+                        <a:srgbClr val="000000"/>
+                      </a:solidFill>
+                      <a:prstDash val="solid"/>
+                      <a:round/>
+                      <a:headEnd type="none" w="med" len="med"/>
+                      <a:tailEnd type="none" w="med" len="med"/>
+                    </a:lnB>
+                    <a:solidFill>
+                      <a:srgbClr val="D9E1F2"/>
+                    </a:solidFill>
+                  </a:tcPr>
+                </a:tc>
+                <a:tc>
+                  <a:txBody>
+                    <a:bodyPr/>
+                    <a:lstStyle/>
+                    <a:p>
+                      <a:pPr algn="l" fontAlgn="b"/>
+                      <a:r>
+                        <a:rPr lang="en-US" sz="900" b="0" i="0" u="none" strike="noStrike">
+                          <a:solidFill>
+                            <a:srgbClr val="000000"/>
+                          </a:solidFill>
+                          <a:effectLst/>
+                          <a:latin typeface="Calibri" panose="020F0502020204030204" pitchFamily="34" charset="0"/>
+                        </a:rPr>
+                        <a:t> </a:t>
+                      </a:r>
+                    </a:p>
+                  </a:txBody>
+                  <a:tcPr marL="5070" marR="5070" marT="5070" marB="0" anchor="b">
+                    <a:lnL w="6350" cap="flat" cmpd="sng" algn="ctr">
+                      <a:solidFill>
+                        <a:srgbClr val="000000"/>
+                      </a:solidFill>
+                      <a:prstDash val="solid"/>
+                      <a:round/>
+                      <a:headEnd type="none" w="med" len="med"/>
+                      <a:tailEnd type="none" w="med" len="med"/>
+                    </a:lnL>
+                    <a:lnR w="6350" cap="flat" cmpd="sng" algn="ctr">
+                      <a:solidFill>
+                        <a:srgbClr val="000000"/>
+                      </a:solidFill>
+                      <a:prstDash val="solid"/>
+                      <a:round/>
+                      <a:headEnd type="none" w="med" len="med"/>
+                      <a:tailEnd type="none" w="med" len="med"/>
+                    </a:lnR>
+                    <a:lnT w="6350" cap="flat" cmpd="sng" algn="ctr">
+                      <a:solidFill>
+                        <a:srgbClr val="000000"/>
+                      </a:solidFill>
+                      <a:prstDash val="solid"/>
+                      <a:round/>
+                      <a:headEnd type="none" w="med" len="med"/>
+                      <a:tailEnd type="none" w="med" len="med"/>
+                    </a:lnT>
+                    <a:lnB w="6350" cap="flat" cmpd="sng" algn="ctr">
+                      <a:solidFill>
+                        <a:srgbClr val="000000"/>
+                      </a:solidFill>
+                      <a:prstDash val="solid"/>
+                      <a:round/>
+                      <a:headEnd type="none" w="med" len="med"/>
+                      <a:tailEnd type="none" w="med" len="med"/>
+                    </a:lnB>
+                    <a:solidFill>
+                      <a:srgbClr val="D9E1F2"/>
+                    </a:solidFill>
+                  </a:tcPr>
+                </a:tc>
+                <a:tc>
+                  <a:txBody>
+                    <a:bodyPr/>
+                    <a:lstStyle/>
+                    <a:p>
+                      <a:pPr algn="l" fontAlgn="b"/>
+                      <a:r>
+                        <a:rPr lang="en-US" sz="900" b="0" i="0" u="none" strike="noStrike">
+                          <a:solidFill>
+                            <a:srgbClr val="000000"/>
+                          </a:solidFill>
+                          <a:effectLst/>
+                          <a:latin typeface="Calibri" panose="020F0502020204030204" pitchFamily="34" charset="0"/>
+                        </a:rPr>
+                        <a:t> </a:t>
+                      </a:r>
+                    </a:p>
+                  </a:txBody>
+                  <a:tcPr marL="5070" marR="5070" marT="5070" marB="0" anchor="b">
+                    <a:lnL w="6350" cap="flat" cmpd="sng" algn="ctr">
+                      <a:solidFill>
+                        <a:srgbClr val="000000"/>
+                      </a:solidFill>
+                      <a:prstDash val="solid"/>
+                      <a:round/>
+                      <a:headEnd type="none" w="med" len="med"/>
+                      <a:tailEnd type="none" w="med" len="med"/>
+                    </a:lnL>
+                    <a:lnR w="6350" cap="flat" cmpd="sng" algn="ctr">
+                      <a:solidFill>
+                        <a:srgbClr val="000000"/>
+                      </a:solidFill>
+                      <a:prstDash val="solid"/>
+                      <a:round/>
+                      <a:headEnd type="none" w="med" len="med"/>
+                      <a:tailEnd type="none" w="med" len="med"/>
+                    </a:lnR>
+                    <a:lnT w="6350" cap="flat" cmpd="sng" algn="ctr">
+                      <a:solidFill>
+                        <a:srgbClr val="000000"/>
+                      </a:solidFill>
+                      <a:prstDash val="solid"/>
+                      <a:round/>
+                      <a:headEnd type="none" w="med" len="med"/>
+                      <a:tailEnd type="none" w="med" len="med"/>
+                    </a:lnT>
+                    <a:lnB w="6350" cap="flat" cmpd="sng" algn="ctr">
+                      <a:solidFill>
+                        <a:srgbClr val="000000"/>
+                      </a:solidFill>
+                      <a:prstDash val="solid"/>
+                      <a:round/>
+                      <a:headEnd type="none" w="med" len="med"/>
+                      <a:tailEnd type="none" w="med" len="med"/>
+                    </a:lnB>
+                    <a:solidFill>
+                      <a:srgbClr val="D9E1F2"/>
+                    </a:solidFill>
+                  </a:tcPr>
+                </a:tc>
+                <a:tc>
+                  <a:txBody>
+                    <a:bodyPr/>
+                    <a:lstStyle/>
+                    <a:p>
+                      <a:pPr algn="l" fontAlgn="b"/>
+                      <a:r>
+                        <a:rPr lang="en-US" sz="900" b="0" i="0" u="none" strike="noStrike">
+                          <a:solidFill>
+                            <a:srgbClr val="000000"/>
+                          </a:solidFill>
+                          <a:effectLst/>
+                          <a:latin typeface="Calibri" panose="020F0502020204030204" pitchFamily="34" charset="0"/>
+                        </a:rPr>
+                        <a:t> </a:t>
+                      </a:r>
+                    </a:p>
+                  </a:txBody>
+                  <a:tcPr marL="5070" marR="5070" marT="5070" marB="0" anchor="b">
+                    <a:lnL w="6350" cap="flat" cmpd="sng" algn="ctr">
+                      <a:solidFill>
+                        <a:srgbClr val="000000"/>
+                      </a:solidFill>
+                      <a:prstDash val="solid"/>
+                      <a:round/>
+                      <a:headEnd type="none" w="med" len="med"/>
+                      <a:tailEnd type="none" w="med" len="med"/>
+                    </a:lnL>
+                    <a:lnR w="6350" cap="flat" cmpd="sng" algn="ctr">
+                      <a:solidFill>
+                        <a:srgbClr val="000000"/>
+                      </a:solidFill>
+                      <a:prstDash val="solid"/>
+                      <a:round/>
+                      <a:headEnd type="none" w="med" len="med"/>
+                      <a:tailEnd type="none" w="med" len="med"/>
+                    </a:lnR>
+                    <a:lnT w="6350" cap="flat" cmpd="sng" algn="ctr">
+                      <a:solidFill>
+                        <a:srgbClr val="000000"/>
+                      </a:solidFill>
+                      <a:prstDash val="solid"/>
+                      <a:round/>
+                      <a:headEnd type="none" w="med" len="med"/>
+                      <a:tailEnd type="none" w="med" len="med"/>
+                    </a:lnT>
+                    <a:lnB w="6350" cap="flat" cmpd="sng" algn="ctr">
+                      <a:solidFill>
+                        <a:srgbClr val="000000"/>
+                      </a:solidFill>
+                      <a:prstDash val="solid"/>
+                      <a:round/>
+                      <a:headEnd type="none" w="med" len="med"/>
+                      <a:tailEnd type="none" w="med" len="med"/>
+                    </a:lnB>
+                    <a:solidFill>
+                      <a:srgbClr val="D9E1F2"/>
+                    </a:solidFill>
+                  </a:tcPr>
+                </a:tc>
+                <a:tc>
+                  <a:txBody>
+                    <a:bodyPr/>
+                    <a:lstStyle/>
+                    <a:p>
+                      <a:pPr algn="l" fontAlgn="b"/>
+                      <a:r>
+                        <a:rPr lang="en-US" sz="900" b="0" i="0" u="none" strike="noStrike">
+                          <a:solidFill>
+                            <a:srgbClr val="000000"/>
+                          </a:solidFill>
+                          <a:effectLst/>
+                          <a:latin typeface="Calibri" panose="020F0502020204030204" pitchFamily="34" charset="0"/>
+                        </a:rPr>
+                        <a:t> </a:t>
+                      </a:r>
+                    </a:p>
+                  </a:txBody>
+                  <a:tcPr marL="5070" marR="5070" marT="5070" marB="0" anchor="b">
+                    <a:lnL w="6350" cap="flat" cmpd="sng" algn="ctr">
+                      <a:solidFill>
+                        <a:srgbClr val="000000"/>
+                      </a:solidFill>
+                      <a:prstDash val="solid"/>
+                      <a:round/>
+                      <a:headEnd type="none" w="med" len="med"/>
+                      <a:tailEnd type="none" w="med" len="med"/>
+                    </a:lnL>
+                    <a:lnR w="6350" cap="flat" cmpd="sng" algn="ctr">
+                      <a:solidFill>
+                        <a:srgbClr val="000000"/>
+                      </a:solidFill>
+                      <a:prstDash val="solid"/>
+                      <a:round/>
+                      <a:headEnd type="none" w="med" len="med"/>
+                      <a:tailEnd type="none" w="med" len="med"/>
+                    </a:lnR>
+                    <a:lnT w="6350" cap="flat" cmpd="sng" algn="ctr">
+                      <a:solidFill>
+                        <a:srgbClr val="000000"/>
+                      </a:solidFill>
+                      <a:prstDash val="solid"/>
+                      <a:round/>
+                      <a:headEnd type="none" w="med" len="med"/>
+                      <a:tailEnd type="none" w="med" len="med"/>
+                    </a:lnT>
+                    <a:lnB w="6350" cap="flat" cmpd="sng" algn="ctr">
+                      <a:solidFill>
+                        <a:srgbClr val="000000"/>
+                      </a:solidFill>
+                      <a:prstDash val="solid"/>
+                      <a:round/>
+                      <a:headEnd type="none" w="med" len="med"/>
+                      <a:tailEnd type="none" w="med" len="med"/>
+                    </a:lnB>
+                    <a:solidFill>
+                      <a:srgbClr val="D9E1F2"/>
+                    </a:solidFill>
+                  </a:tcPr>
+                </a:tc>
+                <a:extLst>
+                  <a:ext uri="{0D108BD9-81ED-4DB2-BD59-A6C34878D82A}">
+                    <a16:rowId xmlns:a16="http://schemas.microsoft.com/office/drawing/2014/main" val="3735299107"/>
+                  </a:ext>
+                </a:extLst>
+              </a:tr>
+              <a:tr h="147036">
+                <a:tc>
+                  <a:txBody>
+                    <a:bodyPr/>
+                    <a:lstStyle/>
+                    <a:p>
+                      <a:pPr algn="l" fontAlgn="b"/>
+                      <a:r>
+                        <a:rPr lang="en-US" sz="900" b="0" i="0" u="none" strike="noStrike">
+                          <a:solidFill>
+                            <a:srgbClr val="000000"/>
+                          </a:solidFill>
+                          <a:effectLst/>
+                          <a:latin typeface="Calibri" panose="020F0502020204030204" pitchFamily="34" charset="0"/>
+                        </a:rPr>
+                        <a:t>50Epochs, 64 Batch size, 3 Classes starting with 0</a:t>
+                      </a:r>
+                    </a:p>
+                  </a:txBody>
+                  <a:tcPr marL="5070" marR="5070" marT="5070" marB="0" anchor="b">
+                    <a:lnL w="6350" cap="flat" cmpd="sng" algn="ctr">
+                      <a:solidFill>
+                        <a:srgbClr val="000000"/>
+                      </a:solidFill>
+                      <a:prstDash val="solid"/>
+                      <a:round/>
+                      <a:headEnd type="none" w="med" len="med"/>
+                      <a:tailEnd type="none" w="med" len="med"/>
+                    </a:lnL>
+                    <a:lnR w="6350" cap="flat" cmpd="sng" algn="ctr">
+                      <a:solidFill>
+                        <a:srgbClr val="000000"/>
+                      </a:solidFill>
+                      <a:prstDash val="solid"/>
+                      <a:round/>
+                      <a:headEnd type="none" w="med" len="med"/>
+                      <a:tailEnd type="none" w="med" len="med"/>
+                    </a:lnR>
+                    <a:lnT w="6350" cap="flat" cmpd="sng" algn="ctr">
+                      <a:solidFill>
+                        <a:srgbClr val="000000"/>
+                      </a:solidFill>
+                      <a:prstDash val="solid"/>
+                      <a:round/>
+                      <a:headEnd type="none" w="med" len="med"/>
+                      <a:tailEnd type="none" w="med" len="med"/>
+                    </a:lnT>
+                    <a:lnB w="6350" cap="flat" cmpd="sng" algn="ctr">
+                      <a:solidFill>
+                        <a:srgbClr val="000000"/>
+                      </a:solidFill>
+                      <a:prstDash val="solid"/>
+                      <a:round/>
+                      <a:headEnd type="none" w="med" len="med"/>
+                      <a:tailEnd type="none" w="med" len="med"/>
+                    </a:lnB>
+                  </a:tcPr>
+                </a:tc>
+                <a:tc>
+                  <a:txBody>
+                    <a:bodyPr/>
+                    <a:lstStyle/>
+                    <a:p>
+                      <a:pPr algn="l" fontAlgn="b"/>
+                      <a:r>
+                        <a:rPr lang="en-US" sz="900" b="0" i="0" u="none" strike="noStrike">
+                          <a:solidFill>
+                            <a:srgbClr val="000000"/>
+                          </a:solidFill>
+                          <a:effectLst/>
+                          <a:latin typeface="Calibri" panose="020F0502020204030204" pitchFamily="34" charset="0"/>
+                        </a:rPr>
+                        <a:t> </a:t>
+                      </a:r>
+                    </a:p>
+                  </a:txBody>
+                  <a:tcPr marL="5070" marR="5070" marT="5070" marB="0" anchor="b">
+                    <a:lnL w="6350" cap="flat" cmpd="sng" algn="ctr">
+                      <a:solidFill>
+                        <a:srgbClr val="000000"/>
+                      </a:solidFill>
+                      <a:prstDash val="solid"/>
+                      <a:round/>
+                      <a:headEnd type="none" w="med" len="med"/>
+                      <a:tailEnd type="none" w="med" len="med"/>
+                    </a:lnL>
+                    <a:lnR w="6350" cap="flat" cmpd="sng" algn="ctr">
+                      <a:solidFill>
+                        <a:srgbClr val="000000"/>
+                      </a:solidFill>
+                      <a:prstDash val="solid"/>
+                      <a:round/>
+                      <a:headEnd type="none" w="med" len="med"/>
+                      <a:tailEnd type="none" w="med" len="med"/>
+                    </a:lnR>
+                    <a:lnT w="6350" cap="flat" cmpd="sng" algn="ctr">
+                      <a:solidFill>
+                        <a:srgbClr val="000000"/>
+                      </a:solidFill>
+                      <a:prstDash val="solid"/>
+                      <a:round/>
+                      <a:headEnd type="none" w="med" len="med"/>
+                      <a:tailEnd type="none" w="med" len="med"/>
+                    </a:lnT>
+                    <a:lnB w="6350" cap="flat" cmpd="sng" algn="ctr">
+                      <a:solidFill>
+                        <a:srgbClr val="000000"/>
+                      </a:solidFill>
+                      <a:prstDash val="solid"/>
+                      <a:round/>
+                      <a:headEnd type="none" w="med" len="med"/>
+                      <a:tailEnd type="none" w="med" len="med"/>
+                    </a:lnB>
+                  </a:tcPr>
+                </a:tc>
+                <a:tc>
+                  <a:txBody>
+                    <a:bodyPr/>
+                    <a:lstStyle/>
+                    <a:p>
+                      <a:pPr algn="l" fontAlgn="b"/>
+                      <a:r>
+                        <a:rPr lang="en-US" sz="900" b="0" i="0" u="none" strike="noStrike">
+                          <a:solidFill>
+                            <a:srgbClr val="000000"/>
+                          </a:solidFill>
+                          <a:effectLst/>
+                          <a:latin typeface="Calibri" panose="020F0502020204030204" pitchFamily="34" charset="0"/>
+                        </a:rPr>
+                        <a:t> </a:t>
+                      </a:r>
+                    </a:p>
+                  </a:txBody>
+                  <a:tcPr marL="5070" marR="5070" marT="5070" marB="0" anchor="b">
+                    <a:lnL w="6350" cap="flat" cmpd="sng" algn="ctr">
+                      <a:solidFill>
+                        <a:srgbClr val="000000"/>
+                      </a:solidFill>
+                      <a:prstDash val="solid"/>
+                      <a:round/>
+                      <a:headEnd type="none" w="med" len="med"/>
+                      <a:tailEnd type="none" w="med" len="med"/>
+                    </a:lnL>
+                    <a:lnR w="6350" cap="flat" cmpd="sng" algn="ctr">
+                      <a:solidFill>
+                        <a:srgbClr val="000000"/>
+                      </a:solidFill>
+                      <a:prstDash val="solid"/>
+                      <a:round/>
+                      <a:headEnd type="none" w="med" len="med"/>
+                      <a:tailEnd type="none" w="med" len="med"/>
+                    </a:lnR>
+                    <a:lnT w="6350" cap="flat" cmpd="sng" algn="ctr">
+                      <a:solidFill>
+                        <a:srgbClr val="000000"/>
+                      </a:solidFill>
+                      <a:prstDash val="solid"/>
+                      <a:round/>
+                      <a:headEnd type="none" w="med" len="med"/>
+                      <a:tailEnd type="none" w="med" len="med"/>
+                    </a:lnT>
+                    <a:lnB w="6350" cap="flat" cmpd="sng" algn="ctr">
+                      <a:solidFill>
+                        <a:srgbClr val="000000"/>
+                      </a:solidFill>
+                      <a:prstDash val="solid"/>
+                      <a:round/>
+                      <a:headEnd type="none" w="med" len="med"/>
+                      <a:tailEnd type="none" w="med" len="med"/>
+                    </a:lnB>
+                  </a:tcPr>
+                </a:tc>
+                <a:tc>
+                  <a:txBody>
+                    <a:bodyPr/>
+                    <a:lstStyle/>
+                    <a:p>
+                      <a:pPr algn="l" fontAlgn="b"/>
+                      <a:r>
+                        <a:rPr lang="en-US" sz="900" b="0" i="0" u="none" strike="noStrike">
+                          <a:solidFill>
+                            <a:srgbClr val="000000"/>
+                          </a:solidFill>
+                          <a:effectLst/>
+                          <a:latin typeface="Calibri" panose="020F0502020204030204" pitchFamily="34" charset="0"/>
+                        </a:rPr>
+                        <a:t> </a:t>
+                      </a:r>
+                    </a:p>
+                  </a:txBody>
+                  <a:tcPr marL="5070" marR="5070" marT="5070" marB="0" anchor="b">
+                    <a:lnL w="6350" cap="flat" cmpd="sng" algn="ctr">
+                      <a:solidFill>
+                        <a:srgbClr val="000000"/>
+                      </a:solidFill>
+                      <a:prstDash val="solid"/>
+                      <a:round/>
+                      <a:headEnd type="none" w="med" len="med"/>
+                      <a:tailEnd type="none" w="med" len="med"/>
+                    </a:lnL>
+                    <a:lnR w="6350" cap="flat" cmpd="sng" algn="ctr">
+                      <a:solidFill>
+                        <a:srgbClr val="000000"/>
+                      </a:solidFill>
+                      <a:prstDash val="solid"/>
+                      <a:round/>
+                      <a:headEnd type="none" w="med" len="med"/>
+                      <a:tailEnd type="none" w="med" len="med"/>
+                    </a:lnR>
+                    <a:lnT w="6350" cap="flat" cmpd="sng" algn="ctr">
+                      <a:solidFill>
+                        <a:srgbClr val="000000"/>
+                      </a:solidFill>
+                      <a:prstDash val="solid"/>
+                      <a:round/>
+                      <a:headEnd type="none" w="med" len="med"/>
+                      <a:tailEnd type="none" w="med" len="med"/>
+                    </a:lnT>
+                    <a:lnB w="6350" cap="flat" cmpd="sng" algn="ctr">
+                      <a:solidFill>
+                        <a:srgbClr val="000000"/>
+                      </a:solidFill>
+                      <a:prstDash val="solid"/>
+                      <a:round/>
+                      <a:headEnd type="none" w="med" len="med"/>
+                      <a:tailEnd type="none" w="med" len="med"/>
+                    </a:lnB>
+                  </a:tcPr>
+                </a:tc>
+                <a:tc>
+                  <a:txBody>
+                    <a:bodyPr/>
+                    <a:lstStyle/>
+                    <a:p>
+                      <a:pPr algn="l" fontAlgn="b"/>
+                      <a:r>
+                        <a:rPr lang="en-US" sz="900" b="0" i="0" u="none" strike="noStrike">
+                          <a:solidFill>
+                            <a:srgbClr val="000000"/>
+                          </a:solidFill>
+                          <a:effectLst/>
+                          <a:latin typeface="Calibri" panose="020F0502020204030204" pitchFamily="34" charset="0"/>
+                        </a:rPr>
+                        <a:t> </a:t>
+                      </a:r>
+                    </a:p>
+                  </a:txBody>
+                  <a:tcPr marL="5070" marR="5070" marT="5070" marB="0" anchor="b">
+                    <a:lnL w="6350" cap="flat" cmpd="sng" algn="ctr">
+                      <a:solidFill>
+                        <a:srgbClr val="000000"/>
+                      </a:solidFill>
+                      <a:prstDash val="solid"/>
+                      <a:round/>
+                      <a:headEnd type="none" w="med" len="med"/>
+                      <a:tailEnd type="none" w="med" len="med"/>
+                    </a:lnL>
+                    <a:lnR w="6350" cap="flat" cmpd="sng" algn="ctr">
+                      <a:solidFill>
+                        <a:srgbClr val="000000"/>
+                      </a:solidFill>
+                      <a:prstDash val="solid"/>
+                      <a:round/>
+                      <a:headEnd type="none" w="med" len="med"/>
+                      <a:tailEnd type="none" w="med" len="med"/>
+                    </a:lnR>
+                    <a:lnT w="6350" cap="flat" cmpd="sng" algn="ctr">
+                      <a:solidFill>
+                        <a:srgbClr val="000000"/>
+                      </a:solidFill>
+                      <a:prstDash val="solid"/>
+                      <a:round/>
+                      <a:headEnd type="none" w="med" len="med"/>
+                      <a:tailEnd type="none" w="med" len="med"/>
+                    </a:lnT>
+                    <a:lnB w="6350" cap="flat" cmpd="sng" algn="ctr">
+                      <a:solidFill>
+                        <a:srgbClr val="000000"/>
+                      </a:solidFill>
+                      <a:prstDash val="solid"/>
+                      <a:round/>
+                      <a:headEnd type="none" w="med" len="med"/>
+                      <a:tailEnd type="none" w="med" len="med"/>
+                    </a:lnB>
+                  </a:tcPr>
+                </a:tc>
+                <a:tc>
+                  <a:txBody>
+                    <a:bodyPr/>
+                    <a:lstStyle/>
+                    <a:p>
+                      <a:pPr algn="l" fontAlgn="b"/>
+                      <a:r>
+                        <a:rPr lang="en-US" sz="900" b="0" i="0" u="none" strike="noStrike">
+                          <a:solidFill>
+                            <a:srgbClr val="000000"/>
+                          </a:solidFill>
+                          <a:effectLst/>
+                          <a:latin typeface="Calibri" panose="020F0502020204030204" pitchFamily="34" charset="0"/>
+                        </a:rPr>
+                        <a:t> </a:t>
+                      </a:r>
+                    </a:p>
+                  </a:txBody>
+                  <a:tcPr marL="5070" marR="5070" marT="5070" marB="0" anchor="b">
+                    <a:lnL w="6350" cap="flat" cmpd="sng" algn="ctr">
+                      <a:solidFill>
+                        <a:srgbClr val="000000"/>
+                      </a:solidFill>
+                      <a:prstDash val="solid"/>
+                      <a:round/>
+                      <a:headEnd type="none" w="med" len="med"/>
+                      <a:tailEnd type="none" w="med" len="med"/>
+                    </a:lnL>
+                    <a:lnR w="6350" cap="flat" cmpd="sng" algn="ctr">
+                      <a:solidFill>
+                        <a:srgbClr val="000000"/>
+                      </a:solidFill>
+                      <a:prstDash val="solid"/>
+                      <a:round/>
+                      <a:headEnd type="none" w="med" len="med"/>
+                      <a:tailEnd type="none" w="med" len="med"/>
+                    </a:lnR>
+                    <a:lnT w="6350" cap="flat" cmpd="sng" algn="ctr">
+                      <a:solidFill>
+                        <a:srgbClr val="000000"/>
+                      </a:solidFill>
+                      <a:prstDash val="solid"/>
+                      <a:round/>
+                      <a:headEnd type="none" w="med" len="med"/>
+                      <a:tailEnd type="none" w="med" len="med"/>
+                    </a:lnT>
+                    <a:lnB w="6350" cap="flat" cmpd="sng" algn="ctr">
+                      <a:solidFill>
+                        <a:srgbClr val="000000"/>
+                      </a:solidFill>
+                      <a:prstDash val="solid"/>
+                      <a:round/>
+                      <a:headEnd type="none" w="med" len="med"/>
+                      <a:tailEnd type="none" w="med" len="med"/>
+                    </a:lnB>
+                  </a:tcPr>
+                </a:tc>
+                <a:tc>
+                  <a:txBody>
+                    <a:bodyPr/>
+                    <a:lstStyle/>
+                    <a:p>
+                      <a:pPr algn="l" fontAlgn="b"/>
+                      <a:r>
+                        <a:rPr lang="en-US" sz="900" b="0" i="0" u="none" strike="noStrike">
+                          <a:solidFill>
+                            <a:srgbClr val="000000"/>
+                          </a:solidFill>
+                          <a:effectLst/>
+                          <a:latin typeface="Calibri" panose="020F0502020204030204" pitchFamily="34" charset="0"/>
+                        </a:rPr>
+                        <a:t> </a:t>
+                      </a:r>
+                    </a:p>
+                  </a:txBody>
+                  <a:tcPr marL="5070" marR="5070" marT="5070" marB="0" anchor="b">
+                    <a:lnL w="6350" cap="flat" cmpd="sng" algn="ctr">
+                      <a:solidFill>
+                        <a:srgbClr val="000000"/>
+                      </a:solidFill>
+                      <a:prstDash val="solid"/>
+                      <a:round/>
+                      <a:headEnd type="none" w="med" len="med"/>
+                      <a:tailEnd type="none" w="med" len="med"/>
+                    </a:lnL>
+                    <a:lnR w="6350" cap="flat" cmpd="sng" algn="ctr">
+                      <a:solidFill>
+                        <a:srgbClr val="000000"/>
+                      </a:solidFill>
+                      <a:prstDash val="solid"/>
+                      <a:round/>
+                      <a:headEnd type="none" w="med" len="med"/>
+                      <a:tailEnd type="none" w="med" len="med"/>
+                    </a:lnR>
+                    <a:lnT w="6350" cap="flat" cmpd="sng" algn="ctr">
+                      <a:solidFill>
+                        <a:srgbClr val="000000"/>
+                      </a:solidFill>
+                      <a:prstDash val="solid"/>
+                      <a:round/>
+                      <a:headEnd type="none" w="med" len="med"/>
+                      <a:tailEnd type="none" w="med" len="med"/>
+                    </a:lnT>
+                    <a:lnB w="6350" cap="flat" cmpd="sng" algn="ctr">
+                      <a:solidFill>
+                        <a:srgbClr val="000000"/>
+                      </a:solidFill>
+                      <a:prstDash val="solid"/>
+                      <a:round/>
+                      <a:headEnd type="none" w="med" len="med"/>
+                      <a:tailEnd type="none" w="med" len="med"/>
+                    </a:lnB>
+                  </a:tcPr>
+                </a:tc>
+                <a:tc>
+                  <a:txBody>
+                    <a:bodyPr/>
+                    <a:lstStyle/>
+                    <a:p>
+                      <a:pPr algn="l" fontAlgn="b"/>
+                      <a:r>
+                        <a:rPr lang="en-US" sz="900" b="0" i="0" u="none" strike="noStrike">
+                          <a:solidFill>
+                            <a:srgbClr val="000000"/>
+                          </a:solidFill>
+                          <a:effectLst/>
+                          <a:latin typeface="Calibri" panose="020F0502020204030204" pitchFamily="34" charset="0"/>
+                        </a:rPr>
+                        <a:t> </a:t>
+                      </a:r>
+                    </a:p>
+                  </a:txBody>
+                  <a:tcPr marL="5070" marR="5070" marT="5070" marB="0" anchor="b">
+                    <a:lnL w="6350" cap="flat" cmpd="sng" algn="ctr">
+                      <a:solidFill>
+                        <a:srgbClr val="000000"/>
+                      </a:solidFill>
+                      <a:prstDash val="solid"/>
+                      <a:round/>
+                      <a:headEnd type="none" w="med" len="med"/>
+                      <a:tailEnd type="none" w="med" len="med"/>
+                    </a:lnL>
+                    <a:lnR w="6350" cap="flat" cmpd="sng" algn="ctr">
+                      <a:solidFill>
+                        <a:srgbClr val="000000"/>
+                      </a:solidFill>
+                      <a:prstDash val="solid"/>
+                      <a:round/>
+                      <a:headEnd type="none" w="med" len="med"/>
+                      <a:tailEnd type="none" w="med" len="med"/>
+                    </a:lnR>
+                    <a:lnT w="6350" cap="flat" cmpd="sng" algn="ctr">
+                      <a:solidFill>
+                        <a:srgbClr val="000000"/>
+                      </a:solidFill>
+                      <a:prstDash val="solid"/>
+                      <a:round/>
+                      <a:headEnd type="none" w="med" len="med"/>
+                      <a:tailEnd type="none" w="med" len="med"/>
+                    </a:lnT>
+                    <a:lnB w="6350" cap="flat" cmpd="sng" algn="ctr">
+                      <a:solidFill>
+                        <a:srgbClr val="000000"/>
+                      </a:solidFill>
+                      <a:prstDash val="solid"/>
+                      <a:round/>
+                      <a:headEnd type="none" w="med" len="med"/>
+                      <a:tailEnd type="none" w="med" len="med"/>
+                    </a:lnB>
+                  </a:tcPr>
+                </a:tc>
+                <a:extLst>
+                  <a:ext uri="{0D108BD9-81ED-4DB2-BD59-A6C34878D82A}">
+                    <a16:rowId xmlns:a16="http://schemas.microsoft.com/office/drawing/2014/main" val="2694970493"/>
+                  </a:ext>
+                </a:extLst>
+              </a:tr>
+              <a:tr h="147036">
+                <a:tc>
+                  <a:txBody>
+                    <a:bodyPr/>
+                    <a:lstStyle/>
+                    <a:p>
+                      <a:pPr algn="l" fontAlgn="b"/>
+                      <a:r>
+                        <a:rPr lang="en-US" sz="900" b="0" i="0" u="none" strike="noStrike">
+                          <a:solidFill>
+                            <a:srgbClr val="000000"/>
+                          </a:solidFill>
+                          <a:effectLst/>
+                          <a:latin typeface="Calibri" panose="020F0502020204030204" pitchFamily="34" charset="0"/>
+                        </a:rPr>
+                        <a:t>20190711-175339_929718_20E32B_50E_10B</a:t>
+                      </a:r>
+                    </a:p>
+                  </a:txBody>
+                  <a:tcPr marL="5070" marR="5070" marT="5070" marB="0" anchor="b">
+                    <a:lnL w="6350" cap="flat" cmpd="sng" algn="ctr">
+                      <a:solidFill>
+                        <a:srgbClr val="000000"/>
+                      </a:solidFill>
+                      <a:prstDash val="solid"/>
+                      <a:round/>
+                      <a:headEnd type="none" w="med" len="med"/>
+                      <a:tailEnd type="none" w="med" len="med"/>
+                    </a:lnL>
+                    <a:lnR w="6350" cap="flat" cmpd="sng" algn="ctr">
+                      <a:solidFill>
+                        <a:srgbClr val="000000"/>
+                      </a:solidFill>
+                      <a:prstDash val="solid"/>
+                      <a:round/>
+                      <a:headEnd type="none" w="med" len="med"/>
+                      <a:tailEnd type="none" w="med" len="med"/>
+                    </a:lnR>
+                    <a:lnT w="6350" cap="flat" cmpd="sng" algn="ctr">
+                      <a:solidFill>
+                        <a:srgbClr val="000000"/>
+                      </a:solidFill>
+                      <a:prstDash val="solid"/>
+                      <a:round/>
+                      <a:headEnd type="none" w="med" len="med"/>
+                      <a:tailEnd type="none" w="med" len="med"/>
+                    </a:lnT>
+                    <a:lnB w="6350" cap="flat" cmpd="sng" algn="ctr">
+                      <a:solidFill>
+                        <a:srgbClr val="000000"/>
+                      </a:solidFill>
+                      <a:prstDash val="solid"/>
+                      <a:round/>
+                      <a:headEnd type="none" w="med" len="med"/>
+                      <a:tailEnd type="none" w="med" len="med"/>
+                    </a:lnB>
+                    <a:solidFill>
+                      <a:srgbClr val="D9E1F2"/>
+                    </a:solidFill>
+                  </a:tcPr>
+                </a:tc>
+                <a:tc>
+                  <a:txBody>
+                    <a:bodyPr/>
+                    <a:lstStyle/>
+                    <a:p>
+                      <a:pPr algn="l" fontAlgn="b"/>
+                      <a:r>
+                        <a:rPr lang="en-US" sz="900" b="0" i="0" u="none" strike="noStrike">
+                          <a:solidFill>
+                            <a:srgbClr val="000000"/>
+                          </a:solidFill>
+                          <a:effectLst/>
+                          <a:latin typeface="Calibri" panose="020F0502020204030204" pitchFamily="34" charset="0"/>
+                        </a:rPr>
+                        <a:t> </a:t>
+                      </a:r>
+                    </a:p>
+                  </a:txBody>
+                  <a:tcPr marL="5070" marR="5070" marT="5070" marB="0" anchor="b">
+                    <a:lnL w="6350" cap="flat" cmpd="sng" algn="ctr">
+                      <a:solidFill>
+                        <a:srgbClr val="000000"/>
+                      </a:solidFill>
+                      <a:prstDash val="solid"/>
+                      <a:round/>
+                      <a:headEnd type="none" w="med" len="med"/>
+                      <a:tailEnd type="none" w="med" len="med"/>
+                    </a:lnL>
+                    <a:lnR w="6350" cap="flat" cmpd="sng" algn="ctr">
+                      <a:solidFill>
+                        <a:srgbClr val="000000"/>
+                      </a:solidFill>
+                      <a:prstDash val="solid"/>
+                      <a:round/>
+                      <a:headEnd type="none" w="med" len="med"/>
+                      <a:tailEnd type="none" w="med" len="med"/>
+                    </a:lnR>
+                    <a:lnT w="6350" cap="flat" cmpd="sng" algn="ctr">
+                      <a:solidFill>
+                        <a:srgbClr val="000000"/>
+                      </a:solidFill>
+                      <a:prstDash val="solid"/>
+                      <a:round/>
+                      <a:headEnd type="none" w="med" len="med"/>
+                      <a:tailEnd type="none" w="med" len="med"/>
+                    </a:lnT>
+                    <a:lnB w="6350" cap="flat" cmpd="sng" algn="ctr">
+                      <a:solidFill>
+                        <a:srgbClr val="000000"/>
+                      </a:solidFill>
+                      <a:prstDash val="solid"/>
+                      <a:round/>
+                      <a:headEnd type="none" w="med" len="med"/>
+                      <a:tailEnd type="none" w="med" len="med"/>
+                    </a:lnB>
+                    <a:solidFill>
+                      <a:srgbClr val="D9E1F2"/>
+                    </a:solidFill>
+                  </a:tcPr>
+                </a:tc>
+                <a:tc>
+                  <a:txBody>
+                    <a:bodyPr/>
+                    <a:lstStyle/>
+                    <a:p>
+                      <a:pPr algn="l" fontAlgn="b"/>
+                      <a:r>
+                        <a:rPr lang="en-US" sz="900" b="0" i="0" u="none" strike="noStrike">
+                          <a:solidFill>
+                            <a:srgbClr val="000000"/>
+                          </a:solidFill>
+                          <a:effectLst/>
+                          <a:latin typeface="Calibri" panose="020F0502020204030204" pitchFamily="34" charset="0"/>
+                        </a:rPr>
+                        <a:t> </a:t>
+                      </a:r>
+                    </a:p>
+                  </a:txBody>
+                  <a:tcPr marL="5070" marR="5070" marT="5070" marB="0" anchor="b">
+                    <a:lnL w="6350" cap="flat" cmpd="sng" algn="ctr">
+                      <a:solidFill>
+                        <a:srgbClr val="000000"/>
+                      </a:solidFill>
+                      <a:prstDash val="solid"/>
+                      <a:round/>
+                      <a:headEnd type="none" w="med" len="med"/>
+                      <a:tailEnd type="none" w="med" len="med"/>
+                    </a:lnL>
+                    <a:lnR w="6350" cap="flat" cmpd="sng" algn="ctr">
+                      <a:solidFill>
+                        <a:srgbClr val="000000"/>
+                      </a:solidFill>
+                      <a:prstDash val="solid"/>
+                      <a:round/>
+                      <a:headEnd type="none" w="med" len="med"/>
+                      <a:tailEnd type="none" w="med" len="med"/>
+                    </a:lnR>
+                    <a:lnT w="6350" cap="flat" cmpd="sng" algn="ctr">
+                      <a:solidFill>
+                        <a:srgbClr val="000000"/>
+                      </a:solidFill>
+                      <a:prstDash val="solid"/>
+                      <a:round/>
+                      <a:headEnd type="none" w="med" len="med"/>
+                      <a:tailEnd type="none" w="med" len="med"/>
+                    </a:lnT>
+                    <a:lnB w="6350" cap="flat" cmpd="sng" algn="ctr">
+                      <a:solidFill>
+                        <a:srgbClr val="000000"/>
+                      </a:solidFill>
+                      <a:prstDash val="solid"/>
+                      <a:round/>
+                      <a:headEnd type="none" w="med" len="med"/>
+                      <a:tailEnd type="none" w="med" len="med"/>
+                    </a:lnB>
+                    <a:solidFill>
+                      <a:srgbClr val="D9E1F2"/>
+                    </a:solidFill>
+                  </a:tcPr>
+                </a:tc>
+                <a:tc>
+                  <a:txBody>
+                    <a:bodyPr/>
+                    <a:lstStyle/>
+                    <a:p>
+                      <a:pPr algn="l" fontAlgn="b"/>
+                      <a:r>
+                        <a:rPr lang="en-US" sz="900" b="0" i="0" u="none" strike="noStrike">
+                          <a:solidFill>
+                            <a:srgbClr val="000000"/>
+                          </a:solidFill>
+                          <a:effectLst/>
+                          <a:latin typeface="Calibri" panose="020F0502020204030204" pitchFamily="34" charset="0"/>
+                        </a:rPr>
+                        <a:t> </a:t>
+                      </a:r>
+                    </a:p>
+                  </a:txBody>
+                  <a:tcPr marL="5070" marR="5070" marT="5070" marB="0" anchor="b">
+                    <a:lnL w="6350" cap="flat" cmpd="sng" algn="ctr">
+                      <a:solidFill>
+                        <a:srgbClr val="000000"/>
+                      </a:solidFill>
+                      <a:prstDash val="solid"/>
+                      <a:round/>
+                      <a:headEnd type="none" w="med" len="med"/>
+                      <a:tailEnd type="none" w="med" len="med"/>
+                    </a:lnL>
+                    <a:lnR w="6350" cap="flat" cmpd="sng" algn="ctr">
+                      <a:solidFill>
+                        <a:srgbClr val="000000"/>
+                      </a:solidFill>
+                      <a:prstDash val="solid"/>
+                      <a:round/>
+                      <a:headEnd type="none" w="med" len="med"/>
+                      <a:tailEnd type="none" w="med" len="med"/>
+                    </a:lnR>
+                    <a:lnT w="6350" cap="flat" cmpd="sng" algn="ctr">
+                      <a:solidFill>
+                        <a:srgbClr val="000000"/>
+                      </a:solidFill>
+                      <a:prstDash val="solid"/>
+                      <a:round/>
+                      <a:headEnd type="none" w="med" len="med"/>
+                      <a:tailEnd type="none" w="med" len="med"/>
+                    </a:lnT>
+                    <a:lnB w="6350" cap="flat" cmpd="sng" algn="ctr">
+                      <a:solidFill>
+                        <a:srgbClr val="000000"/>
+                      </a:solidFill>
+                      <a:prstDash val="solid"/>
+                      <a:round/>
+                      <a:headEnd type="none" w="med" len="med"/>
+                      <a:tailEnd type="none" w="med" len="med"/>
+                    </a:lnB>
+                    <a:solidFill>
+                      <a:srgbClr val="D9E1F2"/>
+                    </a:solidFill>
+                  </a:tcPr>
+                </a:tc>
+                <a:tc>
+                  <a:txBody>
+                    <a:bodyPr/>
+                    <a:lstStyle/>
+                    <a:p>
+                      <a:pPr algn="l" fontAlgn="b"/>
+                      <a:r>
+                        <a:rPr lang="en-US" sz="900" b="0" i="0" u="none" strike="noStrike">
+                          <a:solidFill>
+                            <a:srgbClr val="000000"/>
+                          </a:solidFill>
+                          <a:effectLst/>
+                          <a:latin typeface="Calibri" panose="020F0502020204030204" pitchFamily="34" charset="0"/>
+                        </a:rPr>
+                        <a:t> </a:t>
+                      </a:r>
+                    </a:p>
+                  </a:txBody>
+                  <a:tcPr marL="5070" marR="5070" marT="5070" marB="0" anchor="b">
+                    <a:lnL w="6350" cap="flat" cmpd="sng" algn="ctr">
+                      <a:solidFill>
+                        <a:srgbClr val="000000"/>
+                      </a:solidFill>
+                      <a:prstDash val="solid"/>
+                      <a:round/>
+                      <a:headEnd type="none" w="med" len="med"/>
+                      <a:tailEnd type="none" w="med" len="med"/>
+                    </a:lnL>
+                    <a:lnR w="6350" cap="flat" cmpd="sng" algn="ctr">
+                      <a:solidFill>
+                        <a:srgbClr val="000000"/>
+                      </a:solidFill>
+                      <a:prstDash val="solid"/>
+                      <a:round/>
+                      <a:headEnd type="none" w="med" len="med"/>
+                      <a:tailEnd type="none" w="med" len="med"/>
+                    </a:lnR>
+                    <a:lnT w="6350" cap="flat" cmpd="sng" algn="ctr">
+                      <a:solidFill>
+                        <a:srgbClr val="000000"/>
+                      </a:solidFill>
+                      <a:prstDash val="solid"/>
+                      <a:round/>
+                      <a:headEnd type="none" w="med" len="med"/>
+                      <a:tailEnd type="none" w="med" len="med"/>
+                    </a:lnT>
+                    <a:lnB w="6350" cap="flat" cmpd="sng" algn="ctr">
+                      <a:solidFill>
+                        <a:srgbClr val="000000"/>
+                      </a:solidFill>
+                      <a:prstDash val="solid"/>
+                      <a:round/>
+                      <a:headEnd type="none" w="med" len="med"/>
+                      <a:tailEnd type="none" w="med" len="med"/>
+                    </a:lnB>
+                    <a:solidFill>
+                      <a:srgbClr val="D9E1F2"/>
+                    </a:solidFill>
+                  </a:tcPr>
+                </a:tc>
+                <a:tc>
+                  <a:txBody>
+                    <a:bodyPr/>
+                    <a:lstStyle/>
+                    <a:p>
+                      <a:pPr algn="l" fontAlgn="b"/>
+                      <a:r>
+                        <a:rPr lang="en-US" sz="900" b="0" i="0" u="none" strike="noStrike">
+                          <a:solidFill>
+                            <a:srgbClr val="000000"/>
+                          </a:solidFill>
+                          <a:effectLst/>
+                          <a:latin typeface="Calibri" panose="020F0502020204030204" pitchFamily="34" charset="0"/>
+                        </a:rPr>
+                        <a:t> </a:t>
+                      </a:r>
+                    </a:p>
+                  </a:txBody>
+                  <a:tcPr marL="5070" marR="5070" marT="5070" marB="0" anchor="b">
+                    <a:lnL w="6350" cap="flat" cmpd="sng" algn="ctr">
+                      <a:solidFill>
+                        <a:srgbClr val="000000"/>
+                      </a:solidFill>
+                      <a:prstDash val="solid"/>
+                      <a:round/>
+                      <a:headEnd type="none" w="med" len="med"/>
+                      <a:tailEnd type="none" w="med" len="med"/>
+                    </a:lnL>
+                    <a:lnR w="6350" cap="flat" cmpd="sng" algn="ctr">
+                      <a:solidFill>
+                        <a:srgbClr val="000000"/>
+                      </a:solidFill>
+                      <a:prstDash val="solid"/>
+                      <a:round/>
+                      <a:headEnd type="none" w="med" len="med"/>
+                      <a:tailEnd type="none" w="med" len="med"/>
+                    </a:lnR>
+                    <a:lnT w="6350" cap="flat" cmpd="sng" algn="ctr">
+                      <a:solidFill>
+                        <a:srgbClr val="000000"/>
+                      </a:solidFill>
+                      <a:prstDash val="solid"/>
+                      <a:round/>
+                      <a:headEnd type="none" w="med" len="med"/>
+                      <a:tailEnd type="none" w="med" len="med"/>
+                    </a:lnT>
+                    <a:lnB w="6350" cap="flat" cmpd="sng" algn="ctr">
+                      <a:solidFill>
+                        <a:srgbClr val="000000"/>
+                      </a:solidFill>
+                      <a:prstDash val="solid"/>
+                      <a:round/>
+                      <a:headEnd type="none" w="med" len="med"/>
+                      <a:tailEnd type="none" w="med" len="med"/>
+                    </a:lnB>
+                    <a:solidFill>
+                      <a:srgbClr val="D9E1F2"/>
+                    </a:solidFill>
+                  </a:tcPr>
+                </a:tc>
+                <a:tc>
+                  <a:txBody>
+                    <a:bodyPr/>
+                    <a:lstStyle/>
+                    <a:p>
+                      <a:pPr algn="l" fontAlgn="b"/>
+                      <a:r>
+                        <a:rPr lang="en-US" sz="900" b="0" i="0" u="none" strike="noStrike">
+                          <a:solidFill>
+                            <a:srgbClr val="000000"/>
+                          </a:solidFill>
+                          <a:effectLst/>
+                          <a:latin typeface="Calibri" panose="020F0502020204030204" pitchFamily="34" charset="0"/>
+                        </a:rPr>
+                        <a:t> </a:t>
+                      </a:r>
+                    </a:p>
+                  </a:txBody>
+                  <a:tcPr marL="5070" marR="5070" marT="5070" marB="0" anchor="b">
+                    <a:lnL w="6350" cap="flat" cmpd="sng" algn="ctr">
+                      <a:solidFill>
+                        <a:srgbClr val="000000"/>
+                      </a:solidFill>
+                      <a:prstDash val="solid"/>
+                      <a:round/>
+                      <a:headEnd type="none" w="med" len="med"/>
+                      <a:tailEnd type="none" w="med" len="med"/>
+                    </a:lnL>
+                    <a:lnR w="6350" cap="flat" cmpd="sng" algn="ctr">
+                      <a:solidFill>
+                        <a:srgbClr val="000000"/>
+                      </a:solidFill>
+                      <a:prstDash val="solid"/>
+                      <a:round/>
+                      <a:headEnd type="none" w="med" len="med"/>
+                      <a:tailEnd type="none" w="med" len="med"/>
+                    </a:lnR>
+                    <a:lnT w="6350" cap="flat" cmpd="sng" algn="ctr">
+                      <a:solidFill>
+                        <a:srgbClr val="000000"/>
+                      </a:solidFill>
+                      <a:prstDash val="solid"/>
+                      <a:round/>
+                      <a:headEnd type="none" w="med" len="med"/>
+                      <a:tailEnd type="none" w="med" len="med"/>
+                    </a:lnT>
+                    <a:lnB w="6350" cap="flat" cmpd="sng" algn="ctr">
+                      <a:solidFill>
+                        <a:srgbClr val="000000"/>
+                      </a:solidFill>
+                      <a:prstDash val="solid"/>
+                      <a:round/>
+                      <a:headEnd type="none" w="med" len="med"/>
+                      <a:tailEnd type="none" w="med" len="med"/>
+                    </a:lnB>
+                    <a:solidFill>
+                      <a:srgbClr val="D9E1F2"/>
+                    </a:solidFill>
+                  </a:tcPr>
+                </a:tc>
+                <a:tc>
+                  <a:txBody>
+                    <a:bodyPr/>
+                    <a:lstStyle/>
+                    <a:p>
+                      <a:pPr algn="l" fontAlgn="b"/>
+                      <a:r>
+                        <a:rPr lang="en-US" sz="900" b="0" i="0" u="none" strike="noStrike">
+                          <a:solidFill>
+                            <a:srgbClr val="000000"/>
+                          </a:solidFill>
+                          <a:effectLst/>
+                          <a:latin typeface="Calibri" panose="020F0502020204030204" pitchFamily="34" charset="0"/>
+                        </a:rPr>
+                        <a:t> </a:t>
+                      </a:r>
+                    </a:p>
+                  </a:txBody>
+                  <a:tcPr marL="5070" marR="5070" marT="5070" marB="0" anchor="b">
+                    <a:lnL w="6350" cap="flat" cmpd="sng" algn="ctr">
+                      <a:solidFill>
+                        <a:srgbClr val="000000"/>
+                      </a:solidFill>
+                      <a:prstDash val="solid"/>
+                      <a:round/>
+                      <a:headEnd type="none" w="med" len="med"/>
+                      <a:tailEnd type="none" w="med" len="med"/>
+                    </a:lnL>
+                    <a:lnR w="6350" cap="flat" cmpd="sng" algn="ctr">
+                      <a:solidFill>
+                        <a:srgbClr val="000000"/>
+                      </a:solidFill>
+                      <a:prstDash val="solid"/>
+                      <a:round/>
+                      <a:headEnd type="none" w="med" len="med"/>
+                      <a:tailEnd type="none" w="med" len="med"/>
+                    </a:lnR>
+                    <a:lnT w="6350" cap="flat" cmpd="sng" algn="ctr">
+                      <a:solidFill>
+                        <a:srgbClr val="000000"/>
+                      </a:solidFill>
+                      <a:prstDash val="solid"/>
+                      <a:round/>
+                      <a:headEnd type="none" w="med" len="med"/>
+                      <a:tailEnd type="none" w="med" len="med"/>
+                    </a:lnT>
+                    <a:lnB w="6350" cap="flat" cmpd="sng" algn="ctr">
+                      <a:solidFill>
+                        <a:srgbClr val="000000"/>
+                      </a:solidFill>
+                      <a:prstDash val="solid"/>
+                      <a:round/>
+                      <a:headEnd type="none" w="med" len="med"/>
+                      <a:tailEnd type="none" w="med" len="med"/>
+                    </a:lnB>
+                    <a:solidFill>
+                      <a:srgbClr val="D9E1F2"/>
+                    </a:solidFill>
+                  </a:tcPr>
+                </a:tc>
+                <a:extLst>
+                  <a:ext uri="{0D108BD9-81ED-4DB2-BD59-A6C34878D82A}">
+                    <a16:rowId xmlns:a16="http://schemas.microsoft.com/office/drawing/2014/main" val="2916297074"/>
+                  </a:ext>
+                </a:extLst>
+              </a:tr>
+              <a:tr h="147036">
+                <a:tc>
+                  <a:txBody>
+                    <a:bodyPr/>
+                    <a:lstStyle/>
+                    <a:p>
+                      <a:pPr algn="l" fontAlgn="b"/>
+                      <a:r>
+                        <a:rPr lang="en-US" sz="900" b="0" i="0" u="none" strike="noStrike">
+                          <a:solidFill>
+                            <a:srgbClr val="000000"/>
+                          </a:solidFill>
+                          <a:effectLst/>
+                          <a:latin typeface="Calibri" panose="020F0502020204030204" pitchFamily="34" charset="0"/>
+                        </a:rPr>
+                        <a:t>20190711-194444_929750_20E32B_50E32B</a:t>
+                      </a:r>
+                    </a:p>
+                  </a:txBody>
+                  <a:tcPr marL="5070" marR="5070" marT="5070" marB="0" anchor="b">
+                    <a:lnL w="6350" cap="flat" cmpd="sng" algn="ctr">
+                      <a:solidFill>
+                        <a:srgbClr val="000000"/>
+                      </a:solidFill>
+                      <a:prstDash val="solid"/>
+                      <a:round/>
+                      <a:headEnd type="none" w="med" len="med"/>
+                      <a:tailEnd type="none" w="med" len="med"/>
+                    </a:lnL>
+                    <a:lnR w="6350" cap="flat" cmpd="sng" algn="ctr">
+                      <a:solidFill>
+                        <a:srgbClr val="000000"/>
+                      </a:solidFill>
+                      <a:prstDash val="solid"/>
+                      <a:round/>
+                      <a:headEnd type="none" w="med" len="med"/>
+                      <a:tailEnd type="none" w="med" len="med"/>
+                    </a:lnR>
+                    <a:lnT w="6350" cap="flat" cmpd="sng" algn="ctr">
+                      <a:solidFill>
+                        <a:srgbClr val="000000"/>
+                      </a:solidFill>
+                      <a:prstDash val="solid"/>
+                      <a:round/>
+                      <a:headEnd type="none" w="med" len="med"/>
+                      <a:tailEnd type="none" w="med" len="med"/>
+                    </a:lnT>
+                    <a:lnB w="6350" cap="flat" cmpd="sng" algn="ctr">
+                      <a:solidFill>
+                        <a:srgbClr val="000000"/>
+                      </a:solidFill>
+                      <a:prstDash val="solid"/>
+                      <a:round/>
+                      <a:headEnd type="none" w="med" len="med"/>
+                      <a:tailEnd type="none" w="med" len="med"/>
+                    </a:lnB>
+                  </a:tcPr>
+                </a:tc>
+                <a:tc>
+                  <a:txBody>
+                    <a:bodyPr/>
+                    <a:lstStyle/>
+                    <a:p>
+                      <a:pPr algn="l" fontAlgn="b"/>
+                      <a:r>
+                        <a:rPr lang="en-US" sz="900" b="0" i="0" u="none" strike="noStrike">
+                          <a:solidFill>
+                            <a:srgbClr val="000000"/>
+                          </a:solidFill>
+                          <a:effectLst/>
+                          <a:latin typeface="Calibri" panose="020F0502020204030204" pitchFamily="34" charset="0"/>
+                        </a:rPr>
+                        <a:t> </a:t>
+                      </a:r>
+                    </a:p>
+                  </a:txBody>
+                  <a:tcPr marL="5070" marR="5070" marT="5070" marB="0" anchor="b">
+                    <a:lnL w="6350" cap="flat" cmpd="sng" algn="ctr">
+                      <a:solidFill>
+                        <a:srgbClr val="000000"/>
+                      </a:solidFill>
+                      <a:prstDash val="solid"/>
+                      <a:round/>
+                      <a:headEnd type="none" w="med" len="med"/>
+                      <a:tailEnd type="none" w="med" len="med"/>
+                    </a:lnL>
+                    <a:lnR w="6350" cap="flat" cmpd="sng" algn="ctr">
+                      <a:solidFill>
+                        <a:srgbClr val="000000"/>
+                      </a:solidFill>
+                      <a:prstDash val="solid"/>
+                      <a:round/>
+                      <a:headEnd type="none" w="med" len="med"/>
+                      <a:tailEnd type="none" w="med" len="med"/>
+                    </a:lnR>
+                    <a:lnT w="6350" cap="flat" cmpd="sng" algn="ctr">
+                      <a:solidFill>
+                        <a:srgbClr val="000000"/>
+                      </a:solidFill>
+                      <a:prstDash val="solid"/>
+                      <a:round/>
+                      <a:headEnd type="none" w="med" len="med"/>
+                      <a:tailEnd type="none" w="med" len="med"/>
+                    </a:lnT>
+                    <a:lnB w="6350" cap="flat" cmpd="sng" algn="ctr">
+                      <a:solidFill>
+                        <a:srgbClr val="000000"/>
+                      </a:solidFill>
+                      <a:prstDash val="solid"/>
+                      <a:round/>
+                      <a:headEnd type="none" w="med" len="med"/>
+                      <a:tailEnd type="none" w="med" len="med"/>
+                    </a:lnB>
+                  </a:tcPr>
+                </a:tc>
+                <a:tc>
+                  <a:txBody>
+                    <a:bodyPr/>
+                    <a:lstStyle/>
+                    <a:p>
+                      <a:pPr algn="l" fontAlgn="b"/>
+                      <a:r>
+                        <a:rPr lang="en-US" sz="900" b="0" i="0" u="none" strike="noStrike">
+                          <a:solidFill>
+                            <a:srgbClr val="000000"/>
+                          </a:solidFill>
+                          <a:effectLst/>
+                          <a:latin typeface="Calibri" panose="020F0502020204030204" pitchFamily="34" charset="0"/>
+                        </a:rPr>
+                        <a:t> </a:t>
+                      </a:r>
+                    </a:p>
+                  </a:txBody>
+                  <a:tcPr marL="5070" marR="5070" marT="5070" marB="0" anchor="b">
+                    <a:lnL w="6350" cap="flat" cmpd="sng" algn="ctr">
+                      <a:solidFill>
+                        <a:srgbClr val="000000"/>
+                      </a:solidFill>
+                      <a:prstDash val="solid"/>
+                      <a:round/>
+                      <a:headEnd type="none" w="med" len="med"/>
+                      <a:tailEnd type="none" w="med" len="med"/>
+                    </a:lnL>
+                    <a:lnR w="6350" cap="flat" cmpd="sng" algn="ctr">
+                      <a:solidFill>
+                        <a:srgbClr val="000000"/>
+                      </a:solidFill>
+                      <a:prstDash val="solid"/>
+                      <a:round/>
+                      <a:headEnd type="none" w="med" len="med"/>
+                      <a:tailEnd type="none" w="med" len="med"/>
+                    </a:lnR>
+                    <a:lnT w="6350" cap="flat" cmpd="sng" algn="ctr">
+                      <a:solidFill>
+                        <a:srgbClr val="000000"/>
+                      </a:solidFill>
+                      <a:prstDash val="solid"/>
+                      <a:round/>
+                      <a:headEnd type="none" w="med" len="med"/>
+                      <a:tailEnd type="none" w="med" len="med"/>
+                    </a:lnT>
+                    <a:lnB w="6350" cap="flat" cmpd="sng" algn="ctr">
+                      <a:solidFill>
+                        <a:srgbClr val="000000"/>
+                      </a:solidFill>
+                      <a:prstDash val="solid"/>
+                      <a:round/>
+                      <a:headEnd type="none" w="med" len="med"/>
+                      <a:tailEnd type="none" w="med" len="med"/>
+                    </a:lnB>
+                  </a:tcPr>
+                </a:tc>
+                <a:tc>
+                  <a:txBody>
+                    <a:bodyPr/>
+                    <a:lstStyle/>
+                    <a:p>
+                      <a:pPr algn="l" fontAlgn="b"/>
+                      <a:r>
+                        <a:rPr lang="en-US" sz="900" b="0" i="0" u="none" strike="noStrike">
+                          <a:solidFill>
+                            <a:srgbClr val="000000"/>
+                          </a:solidFill>
+                          <a:effectLst/>
+                          <a:latin typeface="Calibri" panose="020F0502020204030204" pitchFamily="34" charset="0"/>
+                        </a:rPr>
+                        <a:t> </a:t>
+                      </a:r>
+                    </a:p>
+                  </a:txBody>
+                  <a:tcPr marL="5070" marR="5070" marT="5070" marB="0" anchor="b">
+                    <a:lnL w="6350" cap="flat" cmpd="sng" algn="ctr">
+                      <a:solidFill>
+                        <a:srgbClr val="000000"/>
+                      </a:solidFill>
+                      <a:prstDash val="solid"/>
+                      <a:round/>
+                      <a:headEnd type="none" w="med" len="med"/>
+                      <a:tailEnd type="none" w="med" len="med"/>
+                    </a:lnL>
+                    <a:lnR w="6350" cap="flat" cmpd="sng" algn="ctr">
+                      <a:solidFill>
+                        <a:srgbClr val="000000"/>
+                      </a:solidFill>
+                      <a:prstDash val="solid"/>
+                      <a:round/>
+                      <a:headEnd type="none" w="med" len="med"/>
+                      <a:tailEnd type="none" w="med" len="med"/>
+                    </a:lnR>
+                    <a:lnT w="6350" cap="flat" cmpd="sng" algn="ctr">
+                      <a:solidFill>
+                        <a:srgbClr val="000000"/>
+                      </a:solidFill>
+                      <a:prstDash val="solid"/>
+                      <a:round/>
+                      <a:headEnd type="none" w="med" len="med"/>
+                      <a:tailEnd type="none" w="med" len="med"/>
+                    </a:lnT>
+                    <a:lnB w="6350" cap="flat" cmpd="sng" algn="ctr">
+                      <a:solidFill>
+                        <a:srgbClr val="000000"/>
+                      </a:solidFill>
+                      <a:prstDash val="solid"/>
+                      <a:round/>
+                      <a:headEnd type="none" w="med" len="med"/>
+                      <a:tailEnd type="none" w="med" len="med"/>
+                    </a:lnB>
+                  </a:tcPr>
+                </a:tc>
+                <a:tc>
+                  <a:txBody>
+                    <a:bodyPr/>
+                    <a:lstStyle/>
+                    <a:p>
+                      <a:pPr algn="l" fontAlgn="b"/>
+                      <a:r>
+                        <a:rPr lang="en-US" sz="900" b="0" i="0" u="none" strike="noStrike">
+                          <a:solidFill>
+                            <a:srgbClr val="000000"/>
+                          </a:solidFill>
+                          <a:effectLst/>
+                          <a:latin typeface="Calibri" panose="020F0502020204030204" pitchFamily="34" charset="0"/>
+                        </a:rPr>
+                        <a:t> </a:t>
+                      </a:r>
+                    </a:p>
+                  </a:txBody>
+                  <a:tcPr marL="5070" marR="5070" marT="5070" marB="0" anchor="b">
+                    <a:lnL w="6350" cap="flat" cmpd="sng" algn="ctr">
+                      <a:solidFill>
+                        <a:srgbClr val="000000"/>
+                      </a:solidFill>
+                      <a:prstDash val="solid"/>
+                      <a:round/>
+                      <a:headEnd type="none" w="med" len="med"/>
+                      <a:tailEnd type="none" w="med" len="med"/>
+                    </a:lnL>
+                    <a:lnR w="6350" cap="flat" cmpd="sng" algn="ctr">
+                      <a:solidFill>
+                        <a:srgbClr val="000000"/>
+                      </a:solidFill>
+                      <a:prstDash val="solid"/>
+                      <a:round/>
+                      <a:headEnd type="none" w="med" len="med"/>
+                      <a:tailEnd type="none" w="med" len="med"/>
+                    </a:lnR>
+                    <a:lnT w="6350" cap="flat" cmpd="sng" algn="ctr">
+                      <a:solidFill>
+                        <a:srgbClr val="000000"/>
+                      </a:solidFill>
+                      <a:prstDash val="solid"/>
+                      <a:round/>
+                      <a:headEnd type="none" w="med" len="med"/>
+                      <a:tailEnd type="none" w="med" len="med"/>
+                    </a:lnT>
+                    <a:lnB w="6350" cap="flat" cmpd="sng" algn="ctr">
+                      <a:solidFill>
+                        <a:srgbClr val="000000"/>
+                      </a:solidFill>
+                      <a:prstDash val="solid"/>
+                      <a:round/>
+                      <a:headEnd type="none" w="med" len="med"/>
+                      <a:tailEnd type="none" w="med" len="med"/>
+                    </a:lnB>
+                  </a:tcPr>
+                </a:tc>
+                <a:tc>
+                  <a:txBody>
+                    <a:bodyPr/>
+                    <a:lstStyle/>
+                    <a:p>
+                      <a:pPr algn="l" fontAlgn="b"/>
+                      <a:r>
+                        <a:rPr lang="en-US" sz="900" b="0" i="0" u="none" strike="noStrike">
+                          <a:solidFill>
+                            <a:srgbClr val="000000"/>
+                          </a:solidFill>
+                          <a:effectLst/>
+                          <a:latin typeface="Calibri" panose="020F0502020204030204" pitchFamily="34" charset="0"/>
+                        </a:rPr>
+                        <a:t> </a:t>
+                      </a:r>
+                    </a:p>
+                  </a:txBody>
+                  <a:tcPr marL="5070" marR="5070" marT="5070" marB="0" anchor="b">
+                    <a:lnL w="6350" cap="flat" cmpd="sng" algn="ctr">
+                      <a:solidFill>
+                        <a:srgbClr val="000000"/>
+                      </a:solidFill>
+                      <a:prstDash val="solid"/>
+                      <a:round/>
+                      <a:headEnd type="none" w="med" len="med"/>
+                      <a:tailEnd type="none" w="med" len="med"/>
+                    </a:lnL>
+                    <a:lnR w="6350" cap="flat" cmpd="sng" algn="ctr">
+                      <a:solidFill>
+                        <a:srgbClr val="000000"/>
+                      </a:solidFill>
+                      <a:prstDash val="solid"/>
+                      <a:round/>
+                      <a:headEnd type="none" w="med" len="med"/>
+                      <a:tailEnd type="none" w="med" len="med"/>
+                    </a:lnR>
+                    <a:lnT w="6350" cap="flat" cmpd="sng" algn="ctr">
+                      <a:solidFill>
+                        <a:srgbClr val="000000"/>
+                      </a:solidFill>
+                      <a:prstDash val="solid"/>
+                      <a:round/>
+                      <a:headEnd type="none" w="med" len="med"/>
+                      <a:tailEnd type="none" w="med" len="med"/>
+                    </a:lnT>
+                    <a:lnB w="6350" cap="flat" cmpd="sng" algn="ctr">
+                      <a:solidFill>
+                        <a:srgbClr val="000000"/>
+                      </a:solidFill>
+                      <a:prstDash val="solid"/>
+                      <a:round/>
+                      <a:headEnd type="none" w="med" len="med"/>
+                      <a:tailEnd type="none" w="med" len="med"/>
+                    </a:lnB>
+                  </a:tcPr>
+                </a:tc>
+                <a:tc>
+                  <a:txBody>
+                    <a:bodyPr/>
+                    <a:lstStyle/>
+                    <a:p>
+                      <a:pPr algn="l" fontAlgn="b"/>
+                      <a:r>
+                        <a:rPr lang="en-US" sz="900" b="0" i="0" u="none" strike="noStrike">
+                          <a:solidFill>
+                            <a:srgbClr val="000000"/>
+                          </a:solidFill>
+                          <a:effectLst/>
+                          <a:latin typeface="Calibri" panose="020F0502020204030204" pitchFamily="34" charset="0"/>
+                        </a:rPr>
+                        <a:t> </a:t>
+                      </a:r>
+                    </a:p>
+                  </a:txBody>
+                  <a:tcPr marL="5070" marR="5070" marT="5070" marB="0" anchor="b">
+                    <a:lnL w="6350" cap="flat" cmpd="sng" algn="ctr">
+                      <a:solidFill>
+                        <a:srgbClr val="000000"/>
+                      </a:solidFill>
+                      <a:prstDash val="solid"/>
+                      <a:round/>
+                      <a:headEnd type="none" w="med" len="med"/>
+                      <a:tailEnd type="none" w="med" len="med"/>
+                    </a:lnL>
+                    <a:lnR w="6350" cap="flat" cmpd="sng" algn="ctr">
+                      <a:solidFill>
+                        <a:srgbClr val="000000"/>
+                      </a:solidFill>
+                      <a:prstDash val="solid"/>
+                      <a:round/>
+                      <a:headEnd type="none" w="med" len="med"/>
+                      <a:tailEnd type="none" w="med" len="med"/>
+                    </a:lnR>
+                    <a:lnT w="6350" cap="flat" cmpd="sng" algn="ctr">
+                      <a:solidFill>
+                        <a:srgbClr val="000000"/>
+                      </a:solidFill>
+                      <a:prstDash val="solid"/>
+                      <a:round/>
+                      <a:headEnd type="none" w="med" len="med"/>
+                      <a:tailEnd type="none" w="med" len="med"/>
+                    </a:lnT>
+                    <a:lnB w="6350" cap="flat" cmpd="sng" algn="ctr">
+                      <a:solidFill>
+                        <a:srgbClr val="000000"/>
+                      </a:solidFill>
+                      <a:prstDash val="solid"/>
+                      <a:round/>
+                      <a:headEnd type="none" w="med" len="med"/>
+                      <a:tailEnd type="none" w="med" len="med"/>
+                    </a:lnB>
+                  </a:tcPr>
+                </a:tc>
+                <a:tc>
+                  <a:txBody>
+                    <a:bodyPr/>
+                    <a:lstStyle/>
+                    <a:p>
+                      <a:pPr algn="l" fontAlgn="b"/>
+                      <a:r>
+                        <a:rPr lang="en-US" sz="900" b="0" i="0" u="none" strike="noStrike">
+                          <a:solidFill>
+                            <a:srgbClr val="000000"/>
+                          </a:solidFill>
+                          <a:effectLst/>
+                          <a:latin typeface="Calibri" panose="020F0502020204030204" pitchFamily="34" charset="0"/>
+                        </a:rPr>
+                        <a:t> </a:t>
+                      </a:r>
+                    </a:p>
+                  </a:txBody>
+                  <a:tcPr marL="5070" marR="5070" marT="5070" marB="0" anchor="b">
+                    <a:lnL w="6350" cap="flat" cmpd="sng" algn="ctr">
+                      <a:solidFill>
+                        <a:srgbClr val="000000"/>
+                      </a:solidFill>
+                      <a:prstDash val="solid"/>
+                      <a:round/>
+                      <a:headEnd type="none" w="med" len="med"/>
+                      <a:tailEnd type="none" w="med" len="med"/>
+                    </a:lnL>
+                    <a:lnR w="6350" cap="flat" cmpd="sng" algn="ctr">
+                      <a:solidFill>
+                        <a:srgbClr val="000000"/>
+                      </a:solidFill>
+                      <a:prstDash val="solid"/>
+                      <a:round/>
+                      <a:headEnd type="none" w="med" len="med"/>
+                      <a:tailEnd type="none" w="med" len="med"/>
+                    </a:lnR>
+                    <a:lnT w="6350" cap="flat" cmpd="sng" algn="ctr">
+                      <a:solidFill>
+                        <a:srgbClr val="000000"/>
+                      </a:solidFill>
+                      <a:prstDash val="solid"/>
+                      <a:round/>
+                      <a:headEnd type="none" w="med" len="med"/>
+                      <a:tailEnd type="none" w="med" len="med"/>
+                    </a:lnT>
+                    <a:lnB w="6350" cap="flat" cmpd="sng" algn="ctr">
+                      <a:solidFill>
+                        <a:srgbClr val="000000"/>
+                      </a:solidFill>
+                      <a:prstDash val="solid"/>
+                      <a:round/>
+                      <a:headEnd type="none" w="med" len="med"/>
+                      <a:tailEnd type="none" w="med" len="med"/>
+                    </a:lnB>
+                  </a:tcPr>
+                </a:tc>
+                <a:extLst>
+                  <a:ext uri="{0D108BD9-81ED-4DB2-BD59-A6C34878D82A}">
+                    <a16:rowId xmlns:a16="http://schemas.microsoft.com/office/drawing/2014/main" val="4020155828"/>
+                  </a:ext>
+                </a:extLst>
+              </a:tr>
+              <a:tr h="147036">
+                <a:tc>
+                  <a:txBody>
+                    <a:bodyPr/>
+                    <a:lstStyle/>
+                    <a:p>
+                      <a:pPr algn="l" fontAlgn="b"/>
+                      <a:r>
+                        <a:rPr lang="nn-NO" sz="900" b="0" i="0" u="none" strike="noStrike">
+                          <a:solidFill>
+                            <a:srgbClr val="000000"/>
+                          </a:solidFill>
+                          <a:effectLst/>
+                          <a:latin typeface="Calibri" panose="020F0502020204030204" pitchFamily="34" charset="0"/>
+                        </a:rPr>
+                        <a:t>20190714-15095750E_32B_ValSplit.2_Darknet</a:t>
+                      </a:r>
+                    </a:p>
+                  </a:txBody>
+                  <a:tcPr marL="5070" marR="5070" marT="5070" marB="0" anchor="b">
+                    <a:lnL w="6350" cap="flat" cmpd="sng" algn="ctr">
+                      <a:solidFill>
+                        <a:srgbClr val="000000"/>
+                      </a:solidFill>
+                      <a:prstDash val="solid"/>
+                      <a:round/>
+                      <a:headEnd type="none" w="med" len="med"/>
+                      <a:tailEnd type="none" w="med" len="med"/>
+                    </a:lnL>
+                    <a:lnR w="6350" cap="flat" cmpd="sng" algn="ctr">
+                      <a:solidFill>
+                        <a:srgbClr val="000000"/>
+                      </a:solidFill>
+                      <a:prstDash val="solid"/>
+                      <a:round/>
+                      <a:headEnd type="none" w="med" len="med"/>
+                      <a:tailEnd type="none" w="med" len="med"/>
+                    </a:lnR>
+                    <a:lnT w="6350" cap="flat" cmpd="sng" algn="ctr">
+                      <a:solidFill>
+                        <a:srgbClr val="000000"/>
+                      </a:solidFill>
+                      <a:prstDash val="solid"/>
+                      <a:round/>
+                      <a:headEnd type="none" w="med" len="med"/>
+                      <a:tailEnd type="none" w="med" len="med"/>
+                    </a:lnT>
+                    <a:lnB w="6350" cap="flat" cmpd="sng" algn="ctr">
+                      <a:solidFill>
+                        <a:srgbClr val="000000"/>
+                      </a:solidFill>
+                      <a:prstDash val="solid"/>
+                      <a:round/>
+                      <a:headEnd type="none" w="med" len="med"/>
+                      <a:tailEnd type="none" w="med" len="med"/>
+                    </a:lnB>
+                    <a:solidFill>
+                      <a:srgbClr val="D9E1F2"/>
+                    </a:solidFill>
+                  </a:tcPr>
+                </a:tc>
+                <a:tc>
+                  <a:txBody>
+                    <a:bodyPr/>
+                    <a:lstStyle/>
+                    <a:p>
+                      <a:pPr algn="l" fontAlgn="b"/>
+                      <a:r>
+                        <a:rPr lang="en-US" sz="900" b="0" i="0" u="none" strike="noStrike">
+                          <a:solidFill>
+                            <a:srgbClr val="000000"/>
+                          </a:solidFill>
+                          <a:effectLst/>
+                          <a:latin typeface="Calibri" panose="020F0502020204030204" pitchFamily="34" charset="0"/>
+                        </a:rPr>
+                        <a:t> </a:t>
+                      </a:r>
+                    </a:p>
+                  </a:txBody>
+                  <a:tcPr marL="5070" marR="5070" marT="5070" marB="0" anchor="b">
+                    <a:lnL w="6350" cap="flat" cmpd="sng" algn="ctr">
+                      <a:solidFill>
+                        <a:srgbClr val="000000"/>
+                      </a:solidFill>
+                      <a:prstDash val="solid"/>
+                      <a:round/>
+                      <a:headEnd type="none" w="med" len="med"/>
+                      <a:tailEnd type="none" w="med" len="med"/>
+                    </a:lnL>
+                    <a:lnR w="6350" cap="flat" cmpd="sng" algn="ctr">
+                      <a:solidFill>
+                        <a:srgbClr val="000000"/>
+                      </a:solidFill>
+                      <a:prstDash val="solid"/>
+                      <a:round/>
+                      <a:headEnd type="none" w="med" len="med"/>
+                      <a:tailEnd type="none" w="med" len="med"/>
+                    </a:lnR>
+                    <a:lnT w="6350" cap="flat" cmpd="sng" algn="ctr">
+                      <a:solidFill>
+                        <a:srgbClr val="000000"/>
+                      </a:solidFill>
+                      <a:prstDash val="solid"/>
+                      <a:round/>
+                      <a:headEnd type="none" w="med" len="med"/>
+                      <a:tailEnd type="none" w="med" len="med"/>
+                    </a:lnT>
+                    <a:lnB w="6350" cap="flat" cmpd="sng" algn="ctr">
+                      <a:solidFill>
+                        <a:srgbClr val="000000"/>
+                      </a:solidFill>
+                      <a:prstDash val="solid"/>
+                      <a:round/>
+                      <a:headEnd type="none" w="med" len="med"/>
+                      <a:tailEnd type="none" w="med" len="med"/>
+                    </a:lnB>
+                    <a:solidFill>
+                      <a:srgbClr val="D9E1F2"/>
+                    </a:solidFill>
+                  </a:tcPr>
+                </a:tc>
+                <a:tc>
+                  <a:txBody>
+                    <a:bodyPr/>
+                    <a:lstStyle/>
+                    <a:p>
+                      <a:pPr algn="l" fontAlgn="b"/>
+                      <a:r>
+                        <a:rPr lang="en-US" sz="900" b="0" i="0" u="none" strike="noStrike">
+                          <a:solidFill>
+                            <a:srgbClr val="000000"/>
+                          </a:solidFill>
+                          <a:effectLst/>
+                          <a:latin typeface="Calibri" panose="020F0502020204030204" pitchFamily="34" charset="0"/>
+                        </a:rPr>
+                        <a:t> </a:t>
+                      </a:r>
+                    </a:p>
+                  </a:txBody>
+                  <a:tcPr marL="5070" marR="5070" marT="5070" marB="0" anchor="b">
+                    <a:lnL w="6350" cap="flat" cmpd="sng" algn="ctr">
+                      <a:solidFill>
+                        <a:srgbClr val="000000"/>
+                      </a:solidFill>
+                      <a:prstDash val="solid"/>
+                      <a:round/>
+                      <a:headEnd type="none" w="med" len="med"/>
+                      <a:tailEnd type="none" w="med" len="med"/>
+                    </a:lnL>
+                    <a:lnR w="6350" cap="flat" cmpd="sng" algn="ctr">
+                      <a:solidFill>
+                        <a:srgbClr val="000000"/>
+                      </a:solidFill>
+                      <a:prstDash val="solid"/>
+                      <a:round/>
+                      <a:headEnd type="none" w="med" len="med"/>
+                      <a:tailEnd type="none" w="med" len="med"/>
+                    </a:lnR>
+                    <a:lnT w="6350" cap="flat" cmpd="sng" algn="ctr">
+                      <a:solidFill>
+                        <a:srgbClr val="000000"/>
+                      </a:solidFill>
+                      <a:prstDash val="solid"/>
+                      <a:round/>
+                      <a:headEnd type="none" w="med" len="med"/>
+                      <a:tailEnd type="none" w="med" len="med"/>
+                    </a:lnT>
+                    <a:lnB w="6350" cap="flat" cmpd="sng" algn="ctr">
+                      <a:solidFill>
+                        <a:srgbClr val="000000"/>
+                      </a:solidFill>
+                      <a:prstDash val="solid"/>
+                      <a:round/>
+                      <a:headEnd type="none" w="med" len="med"/>
+                      <a:tailEnd type="none" w="med" len="med"/>
+                    </a:lnB>
+                    <a:solidFill>
+                      <a:srgbClr val="D9E1F2"/>
+                    </a:solidFill>
+                  </a:tcPr>
+                </a:tc>
+                <a:tc>
+                  <a:txBody>
+                    <a:bodyPr/>
+                    <a:lstStyle/>
+                    <a:p>
+                      <a:pPr algn="l" fontAlgn="b"/>
+                      <a:r>
+                        <a:rPr lang="en-US" sz="900" b="0" i="0" u="none" strike="noStrike">
+                          <a:solidFill>
+                            <a:srgbClr val="000000"/>
+                          </a:solidFill>
+                          <a:effectLst/>
+                          <a:latin typeface="Calibri" panose="020F0502020204030204" pitchFamily="34" charset="0"/>
+                        </a:rPr>
+                        <a:t> </a:t>
+                      </a:r>
+                    </a:p>
+                  </a:txBody>
+                  <a:tcPr marL="5070" marR="5070" marT="5070" marB="0" anchor="b">
+                    <a:lnL w="6350" cap="flat" cmpd="sng" algn="ctr">
+                      <a:solidFill>
+                        <a:srgbClr val="000000"/>
+                      </a:solidFill>
+                      <a:prstDash val="solid"/>
+                      <a:round/>
+                      <a:headEnd type="none" w="med" len="med"/>
+                      <a:tailEnd type="none" w="med" len="med"/>
+                    </a:lnL>
+                    <a:lnR w="6350" cap="flat" cmpd="sng" algn="ctr">
+                      <a:solidFill>
+                        <a:srgbClr val="000000"/>
+                      </a:solidFill>
+                      <a:prstDash val="solid"/>
+                      <a:round/>
+                      <a:headEnd type="none" w="med" len="med"/>
+                      <a:tailEnd type="none" w="med" len="med"/>
+                    </a:lnR>
+                    <a:lnT w="6350" cap="flat" cmpd="sng" algn="ctr">
+                      <a:solidFill>
+                        <a:srgbClr val="000000"/>
+                      </a:solidFill>
+                      <a:prstDash val="solid"/>
+                      <a:round/>
+                      <a:headEnd type="none" w="med" len="med"/>
+                      <a:tailEnd type="none" w="med" len="med"/>
+                    </a:lnT>
+                    <a:lnB w="6350" cap="flat" cmpd="sng" algn="ctr">
+                      <a:solidFill>
+                        <a:srgbClr val="000000"/>
+                      </a:solidFill>
+                      <a:prstDash val="solid"/>
+                      <a:round/>
+                      <a:headEnd type="none" w="med" len="med"/>
+                      <a:tailEnd type="none" w="med" len="med"/>
+                    </a:lnB>
+                    <a:solidFill>
+                      <a:srgbClr val="D9E1F2"/>
+                    </a:solidFill>
+                  </a:tcPr>
+                </a:tc>
+                <a:tc>
+                  <a:txBody>
+                    <a:bodyPr/>
+                    <a:lstStyle/>
+                    <a:p>
+                      <a:pPr algn="l" fontAlgn="b"/>
+                      <a:r>
+                        <a:rPr lang="en-US" sz="900" b="0" i="0" u="none" strike="noStrike">
+                          <a:solidFill>
+                            <a:srgbClr val="000000"/>
+                          </a:solidFill>
+                          <a:effectLst/>
+                          <a:latin typeface="Calibri" panose="020F0502020204030204" pitchFamily="34" charset="0"/>
+                        </a:rPr>
+                        <a:t> </a:t>
+                      </a:r>
+                    </a:p>
+                  </a:txBody>
+                  <a:tcPr marL="5070" marR="5070" marT="5070" marB="0" anchor="b">
+                    <a:lnL w="6350" cap="flat" cmpd="sng" algn="ctr">
+                      <a:solidFill>
+                        <a:srgbClr val="000000"/>
+                      </a:solidFill>
+                      <a:prstDash val="solid"/>
+                      <a:round/>
+                      <a:headEnd type="none" w="med" len="med"/>
+                      <a:tailEnd type="none" w="med" len="med"/>
+                    </a:lnL>
+                    <a:lnR w="6350" cap="flat" cmpd="sng" algn="ctr">
+                      <a:solidFill>
+                        <a:srgbClr val="000000"/>
+                      </a:solidFill>
+                      <a:prstDash val="solid"/>
+                      <a:round/>
+                      <a:headEnd type="none" w="med" len="med"/>
+                      <a:tailEnd type="none" w="med" len="med"/>
+                    </a:lnR>
+                    <a:lnT w="6350" cap="flat" cmpd="sng" algn="ctr">
+                      <a:solidFill>
+                        <a:srgbClr val="000000"/>
+                      </a:solidFill>
+                      <a:prstDash val="solid"/>
+                      <a:round/>
+                      <a:headEnd type="none" w="med" len="med"/>
+                      <a:tailEnd type="none" w="med" len="med"/>
+                    </a:lnT>
+                    <a:lnB w="6350" cap="flat" cmpd="sng" algn="ctr">
+                      <a:solidFill>
+                        <a:srgbClr val="000000"/>
+                      </a:solidFill>
+                      <a:prstDash val="solid"/>
+                      <a:round/>
+                      <a:headEnd type="none" w="med" len="med"/>
+                      <a:tailEnd type="none" w="med" len="med"/>
+                    </a:lnB>
+                    <a:solidFill>
+                      <a:srgbClr val="D9E1F2"/>
+                    </a:solidFill>
+                  </a:tcPr>
+                </a:tc>
+                <a:tc>
+                  <a:txBody>
+                    <a:bodyPr/>
+                    <a:lstStyle/>
+                    <a:p>
+                      <a:pPr algn="l" fontAlgn="b"/>
+                      <a:r>
+                        <a:rPr lang="en-US" sz="900" b="0" i="0" u="none" strike="noStrike">
+                          <a:solidFill>
+                            <a:srgbClr val="000000"/>
+                          </a:solidFill>
+                          <a:effectLst/>
+                          <a:latin typeface="Calibri" panose="020F0502020204030204" pitchFamily="34" charset="0"/>
+                        </a:rPr>
+                        <a:t> </a:t>
+                      </a:r>
+                    </a:p>
+                  </a:txBody>
+                  <a:tcPr marL="5070" marR="5070" marT="5070" marB="0" anchor="b">
+                    <a:lnL w="6350" cap="flat" cmpd="sng" algn="ctr">
+                      <a:solidFill>
+                        <a:srgbClr val="000000"/>
+                      </a:solidFill>
+                      <a:prstDash val="solid"/>
+                      <a:round/>
+                      <a:headEnd type="none" w="med" len="med"/>
+                      <a:tailEnd type="none" w="med" len="med"/>
+                    </a:lnL>
+                    <a:lnR w="6350" cap="flat" cmpd="sng" algn="ctr">
+                      <a:solidFill>
+                        <a:srgbClr val="000000"/>
+                      </a:solidFill>
+                      <a:prstDash val="solid"/>
+                      <a:round/>
+                      <a:headEnd type="none" w="med" len="med"/>
+                      <a:tailEnd type="none" w="med" len="med"/>
+                    </a:lnR>
+                    <a:lnT w="6350" cap="flat" cmpd="sng" algn="ctr">
+                      <a:solidFill>
+                        <a:srgbClr val="000000"/>
+                      </a:solidFill>
+                      <a:prstDash val="solid"/>
+                      <a:round/>
+                      <a:headEnd type="none" w="med" len="med"/>
+                      <a:tailEnd type="none" w="med" len="med"/>
+                    </a:lnT>
+                    <a:lnB w="6350" cap="flat" cmpd="sng" algn="ctr">
+                      <a:solidFill>
+                        <a:srgbClr val="000000"/>
+                      </a:solidFill>
+                      <a:prstDash val="solid"/>
+                      <a:round/>
+                      <a:headEnd type="none" w="med" len="med"/>
+                      <a:tailEnd type="none" w="med" len="med"/>
+                    </a:lnB>
+                    <a:solidFill>
+                      <a:srgbClr val="D9E1F2"/>
+                    </a:solidFill>
+                  </a:tcPr>
+                </a:tc>
+                <a:tc>
+                  <a:txBody>
+                    <a:bodyPr/>
+                    <a:lstStyle/>
+                    <a:p>
+                      <a:pPr algn="l" fontAlgn="b"/>
+                      <a:r>
+                        <a:rPr lang="en-US" sz="900" b="0" i="0" u="none" strike="noStrike">
+                          <a:solidFill>
+                            <a:srgbClr val="000000"/>
+                          </a:solidFill>
+                          <a:effectLst/>
+                          <a:latin typeface="Calibri" panose="020F0502020204030204" pitchFamily="34" charset="0"/>
+                        </a:rPr>
+                        <a:t> </a:t>
+                      </a:r>
+                    </a:p>
+                  </a:txBody>
+                  <a:tcPr marL="5070" marR="5070" marT="5070" marB="0" anchor="b">
+                    <a:lnL w="6350" cap="flat" cmpd="sng" algn="ctr">
+                      <a:solidFill>
+                        <a:srgbClr val="000000"/>
+                      </a:solidFill>
+                      <a:prstDash val="solid"/>
+                      <a:round/>
+                      <a:headEnd type="none" w="med" len="med"/>
+                      <a:tailEnd type="none" w="med" len="med"/>
+                    </a:lnL>
+                    <a:lnR w="6350" cap="flat" cmpd="sng" algn="ctr">
+                      <a:solidFill>
+                        <a:srgbClr val="000000"/>
+                      </a:solidFill>
+                      <a:prstDash val="solid"/>
+                      <a:round/>
+                      <a:headEnd type="none" w="med" len="med"/>
+                      <a:tailEnd type="none" w="med" len="med"/>
+                    </a:lnR>
+                    <a:lnT w="6350" cap="flat" cmpd="sng" algn="ctr">
+                      <a:solidFill>
+                        <a:srgbClr val="000000"/>
+                      </a:solidFill>
+                      <a:prstDash val="solid"/>
+                      <a:round/>
+                      <a:headEnd type="none" w="med" len="med"/>
+                      <a:tailEnd type="none" w="med" len="med"/>
+                    </a:lnT>
+                    <a:lnB w="6350" cap="flat" cmpd="sng" algn="ctr">
+                      <a:solidFill>
+                        <a:srgbClr val="000000"/>
+                      </a:solidFill>
+                      <a:prstDash val="solid"/>
+                      <a:round/>
+                      <a:headEnd type="none" w="med" len="med"/>
+                      <a:tailEnd type="none" w="med" len="med"/>
+                    </a:lnB>
+                    <a:solidFill>
+                      <a:srgbClr val="D9E1F2"/>
+                    </a:solidFill>
+                  </a:tcPr>
+                </a:tc>
+                <a:tc>
+                  <a:txBody>
+                    <a:bodyPr/>
+                    <a:lstStyle/>
+                    <a:p>
+                      <a:pPr algn="l" fontAlgn="b"/>
+                      <a:r>
+                        <a:rPr lang="en-US" sz="900" b="0" i="0" u="none" strike="noStrike">
+                          <a:solidFill>
+                            <a:srgbClr val="000000"/>
+                          </a:solidFill>
+                          <a:effectLst/>
+                          <a:latin typeface="Calibri" panose="020F0502020204030204" pitchFamily="34" charset="0"/>
+                        </a:rPr>
+                        <a:t> </a:t>
+                      </a:r>
+                    </a:p>
+                  </a:txBody>
+                  <a:tcPr marL="5070" marR="5070" marT="5070" marB="0" anchor="b">
+                    <a:lnL w="6350" cap="flat" cmpd="sng" algn="ctr">
+                      <a:solidFill>
+                        <a:srgbClr val="000000"/>
+                      </a:solidFill>
+                      <a:prstDash val="solid"/>
+                      <a:round/>
+                      <a:headEnd type="none" w="med" len="med"/>
+                      <a:tailEnd type="none" w="med" len="med"/>
+                    </a:lnL>
+                    <a:lnR w="6350" cap="flat" cmpd="sng" algn="ctr">
+                      <a:solidFill>
+                        <a:srgbClr val="000000"/>
+                      </a:solidFill>
+                      <a:prstDash val="solid"/>
+                      <a:round/>
+                      <a:headEnd type="none" w="med" len="med"/>
+                      <a:tailEnd type="none" w="med" len="med"/>
+                    </a:lnR>
+                    <a:lnT w="6350" cap="flat" cmpd="sng" algn="ctr">
+                      <a:solidFill>
+                        <a:srgbClr val="000000"/>
+                      </a:solidFill>
+                      <a:prstDash val="solid"/>
+                      <a:round/>
+                      <a:headEnd type="none" w="med" len="med"/>
+                      <a:tailEnd type="none" w="med" len="med"/>
+                    </a:lnT>
+                    <a:lnB w="6350" cap="flat" cmpd="sng" algn="ctr">
+                      <a:solidFill>
+                        <a:srgbClr val="000000"/>
+                      </a:solidFill>
+                      <a:prstDash val="solid"/>
+                      <a:round/>
+                      <a:headEnd type="none" w="med" len="med"/>
+                      <a:tailEnd type="none" w="med" len="med"/>
+                    </a:lnB>
+                    <a:solidFill>
+                      <a:srgbClr val="D9E1F2"/>
+                    </a:solidFill>
+                  </a:tcPr>
+                </a:tc>
+                <a:extLst>
+                  <a:ext uri="{0D108BD9-81ED-4DB2-BD59-A6C34878D82A}">
+                    <a16:rowId xmlns:a16="http://schemas.microsoft.com/office/drawing/2014/main" val="3658184256"/>
+                  </a:ext>
+                </a:extLst>
+              </a:tr>
+              <a:tr h="147036">
+                <a:tc>
+                  <a:txBody>
+                    <a:bodyPr/>
+                    <a:lstStyle/>
+                    <a:p>
+                      <a:pPr algn="l" fontAlgn="b"/>
+                      <a:r>
+                        <a:rPr lang="nn-NO" sz="900" b="0" i="0" u="none" strike="noStrike">
+                          <a:solidFill>
+                            <a:srgbClr val="000000"/>
+                          </a:solidFill>
+                          <a:effectLst/>
+                          <a:latin typeface="Calibri" panose="020F0502020204030204" pitchFamily="34" charset="0"/>
+                        </a:rPr>
+                        <a:t>20190714-220626100E_32B_ValSplit.1_Darknet</a:t>
+                      </a:r>
+                    </a:p>
+                  </a:txBody>
+                  <a:tcPr marL="5070" marR="5070" marT="5070" marB="0" anchor="b">
+                    <a:lnL w="6350" cap="flat" cmpd="sng" algn="ctr">
+                      <a:solidFill>
+                        <a:srgbClr val="000000"/>
+                      </a:solidFill>
+                      <a:prstDash val="solid"/>
+                      <a:round/>
+                      <a:headEnd type="none" w="med" len="med"/>
+                      <a:tailEnd type="none" w="med" len="med"/>
+                    </a:lnL>
+                    <a:lnR w="6350" cap="flat" cmpd="sng" algn="ctr">
+                      <a:solidFill>
+                        <a:srgbClr val="000000"/>
+                      </a:solidFill>
+                      <a:prstDash val="solid"/>
+                      <a:round/>
+                      <a:headEnd type="none" w="med" len="med"/>
+                      <a:tailEnd type="none" w="med" len="med"/>
+                    </a:lnR>
+                    <a:lnT w="6350" cap="flat" cmpd="sng" algn="ctr">
+                      <a:solidFill>
+                        <a:srgbClr val="000000"/>
+                      </a:solidFill>
+                      <a:prstDash val="solid"/>
+                      <a:round/>
+                      <a:headEnd type="none" w="med" len="med"/>
+                      <a:tailEnd type="none" w="med" len="med"/>
+                    </a:lnT>
+                    <a:lnB w="6350" cap="flat" cmpd="sng" algn="ctr">
+                      <a:solidFill>
+                        <a:srgbClr val="000000"/>
+                      </a:solidFill>
+                      <a:prstDash val="solid"/>
+                      <a:round/>
+                      <a:headEnd type="none" w="med" len="med"/>
+                      <a:tailEnd type="none" w="med" len="med"/>
+                    </a:lnB>
+                  </a:tcPr>
+                </a:tc>
+                <a:tc>
+                  <a:txBody>
+                    <a:bodyPr/>
+                    <a:lstStyle/>
+                    <a:p>
+                      <a:pPr algn="l" fontAlgn="b"/>
+                      <a:r>
+                        <a:rPr lang="en-US" sz="900" b="0" i="0" u="none" strike="noStrike">
+                          <a:solidFill>
+                            <a:srgbClr val="000000"/>
+                          </a:solidFill>
+                          <a:effectLst/>
+                          <a:latin typeface="Calibri" panose="020F0502020204030204" pitchFamily="34" charset="0"/>
+                        </a:rPr>
+                        <a:t> </a:t>
+                      </a:r>
+                    </a:p>
+                  </a:txBody>
+                  <a:tcPr marL="5070" marR="5070" marT="5070" marB="0" anchor="b">
+                    <a:lnL w="6350" cap="flat" cmpd="sng" algn="ctr">
+                      <a:solidFill>
+                        <a:srgbClr val="000000"/>
+                      </a:solidFill>
+                      <a:prstDash val="solid"/>
+                      <a:round/>
+                      <a:headEnd type="none" w="med" len="med"/>
+                      <a:tailEnd type="none" w="med" len="med"/>
+                    </a:lnL>
+                    <a:lnR w="6350" cap="flat" cmpd="sng" algn="ctr">
+                      <a:solidFill>
+                        <a:srgbClr val="000000"/>
+                      </a:solidFill>
+                      <a:prstDash val="solid"/>
+                      <a:round/>
+                      <a:headEnd type="none" w="med" len="med"/>
+                      <a:tailEnd type="none" w="med" len="med"/>
+                    </a:lnR>
+                    <a:lnT w="6350" cap="flat" cmpd="sng" algn="ctr">
+                      <a:solidFill>
+                        <a:srgbClr val="000000"/>
+                      </a:solidFill>
+                      <a:prstDash val="solid"/>
+                      <a:round/>
+                      <a:headEnd type="none" w="med" len="med"/>
+                      <a:tailEnd type="none" w="med" len="med"/>
+                    </a:lnT>
+                    <a:lnB w="6350" cap="flat" cmpd="sng" algn="ctr">
+                      <a:solidFill>
+                        <a:srgbClr val="000000"/>
+                      </a:solidFill>
+                      <a:prstDash val="solid"/>
+                      <a:round/>
+                      <a:headEnd type="none" w="med" len="med"/>
+                      <a:tailEnd type="none" w="med" len="med"/>
+                    </a:lnB>
+                  </a:tcPr>
+                </a:tc>
+                <a:tc>
+                  <a:txBody>
+                    <a:bodyPr/>
+                    <a:lstStyle/>
+                    <a:p>
+                      <a:pPr algn="l" fontAlgn="b"/>
+                      <a:r>
+                        <a:rPr lang="en-US" sz="900" b="0" i="0" u="none" strike="noStrike">
+                          <a:solidFill>
+                            <a:srgbClr val="000000"/>
+                          </a:solidFill>
+                          <a:effectLst/>
+                          <a:latin typeface="Calibri" panose="020F0502020204030204" pitchFamily="34" charset="0"/>
+                        </a:rPr>
+                        <a:t> </a:t>
+                      </a:r>
+                    </a:p>
+                  </a:txBody>
+                  <a:tcPr marL="5070" marR="5070" marT="5070" marB="0" anchor="b">
+                    <a:lnL w="6350" cap="flat" cmpd="sng" algn="ctr">
+                      <a:solidFill>
+                        <a:srgbClr val="000000"/>
+                      </a:solidFill>
+                      <a:prstDash val="solid"/>
+                      <a:round/>
+                      <a:headEnd type="none" w="med" len="med"/>
+                      <a:tailEnd type="none" w="med" len="med"/>
+                    </a:lnL>
+                    <a:lnR w="6350" cap="flat" cmpd="sng" algn="ctr">
+                      <a:solidFill>
+                        <a:srgbClr val="000000"/>
+                      </a:solidFill>
+                      <a:prstDash val="solid"/>
+                      <a:round/>
+                      <a:headEnd type="none" w="med" len="med"/>
+                      <a:tailEnd type="none" w="med" len="med"/>
+                    </a:lnR>
+                    <a:lnT w="6350" cap="flat" cmpd="sng" algn="ctr">
+                      <a:solidFill>
+                        <a:srgbClr val="000000"/>
+                      </a:solidFill>
+                      <a:prstDash val="solid"/>
+                      <a:round/>
+                      <a:headEnd type="none" w="med" len="med"/>
+                      <a:tailEnd type="none" w="med" len="med"/>
+                    </a:lnT>
+                    <a:lnB w="6350" cap="flat" cmpd="sng" algn="ctr">
+                      <a:solidFill>
+                        <a:srgbClr val="000000"/>
+                      </a:solidFill>
+                      <a:prstDash val="solid"/>
+                      <a:round/>
+                      <a:headEnd type="none" w="med" len="med"/>
+                      <a:tailEnd type="none" w="med" len="med"/>
+                    </a:lnB>
+                  </a:tcPr>
+                </a:tc>
+                <a:tc>
+                  <a:txBody>
+                    <a:bodyPr/>
+                    <a:lstStyle/>
+                    <a:p>
+                      <a:pPr algn="l" fontAlgn="b"/>
+                      <a:r>
+                        <a:rPr lang="en-US" sz="900" b="0" i="0" u="none" strike="noStrike">
+                          <a:solidFill>
+                            <a:srgbClr val="000000"/>
+                          </a:solidFill>
+                          <a:effectLst/>
+                          <a:latin typeface="Calibri" panose="020F0502020204030204" pitchFamily="34" charset="0"/>
+                        </a:rPr>
+                        <a:t> </a:t>
+                      </a:r>
+                    </a:p>
+                  </a:txBody>
+                  <a:tcPr marL="5070" marR="5070" marT="5070" marB="0" anchor="b">
+                    <a:lnL w="6350" cap="flat" cmpd="sng" algn="ctr">
+                      <a:solidFill>
+                        <a:srgbClr val="000000"/>
+                      </a:solidFill>
+                      <a:prstDash val="solid"/>
+                      <a:round/>
+                      <a:headEnd type="none" w="med" len="med"/>
+                      <a:tailEnd type="none" w="med" len="med"/>
+                    </a:lnL>
+                    <a:lnR w="6350" cap="flat" cmpd="sng" algn="ctr">
+                      <a:solidFill>
+                        <a:srgbClr val="000000"/>
+                      </a:solidFill>
+                      <a:prstDash val="solid"/>
+                      <a:round/>
+                      <a:headEnd type="none" w="med" len="med"/>
+                      <a:tailEnd type="none" w="med" len="med"/>
+                    </a:lnR>
+                    <a:lnT w="6350" cap="flat" cmpd="sng" algn="ctr">
+                      <a:solidFill>
+                        <a:srgbClr val="000000"/>
+                      </a:solidFill>
+                      <a:prstDash val="solid"/>
+                      <a:round/>
+                      <a:headEnd type="none" w="med" len="med"/>
+                      <a:tailEnd type="none" w="med" len="med"/>
+                    </a:lnT>
+                    <a:lnB w="6350" cap="flat" cmpd="sng" algn="ctr">
+                      <a:solidFill>
+                        <a:srgbClr val="000000"/>
+                      </a:solidFill>
+                      <a:prstDash val="solid"/>
+                      <a:round/>
+                      <a:headEnd type="none" w="med" len="med"/>
+                      <a:tailEnd type="none" w="med" len="med"/>
+                    </a:lnB>
+                  </a:tcPr>
+                </a:tc>
+                <a:tc>
+                  <a:txBody>
+                    <a:bodyPr/>
+                    <a:lstStyle/>
+                    <a:p>
+                      <a:pPr algn="l" fontAlgn="b"/>
+                      <a:r>
+                        <a:rPr lang="en-US" sz="900" b="0" i="0" u="none" strike="noStrike">
+                          <a:solidFill>
+                            <a:srgbClr val="000000"/>
+                          </a:solidFill>
+                          <a:effectLst/>
+                          <a:latin typeface="Calibri" panose="020F0502020204030204" pitchFamily="34" charset="0"/>
+                        </a:rPr>
+                        <a:t> </a:t>
+                      </a:r>
+                    </a:p>
+                  </a:txBody>
+                  <a:tcPr marL="5070" marR="5070" marT="5070" marB="0" anchor="b">
+                    <a:lnL w="6350" cap="flat" cmpd="sng" algn="ctr">
+                      <a:solidFill>
+                        <a:srgbClr val="000000"/>
+                      </a:solidFill>
+                      <a:prstDash val="solid"/>
+                      <a:round/>
+                      <a:headEnd type="none" w="med" len="med"/>
+                      <a:tailEnd type="none" w="med" len="med"/>
+                    </a:lnL>
+                    <a:lnR w="6350" cap="flat" cmpd="sng" algn="ctr">
+                      <a:solidFill>
+                        <a:srgbClr val="000000"/>
+                      </a:solidFill>
+                      <a:prstDash val="solid"/>
+                      <a:round/>
+                      <a:headEnd type="none" w="med" len="med"/>
+                      <a:tailEnd type="none" w="med" len="med"/>
+                    </a:lnR>
+                    <a:lnT w="6350" cap="flat" cmpd="sng" algn="ctr">
+                      <a:solidFill>
+                        <a:srgbClr val="000000"/>
+                      </a:solidFill>
+                      <a:prstDash val="solid"/>
+                      <a:round/>
+                      <a:headEnd type="none" w="med" len="med"/>
+                      <a:tailEnd type="none" w="med" len="med"/>
+                    </a:lnT>
+                    <a:lnB w="6350" cap="flat" cmpd="sng" algn="ctr">
+                      <a:solidFill>
+                        <a:srgbClr val="000000"/>
+                      </a:solidFill>
+                      <a:prstDash val="solid"/>
+                      <a:round/>
+                      <a:headEnd type="none" w="med" len="med"/>
+                      <a:tailEnd type="none" w="med" len="med"/>
+                    </a:lnB>
+                  </a:tcPr>
+                </a:tc>
+                <a:tc>
+                  <a:txBody>
+                    <a:bodyPr/>
+                    <a:lstStyle/>
+                    <a:p>
+                      <a:pPr algn="l" fontAlgn="b"/>
+                      <a:r>
+                        <a:rPr lang="en-US" sz="900" b="0" i="0" u="none" strike="noStrike">
+                          <a:solidFill>
+                            <a:srgbClr val="000000"/>
+                          </a:solidFill>
+                          <a:effectLst/>
+                          <a:latin typeface="Calibri" panose="020F0502020204030204" pitchFamily="34" charset="0"/>
+                        </a:rPr>
+                        <a:t> </a:t>
+                      </a:r>
+                    </a:p>
+                  </a:txBody>
+                  <a:tcPr marL="5070" marR="5070" marT="5070" marB="0" anchor="b">
+                    <a:lnL w="6350" cap="flat" cmpd="sng" algn="ctr">
+                      <a:solidFill>
+                        <a:srgbClr val="000000"/>
+                      </a:solidFill>
+                      <a:prstDash val="solid"/>
+                      <a:round/>
+                      <a:headEnd type="none" w="med" len="med"/>
+                      <a:tailEnd type="none" w="med" len="med"/>
+                    </a:lnL>
+                    <a:lnR w="6350" cap="flat" cmpd="sng" algn="ctr">
+                      <a:solidFill>
+                        <a:srgbClr val="000000"/>
+                      </a:solidFill>
+                      <a:prstDash val="solid"/>
+                      <a:round/>
+                      <a:headEnd type="none" w="med" len="med"/>
+                      <a:tailEnd type="none" w="med" len="med"/>
+                    </a:lnR>
+                    <a:lnT w="6350" cap="flat" cmpd="sng" algn="ctr">
+                      <a:solidFill>
+                        <a:srgbClr val="000000"/>
+                      </a:solidFill>
+                      <a:prstDash val="solid"/>
+                      <a:round/>
+                      <a:headEnd type="none" w="med" len="med"/>
+                      <a:tailEnd type="none" w="med" len="med"/>
+                    </a:lnT>
+                    <a:lnB w="6350" cap="flat" cmpd="sng" algn="ctr">
+                      <a:solidFill>
+                        <a:srgbClr val="000000"/>
+                      </a:solidFill>
+                      <a:prstDash val="solid"/>
+                      <a:round/>
+                      <a:headEnd type="none" w="med" len="med"/>
+                      <a:tailEnd type="none" w="med" len="med"/>
+                    </a:lnB>
+                  </a:tcPr>
+                </a:tc>
+                <a:tc>
+                  <a:txBody>
+                    <a:bodyPr/>
+                    <a:lstStyle/>
+                    <a:p>
+                      <a:pPr algn="l" fontAlgn="b"/>
+                      <a:r>
+                        <a:rPr lang="en-US" sz="900" b="0" i="0" u="none" strike="noStrike">
+                          <a:solidFill>
+                            <a:srgbClr val="000000"/>
+                          </a:solidFill>
+                          <a:effectLst/>
+                          <a:latin typeface="Calibri" panose="020F0502020204030204" pitchFamily="34" charset="0"/>
+                        </a:rPr>
+                        <a:t> </a:t>
+                      </a:r>
+                    </a:p>
+                  </a:txBody>
+                  <a:tcPr marL="5070" marR="5070" marT="5070" marB="0" anchor="b">
+                    <a:lnL w="6350" cap="flat" cmpd="sng" algn="ctr">
+                      <a:solidFill>
+                        <a:srgbClr val="000000"/>
+                      </a:solidFill>
+                      <a:prstDash val="solid"/>
+                      <a:round/>
+                      <a:headEnd type="none" w="med" len="med"/>
+                      <a:tailEnd type="none" w="med" len="med"/>
+                    </a:lnL>
+                    <a:lnR w="6350" cap="flat" cmpd="sng" algn="ctr">
+                      <a:solidFill>
+                        <a:srgbClr val="000000"/>
+                      </a:solidFill>
+                      <a:prstDash val="solid"/>
+                      <a:round/>
+                      <a:headEnd type="none" w="med" len="med"/>
+                      <a:tailEnd type="none" w="med" len="med"/>
+                    </a:lnR>
+                    <a:lnT w="6350" cap="flat" cmpd="sng" algn="ctr">
+                      <a:solidFill>
+                        <a:srgbClr val="000000"/>
+                      </a:solidFill>
+                      <a:prstDash val="solid"/>
+                      <a:round/>
+                      <a:headEnd type="none" w="med" len="med"/>
+                      <a:tailEnd type="none" w="med" len="med"/>
+                    </a:lnT>
+                    <a:lnB w="6350" cap="flat" cmpd="sng" algn="ctr">
+                      <a:solidFill>
+                        <a:srgbClr val="000000"/>
+                      </a:solidFill>
+                      <a:prstDash val="solid"/>
+                      <a:round/>
+                      <a:headEnd type="none" w="med" len="med"/>
+                      <a:tailEnd type="none" w="med" len="med"/>
+                    </a:lnB>
+                  </a:tcPr>
+                </a:tc>
+                <a:tc>
+                  <a:txBody>
+                    <a:bodyPr/>
+                    <a:lstStyle/>
+                    <a:p>
+                      <a:pPr algn="l" fontAlgn="b"/>
+                      <a:r>
+                        <a:rPr lang="en-US" sz="900" b="0" i="0" u="none" strike="noStrike">
+                          <a:solidFill>
+                            <a:srgbClr val="000000"/>
+                          </a:solidFill>
+                          <a:effectLst/>
+                          <a:latin typeface="Calibri" panose="020F0502020204030204" pitchFamily="34" charset="0"/>
+                        </a:rPr>
+                        <a:t> </a:t>
+                      </a:r>
+                    </a:p>
+                  </a:txBody>
+                  <a:tcPr marL="5070" marR="5070" marT="5070" marB="0" anchor="b">
+                    <a:lnL w="6350" cap="flat" cmpd="sng" algn="ctr">
+                      <a:solidFill>
+                        <a:srgbClr val="000000"/>
+                      </a:solidFill>
+                      <a:prstDash val="solid"/>
+                      <a:round/>
+                      <a:headEnd type="none" w="med" len="med"/>
+                      <a:tailEnd type="none" w="med" len="med"/>
+                    </a:lnL>
+                    <a:lnR w="6350" cap="flat" cmpd="sng" algn="ctr">
+                      <a:solidFill>
+                        <a:srgbClr val="000000"/>
+                      </a:solidFill>
+                      <a:prstDash val="solid"/>
+                      <a:round/>
+                      <a:headEnd type="none" w="med" len="med"/>
+                      <a:tailEnd type="none" w="med" len="med"/>
+                    </a:lnR>
+                    <a:lnT w="6350" cap="flat" cmpd="sng" algn="ctr">
+                      <a:solidFill>
+                        <a:srgbClr val="000000"/>
+                      </a:solidFill>
+                      <a:prstDash val="solid"/>
+                      <a:round/>
+                      <a:headEnd type="none" w="med" len="med"/>
+                      <a:tailEnd type="none" w="med" len="med"/>
+                    </a:lnT>
+                    <a:lnB w="6350" cap="flat" cmpd="sng" algn="ctr">
+                      <a:solidFill>
+                        <a:srgbClr val="000000"/>
+                      </a:solidFill>
+                      <a:prstDash val="solid"/>
+                      <a:round/>
+                      <a:headEnd type="none" w="med" len="med"/>
+                      <a:tailEnd type="none" w="med" len="med"/>
+                    </a:lnB>
+                  </a:tcPr>
+                </a:tc>
+                <a:extLst>
+                  <a:ext uri="{0D108BD9-81ED-4DB2-BD59-A6C34878D82A}">
+                    <a16:rowId xmlns:a16="http://schemas.microsoft.com/office/drawing/2014/main" val="99533992"/>
+                  </a:ext>
+                </a:extLst>
+              </a:tr>
+              <a:tr h="147036">
+                <a:tc>
+                  <a:txBody>
+                    <a:bodyPr/>
+                    <a:lstStyle/>
+                    <a:p>
+                      <a:pPr algn="l" fontAlgn="b"/>
+                      <a:r>
+                        <a:rPr lang="en-US" sz="900" b="0" i="0" u="none" strike="noStrike">
+                          <a:solidFill>
+                            <a:srgbClr val="000000"/>
+                          </a:solidFill>
+                          <a:effectLst/>
+                          <a:latin typeface="Calibri" panose="020F0502020204030204" pitchFamily="34" charset="0"/>
+                        </a:rPr>
+                        <a:t>20190717-22182815FE_100E_32B_ValSplit.1_Darknet</a:t>
+                      </a:r>
+                    </a:p>
+                  </a:txBody>
+                  <a:tcPr marL="5070" marR="5070" marT="5070" marB="0" anchor="b">
+                    <a:lnL w="6350" cap="flat" cmpd="sng" algn="ctr">
+                      <a:solidFill>
+                        <a:srgbClr val="000000"/>
+                      </a:solidFill>
+                      <a:prstDash val="solid"/>
+                      <a:round/>
+                      <a:headEnd type="none" w="med" len="med"/>
+                      <a:tailEnd type="none" w="med" len="med"/>
+                    </a:lnL>
+                    <a:lnR w="6350" cap="flat" cmpd="sng" algn="ctr">
+                      <a:solidFill>
+                        <a:srgbClr val="000000"/>
+                      </a:solidFill>
+                      <a:prstDash val="solid"/>
+                      <a:round/>
+                      <a:headEnd type="none" w="med" len="med"/>
+                      <a:tailEnd type="none" w="med" len="med"/>
+                    </a:lnR>
+                    <a:lnT w="6350" cap="flat" cmpd="sng" algn="ctr">
+                      <a:solidFill>
+                        <a:srgbClr val="000000"/>
+                      </a:solidFill>
+                      <a:prstDash val="solid"/>
+                      <a:round/>
+                      <a:headEnd type="none" w="med" len="med"/>
+                      <a:tailEnd type="none" w="med" len="med"/>
+                    </a:lnT>
+                    <a:lnB w="6350" cap="flat" cmpd="sng" algn="ctr">
+                      <a:solidFill>
+                        <a:srgbClr val="000000"/>
+                      </a:solidFill>
+                      <a:prstDash val="solid"/>
+                      <a:round/>
+                      <a:headEnd type="none" w="med" len="med"/>
+                      <a:tailEnd type="none" w="med" len="med"/>
+                    </a:lnB>
+                    <a:solidFill>
+                      <a:srgbClr val="D9E1F2"/>
+                    </a:solidFill>
+                  </a:tcPr>
+                </a:tc>
+                <a:tc>
+                  <a:txBody>
+                    <a:bodyPr/>
+                    <a:lstStyle/>
+                    <a:p>
+                      <a:pPr algn="l" fontAlgn="b"/>
+                      <a:r>
+                        <a:rPr lang="en-US" sz="900" b="0" i="0" u="none" strike="noStrike">
+                          <a:solidFill>
+                            <a:srgbClr val="000000"/>
+                          </a:solidFill>
+                          <a:effectLst/>
+                          <a:latin typeface="Calibri" panose="020F0502020204030204" pitchFamily="34" charset="0"/>
+                        </a:rPr>
+                        <a:t> </a:t>
+                      </a:r>
+                    </a:p>
+                  </a:txBody>
+                  <a:tcPr marL="5070" marR="5070" marT="5070" marB="0" anchor="b">
+                    <a:lnL w="6350" cap="flat" cmpd="sng" algn="ctr">
+                      <a:solidFill>
+                        <a:srgbClr val="000000"/>
+                      </a:solidFill>
+                      <a:prstDash val="solid"/>
+                      <a:round/>
+                      <a:headEnd type="none" w="med" len="med"/>
+                      <a:tailEnd type="none" w="med" len="med"/>
+                    </a:lnL>
+                    <a:lnR w="6350" cap="flat" cmpd="sng" algn="ctr">
+                      <a:solidFill>
+                        <a:srgbClr val="000000"/>
+                      </a:solidFill>
+                      <a:prstDash val="solid"/>
+                      <a:round/>
+                      <a:headEnd type="none" w="med" len="med"/>
+                      <a:tailEnd type="none" w="med" len="med"/>
+                    </a:lnR>
+                    <a:lnT w="6350" cap="flat" cmpd="sng" algn="ctr">
+                      <a:solidFill>
+                        <a:srgbClr val="000000"/>
+                      </a:solidFill>
+                      <a:prstDash val="solid"/>
+                      <a:round/>
+                      <a:headEnd type="none" w="med" len="med"/>
+                      <a:tailEnd type="none" w="med" len="med"/>
+                    </a:lnT>
+                    <a:lnB w="6350" cap="flat" cmpd="sng" algn="ctr">
+                      <a:solidFill>
+                        <a:srgbClr val="000000"/>
+                      </a:solidFill>
+                      <a:prstDash val="solid"/>
+                      <a:round/>
+                      <a:headEnd type="none" w="med" len="med"/>
+                      <a:tailEnd type="none" w="med" len="med"/>
+                    </a:lnB>
+                    <a:solidFill>
+                      <a:srgbClr val="D9E1F2"/>
+                    </a:solidFill>
+                  </a:tcPr>
+                </a:tc>
+                <a:tc>
+                  <a:txBody>
+                    <a:bodyPr/>
+                    <a:lstStyle/>
+                    <a:p>
+                      <a:pPr algn="l" fontAlgn="b"/>
+                      <a:r>
+                        <a:rPr lang="en-US" sz="900" b="0" i="0" u="none" strike="noStrike">
+                          <a:solidFill>
+                            <a:srgbClr val="000000"/>
+                          </a:solidFill>
+                          <a:effectLst/>
+                          <a:latin typeface="Calibri" panose="020F0502020204030204" pitchFamily="34" charset="0"/>
+                        </a:rPr>
+                        <a:t> </a:t>
+                      </a:r>
+                    </a:p>
+                  </a:txBody>
+                  <a:tcPr marL="5070" marR="5070" marT="5070" marB="0" anchor="b">
+                    <a:lnL w="6350" cap="flat" cmpd="sng" algn="ctr">
+                      <a:solidFill>
+                        <a:srgbClr val="000000"/>
+                      </a:solidFill>
+                      <a:prstDash val="solid"/>
+                      <a:round/>
+                      <a:headEnd type="none" w="med" len="med"/>
+                      <a:tailEnd type="none" w="med" len="med"/>
+                    </a:lnL>
+                    <a:lnR w="6350" cap="flat" cmpd="sng" algn="ctr">
+                      <a:solidFill>
+                        <a:srgbClr val="000000"/>
+                      </a:solidFill>
+                      <a:prstDash val="solid"/>
+                      <a:round/>
+                      <a:headEnd type="none" w="med" len="med"/>
+                      <a:tailEnd type="none" w="med" len="med"/>
+                    </a:lnR>
+                    <a:lnT w="6350" cap="flat" cmpd="sng" algn="ctr">
+                      <a:solidFill>
+                        <a:srgbClr val="000000"/>
+                      </a:solidFill>
+                      <a:prstDash val="solid"/>
+                      <a:round/>
+                      <a:headEnd type="none" w="med" len="med"/>
+                      <a:tailEnd type="none" w="med" len="med"/>
+                    </a:lnT>
+                    <a:lnB w="6350" cap="flat" cmpd="sng" algn="ctr">
+                      <a:solidFill>
+                        <a:srgbClr val="000000"/>
+                      </a:solidFill>
+                      <a:prstDash val="solid"/>
+                      <a:round/>
+                      <a:headEnd type="none" w="med" len="med"/>
+                      <a:tailEnd type="none" w="med" len="med"/>
+                    </a:lnB>
+                    <a:solidFill>
+                      <a:srgbClr val="D9E1F2"/>
+                    </a:solidFill>
+                  </a:tcPr>
+                </a:tc>
+                <a:tc>
+                  <a:txBody>
+                    <a:bodyPr/>
+                    <a:lstStyle/>
+                    <a:p>
+                      <a:pPr algn="l" fontAlgn="b"/>
+                      <a:r>
+                        <a:rPr lang="en-US" sz="900" b="0" i="0" u="none" strike="noStrike">
+                          <a:solidFill>
+                            <a:srgbClr val="000000"/>
+                          </a:solidFill>
+                          <a:effectLst/>
+                          <a:latin typeface="Calibri" panose="020F0502020204030204" pitchFamily="34" charset="0"/>
+                        </a:rPr>
+                        <a:t> </a:t>
+                      </a:r>
+                    </a:p>
+                  </a:txBody>
+                  <a:tcPr marL="5070" marR="5070" marT="5070" marB="0" anchor="b">
+                    <a:lnL w="6350" cap="flat" cmpd="sng" algn="ctr">
+                      <a:solidFill>
+                        <a:srgbClr val="000000"/>
+                      </a:solidFill>
+                      <a:prstDash val="solid"/>
+                      <a:round/>
+                      <a:headEnd type="none" w="med" len="med"/>
+                      <a:tailEnd type="none" w="med" len="med"/>
+                    </a:lnL>
+                    <a:lnR w="6350" cap="flat" cmpd="sng" algn="ctr">
+                      <a:solidFill>
+                        <a:srgbClr val="000000"/>
+                      </a:solidFill>
+                      <a:prstDash val="solid"/>
+                      <a:round/>
+                      <a:headEnd type="none" w="med" len="med"/>
+                      <a:tailEnd type="none" w="med" len="med"/>
+                    </a:lnR>
+                    <a:lnT w="6350" cap="flat" cmpd="sng" algn="ctr">
+                      <a:solidFill>
+                        <a:srgbClr val="000000"/>
+                      </a:solidFill>
+                      <a:prstDash val="solid"/>
+                      <a:round/>
+                      <a:headEnd type="none" w="med" len="med"/>
+                      <a:tailEnd type="none" w="med" len="med"/>
+                    </a:lnT>
+                    <a:lnB w="6350" cap="flat" cmpd="sng" algn="ctr">
+                      <a:solidFill>
+                        <a:srgbClr val="000000"/>
+                      </a:solidFill>
+                      <a:prstDash val="solid"/>
+                      <a:round/>
+                      <a:headEnd type="none" w="med" len="med"/>
+                      <a:tailEnd type="none" w="med" len="med"/>
+                    </a:lnB>
+                    <a:solidFill>
+                      <a:srgbClr val="D9E1F2"/>
+                    </a:solidFill>
+                  </a:tcPr>
+                </a:tc>
+                <a:tc>
+                  <a:txBody>
+                    <a:bodyPr/>
+                    <a:lstStyle/>
+                    <a:p>
+                      <a:pPr algn="l" fontAlgn="b"/>
+                      <a:r>
+                        <a:rPr lang="en-US" sz="900" b="0" i="0" u="none" strike="noStrike">
+                          <a:solidFill>
+                            <a:srgbClr val="000000"/>
+                          </a:solidFill>
+                          <a:effectLst/>
+                          <a:latin typeface="Calibri" panose="020F0502020204030204" pitchFamily="34" charset="0"/>
+                        </a:rPr>
+                        <a:t> </a:t>
+                      </a:r>
+                    </a:p>
+                  </a:txBody>
+                  <a:tcPr marL="5070" marR="5070" marT="5070" marB="0" anchor="b">
+                    <a:lnL w="6350" cap="flat" cmpd="sng" algn="ctr">
+                      <a:solidFill>
+                        <a:srgbClr val="000000"/>
+                      </a:solidFill>
+                      <a:prstDash val="solid"/>
+                      <a:round/>
+                      <a:headEnd type="none" w="med" len="med"/>
+                      <a:tailEnd type="none" w="med" len="med"/>
+                    </a:lnL>
+                    <a:lnR w="6350" cap="flat" cmpd="sng" algn="ctr">
+                      <a:solidFill>
+                        <a:srgbClr val="000000"/>
+                      </a:solidFill>
+                      <a:prstDash val="solid"/>
+                      <a:round/>
+                      <a:headEnd type="none" w="med" len="med"/>
+                      <a:tailEnd type="none" w="med" len="med"/>
+                    </a:lnR>
+                    <a:lnT w="6350" cap="flat" cmpd="sng" algn="ctr">
+                      <a:solidFill>
+                        <a:srgbClr val="000000"/>
+                      </a:solidFill>
+                      <a:prstDash val="solid"/>
+                      <a:round/>
+                      <a:headEnd type="none" w="med" len="med"/>
+                      <a:tailEnd type="none" w="med" len="med"/>
+                    </a:lnT>
+                    <a:lnB w="6350" cap="flat" cmpd="sng" algn="ctr">
+                      <a:solidFill>
+                        <a:srgbClr val="000000"/>
+                      </a:solidFill>
+                      <a:prstDash val="solid"/>
+                      <a:round/>
+                      <a:headEnd type="none" w="med" len="med"/>
+                      <a:tailEnd type="none" w="med" len="med"/>
+                    </a:lnB>
+                    <a:solidFill>
+                      <a:srgbClr val="D9E1F2"/>
+                    </a:solidFill>
+                  </a:tcPr>
+                </a:tc>
+                <a:tc>
+                  <a:txBody>
+                    <a:bodyPr/>
+                    <a:lstStyle/>
+                    <a:p>
+                      <a:pPr algn="l" fontAlgn="b"/>
+                      <a:r>
+                        <a:rPr lang="en-US" sz="900" b="0" i="0" u="none" strike="noStrike">
+                          <a:solidFill>
+                            <a:srgbClr val="000000"/>
+                          </a:solidFill>
+                          <a:effectLst/>
+                          <a:latin typeface="Calibri" panose="020F0502020204030204" pitchFamily="34" charset="0"/>
+                        </a:rPr>
+                        <a:t> </a:t>
+                      </a:r>
+                    </a:p>
+                  </a:txBody>
+                  <a:tcPr marL="5070" marR="5070" marT="5070" marB="0" anchor="b">
+                    <a:lnL w="6350" cap="flat" cmpd="sng" algn="ctr">
+                      <a:solidFill>
+                        <a:srgbClr val="000000"/>
+                      </a:solidFill>
+                      <a:prstDash val="solid"/>
+                      <a:round/>
+                      <a:headEnd type="none" w="med" len="med"/>
+                      <a:tailEnd type="none" w="med" len="med"/>
+                    </a:lnL>
+                    <a:lnR w="6350" cap="flat" cmpd="sng" algn="ctr">
+                      <a:solidFill>
+                        <a:srgbClr val="000000"/>
+                      </a:solidFill>
+                      <a:prstDash val="solid"/>
+                      <a:round/>
+                      <a:headEnd type="none" w="med" len="med"/>
+                      <a:tailEnd type="none" w="med" len="med"/>
+                    </a:lnR>
+                    <a:lnT w="6350" cap="flat" cmpd="sng" algn="ctr">
+                      <a:solidFill>
+                        <a:srgbClr val="000000"/>
+                      </a:solidFill>
+                      <a:prstDash val="solid"/>
+                      <a:round/>
+                      <a:headEnd type="none" w="med" len="med"/>
+                      <a:tailEnd type="none" w="med" len="med"/>
+                    </a:lnT>
+                    <a:lnB w="6350" cap="flat" cmpd="sng" algn="ctr">
+                      <a:solidFill>
+                        <a:srgbClr val="000000"/>
+                      </a:solidFill>
+                      <a:prstDash val="solid"/>
+                      <a:round/>
+                      <a:headEnd type="none" w="med" len="med"/>
+                      <a:tailEnd type="none" w="med" len="med"/>
+                    </a:lnB>
+                    <a:solidFill>
+                      <a:srgbClr val="D9E1F2"/>
+                    </a:solidFill>
+                  </a:tcPr>
+                </a:tc>
+                <a:tc>
+                  <a:txBody>
+                    <a:bodyPr/>
+                    <a:lstStyle/>
+                    <a:p>
+                      <a:pPr algn="l" fontAlgn="b"/>
+                      <a:r>
+                        <a:rPr lang="en-US" sz="900" b="0" i="0" u="none" strike="noStrike">
+                          <a:solidFill>
+                            <a:srgbClr val="000000"/>
+                          </a:solidFill>
+                          <a:effectLst/>
+                          <a:latin typeface="Calibri" panose="020F0502020204030204" pitchFamily="34" charset="0"/>
+                        </a:rPr>
+                        <a:t> </a:t>
+                      </a:r>
+                    </a:p>
+                  </a:txBody>
+                  <a:tcPr marL="5070" marR="5070" marT="5070" marB="0" anchor="b">
+                    <a:lnL w="6350" cap="flat" cmpd="sng" algn="ctr">
+                      <a:solidFill>
+                        <a:srgbClr val="000000"/>
+                      </a:solidFill>
+                      <a:prstDash val="solid"/>
+                      <a:round/>
+                      <a:headEnd type="none" w="med" len="med"/>
+                      <a:tailEnd type="none" w="med" len="med"/>
+                    </a:lnL>
+                    <a:lnR w="6350" cap="flat" cmpd="sng" algn="ctr">
+                      <a:solidFill>
+                        <a:srgbClr val="000000"/>
+                      </a:solidFill>
+                      <a:prstDash val="solid"/>
+                      <a:round/>
+                      <a:headEnd type="none" w="med" len="med"/>
+                      <a:tailEnd type="none" w="med" len="med"/>
+                    </a:lnR>
+                    <a:lnT w="6350" cap="flat" cmpd="sng" algn="ctr">
+                      <a:solidFill>
+                        <a:srgbClr val="000000"/>
+                      </a:solidFill>
+                      <a:prstDash val="solid"/>
+                      <a:round/>
+                      <a:headEnd type="none" w="med" len="med"/>
+                      <a:tailEnd type="none" w="med" len="med"/>
+                    </a:lnT>
+                    <a:lnB w="6350" cap="flat" cmpd="sng" algn="ctr">
+                      <a:solidFill>
+                        <a:srgbClr val="000000"/>
+                      </a:solidFill>
+                      <a:prstDash val="solid"/>
+                      <a:round/>
+                      <a:headEnd type="none" w="med" len="med"/>
+                      <a:tailEnd type="none" w="med" len="med"/>
+                    </a:lnB>
+                    <a:solidFill>
+                      <a:srgbClr val="D9E1F2"/>
+                    </a:solidFill>
+                  </a:tcPr>
+                </a:tc>
+                <a:tc>
+                  <a:txBody>
+                    <a:bodyPr/>
+                    <a:lstStyle/>
+                    <a:p>
+                      <a:pPr algn="l" fontAlgn="b"/>
+                      <a:r>
+                        <a:rPr lang="en-US" sz="900" b="0" i="0" u="none" strike="noStrike">
+                          <a:solidFill>
+                            <a:srgbClr val="000000"/>
+                          </a:solidFill>
+                          <a:effectLst/>
+                          <a:latin typeface="Calibri" panose="020F0502020204030204" pitchFamily="34" charset="0"/>
+                        </a:rPr>
+                        <a:t> </a:t>
+                      </a:r>
+                    </a:p>
+                  </a:txBody>
+                  <a:tcPr marL="5070" marR="5070" marT="5070" marB="0" anchor="b">
+                    <a:lnL w="6350" cap="flat" cmpd="sng" algn="ctr">
+                      <a:solidFill>
+                        <a:srgbClr val="000000"/>
+                      </a:solidFill>
+                      <a:prstDash val="solid"/>
+                      <a:round/>
+                      <a:headEnd type="none" w="med" len="med"/>
+                      <a:tailEnd type="none" w="med" len="med"/>
+                    </a:lnL>
+                    <a:lnR w="6350" cap="flat" cmpd="sng" algn="ctr">
+                      <a:solidFill>
+                        <a:srgbClr val="000000"/>
+                      </a:solidFill>
+                      <a:prstDash val="solid"/>
+                      <a:round/>
+                      <a:headEnd type="none" w="med" len="med"/>
+                      <a:tailEnd type="none" w="med" len="med"/>
+                    </a:lnR>
+                    <a:lnT w="6350" cap="flat" cmpd="sng" algn="ctr">
+                      <a:solidFill>
+                        <a:srgbClr val="000000"/>
+                      </a:solidFill>
+                      <a:prstDash val="solid"/>
+                      <a:round/>
+                      <a:headEnd type="none" w="med" len="med"/>
+                      <a:tailEnd type="none" w="med" len="med"/>
+                    </a:lnT>
+                    <a:lnB w="6350" cap="flat" cmpd="sng" algn="ctr">
+                      <a:solidFill>
+                        <a:srgbClr val="000000"/>
+                      </a:solidFill>
+                      <a:prstDash val="solid"/>
+                      <a:round/>
+                      <a:headEnd type="none" w="med" len="med"/>
+                      <a:tailEnd type="none" w="med" len="med"/>
+                    </a:lnB>
+                    <a:solidFill>
+                      <a:srgbClr val="D9E1F2"/>
+                    </a:solidFill>
+                  </a:tcPr>
+                </a:tc>
+                <a:extLst>
+                  <a:ext uri="{0D108BD9-81ED-4DB2-BD59-A6C34878D82A}">
+                    <a16:rowId xmlns:a16="http://schemas.microsoft.com/office/drawing/2014/main" val="1852476733"/>
+                  </a:ext>
+                </a:extLst>
+              </a:tr>
+              <a:tr h="147036">
+                <a:tc>
+                  <a:txBody>
+                    <a:bodyPr/>
+                    <a:lstStyle/>
+                    <a:p>
+                      <a:pPr algn="l" fontAlgn="b"/>
+                      <a:r>
+                        <a:rPr lang="en-US" sz="900" b="0" i="0" u="none" strike="noStrike">
+                          <a:solidFill>
+                            <a:srgbClr val="000000"/>
+                          </a:solidFill>
+                          <a:effectLst/>
+                          <a:latin typeface="Calibri" panose="020F0502020204030204" pitchFamily="34" charset="0"/>
+                        </a:rPr>
+                        <a:t>20190723-19191315FE_50E_10B_ValSplit.1_Darknet</a:t>
+                      </a:r>
+                    </a:p>
+                  </a:txBody>
+                  <a:tcPr marL="5070" marR="5070" marT="5070" marB="0" anchor="b">
+                    <a:lnL w="6350" cap="flat" cmpd="sng" algn="ctr">
+                      <a:solidFill>
+                        <a:srgbClr val="000000"/>
+                      </a:solidFill>
+                      <a:prstDash val="solid"/>
+                      <a:round/>
+                      <a:headEnd type="none" w="med" len="med"/>
+                      <a:tailEnd type="none" w="med" len="med"/>
+                    </a:lnL>
+                    <a:lnR w="6350" cap="flat" cmpd="sng" algn="ctr">
+                      <a:solidFill>
+                        <a:srgbClr val="000000"/>
+                      </a:solidFill>
+                      <a:prstDash val="solid"/>
+                      <a:round/>
+                      <a:headEnd type="none" w="med" len="med"/>
+                      <a:tailEnd type="none" w="med" len="med"/>
+                    </a:lnR>
+                    <a:lnT w="6350" cap="flat" cmpd="sng" algn="ctr">
+                      <a:solidFill>
+                        <a:srgbClr val="000000"/>
+                      </a:solidFill>
+                      <a:prstDash val="solid"/>
+                      <a:round/>
+                      <a:headEnd type="none" w="med" len="med"/>
+                      <a:tailEnd type="none" w="med" len="med"/>
+                    </a:lnT>
+                    <a:lnB w="6350" cap="flat" cmpd="sng" algn="ctr">
+                      <a:solidFill>
+                        <a:srgbClr val="000000"/>
+                      </a:solidFill>
+                      <a:prstDash val="solid"/>
+                      <a:round/>
+                      <a:headEnd type="none" w="med" len="med"/>
+                      <a:tailEnd type="none" w="med" len="med"/>
+                    </a:lnB>
+                  </a:tcPr>
+                </a:tc>
+                <a:tc>
+                  <a:txBody>
+                    <a:bodyPr/>
+                    <a:lstStyle/>
+                    <a:p>
+                      <a:pPr algn="l" fontAlgn="b"/>
+                      <a:r>
+                        <a:rPr lang="en-US" sz="900" b="0" i="0" u="none" strike="noStrike">
+                          <a:solidFill>
+                            <a:srgbClr val="000000"/>
+                          </a:solidFill>
+                          <a:effectLst/>
+                          <a:latin typeface="Calibri" panose="020F0502020204030204" pitchFamily="34" charset="0"/>
+                        </a:rPr>
+                        <a:t> </a:t>
+                      </a:r>
+                    </a:p>
+                  </a:txBody>
+                  <a:tcPr marL="5070" marR="5070" marT="5070" marB="0" anchor="b">
+                    <a:lnL w="6350" cap="flat" cmpd="sng" algn="ctr">
+                      <a:solidFill>
+                        <a:srgbClr val="000000"/>
+                      </a:solidFill>
+                      <a:prstDash val="solid"/>
+                      <a:round/>
+                      <a:headEnd type="none" w="med" len="med"/>
+                      <a:tailEnd type="none" w="med" len="med"/>
+                    </a:lnL>
+                    <a:lnR w="6350" cap="flat" cmpd="sng" algn="ctr">
+                      <a:solidFill>
+                        <a:srgbClr val="000000"/>
+                      </a:solidFill>
+                      <a:prstDash val="solid"/>
+                      <a:round/>
+                      <a:headEnd type="none" w="med" len="med"/>
+                      <a:tailEnd type="none" w="med" len="med"/>
+                    </a:lnR>
+                    <a:lnT w="6350" cap="flat" cmpd="sng" algn="ctr">
+                      <a:solidFill>
+                        <a:srgbClr val="000000"/>
+                      </a:solidFill>
+                      <a:prstDash val="solid"/>
+                      <a:round/>
+                      <a:headEnd type="none" w="med" len="med"/>
+                      <a:tailEnd type="none" w="med" len="med"/>
+                    </a:lnT>
+                    <a:lnB w="6350" cap="flat" cmpd="sng" algn="ctr">
+                      <a:solidFill>
+                        <a:srgbClr val="000000"/>
+                      </a:solidFill>
+                      <a:prstDash val="solid"/>
+                      <a:round/>
+                      <a:headEnd type="none" w="med" len="med"/>
+                      <a:tailEnd type="none" w="med" len="med"/>
+                    </a:lnB>
+                  </a:tcPr>
+                </a:tc>
+                <a:tc>
+                  <a:txBody>
+                    <a:bodyPr/>
+                    <a:lstStyle/>
+                    <a:p>
+                      <a:pPr algn="l" fontAlgn="b"/>
+                      <a:r>
+                        <a:rPr lang="en-US" sz="900" b="0" i="0" u="none" strike="noStrike">
+                          <a:solidFill>
+                            <a:srgbClr val="000000"/>
+                          </a:solidFill>
+                          <a:effectLst/>
+                          <a:latin typeface="Calibri" panose="020F0502020204030204" pitchFamily="34" charset="0"/>
+                        </a:rPr>
+                        <a:t> </a:t>
+                      </a:r>
+                    </a:p>
+                  </a:txBody>
+                  <a:tcPr marL="5070" marR="5070" marT="5070" marB="0" anchor="b">
+                    <a:lnL w="6350" cap="flat" cmpd="sng" algn="ctr">
+                      <a:solidFill>
+                        <a:srgbClr val="000000"/>
+                      </a:solidFill>
+                      <a:prstDash val="solid"/>
+                      <a:round/>
+                      <a:headEnd type="none" w="med" len="med"/>
+                      <a:tailEnd type="none" w="med" len="med"/>
+                    </a:lnL>
+                    <a:lnR w="6350" cap="flat" cmpd="sng" algn="ctr">
+                      <a:solidFill>
+                        <a:srgbClr val="000000"/>
+                      </a:solidFill>
+                      <a:prstDash val="solid"/>
+                      <a:round/>
+                      <a:headEnd type="none" w="med" len="med"/>
+                      <a:tailEnd type="none" w="med" len="med"/>
+                    </a:lnR>
+                    <a:lnT w="6350" cap="flat" cmpd="sng" algn="ctr">
+                      <a:solidFill>
+                        <a:srgbClr val="000000"/>
+                      </a:solidFill>
+                      <a:prstDash val="solid"/>
+                      <a:round/>
+                      <a:headEnd type="none" w="med" len="med"/>
+                      <a:tailEnd type="none" w="med" len="med"/>
+                    </a:lnT>
+                    <a:lnB w="6350" cap="flat" cmpd="sng" algn="ctr">
+                      <a:solidFill>
+                        <a:srgbClr val="000000"/>
+                      </a:solidFill>
+                      <a:prstDash val="solid"/>
+                      <a:round/>
+                      <a:headEnd type="none" w="med" len="med"/>
+                      <a:tailEnd type="none" w="med" len="med"/>
+                    </a:lnB>
+                  </a:tcPr>
+                </a:tc>
+                <a:tc>
+                  <a:txBody>
+                    <a:bodyPr/>
+                    <a:lstStyle/>
+                    <a:p>
+                      <a:pPr algn="l" fontAlgn="b"/>
+                      <a:r>
+                        <a:rPr lang="en-US" sz="900" b="0" i="0" u="none" strike="noStrike">
+                          <a:solidFill>
+                            <a:srgbClr val="000000"/>
+                          </a:solidFill>
+                          <a:effectLst/>
+                          <a:latin typeface="Calibri" panose="020F0502020204030204" pitchFamily="34" charset="0"/>
+                        </a:rPr>
+                        <a:t> </a:t>
+                      </a:r>
+                    </a:p>
+                  </a:txBody>
+                  <a:tcPr marL="5070" marR="5070" marT="5070" marB="0" anchor="b">
+                    <a:lnL w="6350" cap="flat" cmpd="sng" algn="ctr">
+                      <a:solidFill>
+                        <a:srgbClr val="000000"/>
+                      </a:solidFill>
+                      <a:prstDash val="solid"/>
+                      <a:round/>
+                      <a:headEnd type="none" w="med" len="med"/>
+                      <a:tailEnd type="none" w="med" len="med"/>
+                    </a:lnL>
+                    <a:lnR w="6350" cap="flat" cmpd="sng" algn="ctr">
+                      <a:solidFill>
+                        <a:srgbClr val="000000"/>
+                      </a:solidFill>
+                      <a:prstDash val="solid"/>
+                      <a:round/>
+                      <a:headEnd type="none" w="med" len="med"/>
+                      <a:tailEnd type="none" w="med" len="med"/>
+                    </a:lnR>
+                    <a:lnT w="6350" cap="flat" cmpd="sng" algn="ctr">
+                      <a:solidFill>
+                        <a:srgbClr val="000000"/>
+                      </a:solidFill>
+                      <a:prstDash val="solid"/>
+                      <a:round/>
+                      <a:headEnd type="none" w="med" len="med"/>
+                      <a:tailEnd type="none" w="med" len="med"/>
+                    </a:lnT>
+                    <a:lnB w="6350" cap="flat" cmpd="sng" algn="ctr">
+                      <a:solidFill>
+                        <a:srgbClr val="000000"/>
+                      </a:solidFill>
+                      <a:prstDash val="solid"/>
+                      <a:round/>
+                      <a:headEnd type="none" w="med" len="med"/>
+                      <a:tailEnd type="none" w="med" len="med"/>
+                    </a:lnB>
+                  </a:tcPr>
+                </a:tc>
+                <a:tc>
+                  <a:txBody>
+                    <a:bodyPr/>
+                    <a:lstStyle/>
+                    <a:p>
+                      <a:pPr algn="l" fontAlgn="b"/>
+                      <a:r>
+                        <a:rPr lang="en-US" sz="900" b="0" i="0" u="none" strike="noStrike">
+                          <a:solidFill>
+                            <a:srgbClr val="000000"/>
+                          </a:solidFill>
+                          <a:effectLst/>
+                          <a:latin typeface="Calibri" panose="020F0502020204030204" pitchFamily="34" charset="0"/>
+                        </a:rPr>
+                        <a:t> </a:t>
+                      </a:r>
+                    </a:p>
+                  </a:txBody>
+                  <a:tcPr marL="5070" marR="5070" marT="5070" marB="0" anchor="b">
+                    <a:lnL w="6350" cap="flat" cmpd="sng" algn="ctr">
+                      <a:solidFill>
+                        <a:srgbClr val="000000"/>
+                      </a:solidFill>
+                      <a:prstDash val="solid"/>
+                      <a:round/>
+                      <a:headEnd type="none" w="med" len="med"/>
+                      <a:tailEnd type="none" w="med" len="med"/>
+                    </a:lnL>
+                    <a:lnR w="6350" cap="flat" cmpd="sng" algn="ctr">
+                      <a:solidFill>
+                        <a:srgbClr val="000000"/>
+                      </a:solidFill>
+                      <a:prstDash val="solid"/>
+                      <a:round/>
+                      <a:headEnd type="none" w="med" len="med"/>
+                      <a:tailEnd type="none" w="med" len="med"/>
+                    </a:lnR>
+                    <a:lnT w="6350" cap="flat" cmpd="sng" algn="ctr">
+                      <a:solidFill>
+                        <a:srgbClr val="000000"/>
+                      </a:solidFill>
+                      <a:prstDash val="solid"/>
+                      <a:round/>
+                      <a:headEnd type="none" w="med" len="med"/>
+                      <a:tailEnd type="none" w="med" len="med"/>
+                    </a:lnT>
+                    <a:lnB w="6350" cap="flat" cmpd="sng" algn="ctr">
+                      <a:solidFill>
+                        <a:srgbClr val="000000"/>
+                      </a:solidFill>
+                      <a:prstDash val="solid"/>
+                      <a:round/>
+                      <a:headEnd type="none" w="med" len="med"/>
+                      <a:tailEnd type="none" w="med" len="med"/>
+                    </a:lnB>
+                  </a:tcPr>
+                </a:tc>
+                <a:tc>
+                  <a:txBody>
+                    <a:bodyPr/>
+                    <a:lstStyle/>
+                    <a:p>
+                      <a:pPr algn="l" fontAlgn="b"/>
+                      <a:r>
+                        <a:rPr lang="en-US" sz="900" b="0" i="0" u="none" strike="noStrike">
+                          <a:solidFill>
+                            <a:srgbClr val="000000"/>
+                          </a:solidFill>
+                          <a:effectLst/>
+                          <a:latin typeface="Calibri" panose="020F0502020204030204" pitchFamily="34" charset="0"/>
+                        </a:rPr>
+                        <a:t> </a:t>
+                      </a:r>
+                    </a:p>
+                  </a:txBody>
+                  <a:tcPr marL="5070" marR="5070" marT="5070" marB="0" anchor="b">
+                    <a:lnL w="6350" cap="flat" cmpd="sng" algn="ctr">
+                      <a:solidFill>
+                        <a:srgbClr val="000000"/>
+                      </a:solidFill>
+                      <a:prstDash val="solid"/>
+                      <a:round/>
+                      <a:headEnd type="none" w="med" len="med"/>
+                      <a:tailEnd type="none" w="med" len="med"/>
+                    </a:lnL>
+                    <a:lnR w="6350" cap="flat" cmpd="sng" algn="ctr">
+                      <a:solidFill>
+                        <a:srgbClr val="000000"/>
+                      </a:solidFill>
+                      <a:prstDash val="solid"/>
+                      <a:round/>
+                      <a:headEnd type="none" w="med" len="med"/>
+                      <a:tailEnd type="none" w="med" len="med"/>
+                    </a:lnR>
+                    <a:lnT w="6350" cap="flat" cmpd="sng" algn="ctr">
+                      <a:solidFill>
+                        <a:srgbClr val="000000"/>
+                      </a:solidFill>
+                      <a:prstDash val="solid"/>
+                      <a:round/>
+                      <a:headEnd type="none" w="med" len="med"/>
+                      <a:tailEnd type="none" w="med" len="med"/>
+                    </a:lnT>
+                    <a:lnB w="6350" cap="flat" cmpd="sng" algn="ctr">
+                      <a:solidFill>
+                        <a:srgbClr val="000000"/>
+                      </a:solidFill>
+                      <a:prstDash val="solid"/>
+                      <a:round/>
+                      <a:headEnd type="none" w="med" len="med"/>
+                      <a:tailEnd type="none" w="med" len="med"/>
+                    </a:lnB>
+                  </a:tcPr>
+                </a:tc>
+                <a:tc>
+                  <a:txBody>
+                    <a:bodyPr/>
+                    <a:lstStyle/>
+                    <a:p>
+                      <a:pPr algn="l" fontAlgn="b"/>
+                      <a:r>
+                        <a:rPr lang="en-US" sz="900" b="0" i="0" u="none" strike="noStrike">
+                          <a:solidFill>
+                            <a:srgbClr val="000000"/>
+                          </a:solidFill>
+                          <a:effectLst/>
+                          <a:latin typeface="Calibri" panose="020F0502020204030204" pitchFamily="34" charset="0"/>
+                        </a:rPr>
+                        <a:t> </a:t>
+                      </a:r>
+                    </a:p>
+                  </a:txBody>
+                  <a:tcPr marL="5070" marR="5070" marT="5070" marB="0" anchor="b">
+                    <a:lnL w="6350" cap="flat" cmpd="sng" algn="ctr">
+                      <a:solidFill>
+                        <a:srgbClr val="000000"/>
+                      </a:solidFill>
+                      <a:prstDash val="solid"/>
+                      <a:round/>
+                      <a:headEnd type="none" w="med" len="med"/>
+                      <a:tailEnd type="none" w="med" len="med"/>
+                    </a:lnL>
+                    <a:lnR w="6350" cap="flat" cmpd="sng" algn="ctr">
+                      <a:solidFill>
+                        <a:srgbClr val="000000"/>
+                      </a:solidFill>
+                      <a:prstDash val="solid"/>
+                      <a:round/>
+                      <a:headEnd type="none" w="med" len="med"/>
+                      <a:tailEnd type="none" w="med" len="med"/>
+                    </a:lnR>
+                    <a:lnT w="6350" cap="flat" cmpd="sng" algn="ctr">
+                      <a:solidFill>
+                        <a:srgbClr val="000000"/>
+                      </a:solidFill>
+                      <a:prstDash val="solid"/>
+                      <a:round/>
+                      <a:headEnd type="none" w="med" len="med"/>
+                      <a:tailEnd type="none" w="med" len="med"/>
+                    </a:lnT>
+                    <a:lnB w="6350" cap="flat" cmpd="sng" algn="ctr">
+                      <a:solidFill>
+                        <a:srgbClr val="000000"/>
+                      </a:solidFill>
+                      <a:prstDash val="solid"/>
+                      <a:round/>
+                      <a:headEnd type="none" w="med" len="med"/>
+                      <a:tailEnd type="none" w="med" len="med"/>
+                    </a:lnB>
+                  </a:tcPr>
+                </a:tc>
+                <a:tc>
+                  <a:txBody>
+                    <a:bodyPr/>
+                    <a:lstStyle/>
+                    <a:p>
+                      <a:pPr algn="l" fontAlgn="b"/>
+                      <a:r>
+                        <a:rPr lang="en-US" sz="900" b="0" i="0" u="none" strike="noStrike">
+                          <a:solidFill>
+                            <a:srgbClr val="000000"/>
+                          </a:solidFill>
+                          <a:effectLst/>
+                          <a:latin typeface="Calibri" panose="020F0502020204030204" pitchFamily="34" charset="0"/>
+                        </a:rPr>
+                        <a:t> </a:t>
+                      </a:r>
+                    </a:p>
+                  </a:txBody>
+                  <a:tcPr marL="5070" marR="5070" marT="5070" marB="0" anchor="b">
+                    <a:lnL w="6350" cap="flat" cmpd="sng" algn="ctr">
+                      <a:solidFill>
+                        <a:srgbClr val="000000"/>
+                      </a:solidFill>
+                      <a:prstDash val="solid"/>
+                      <a:round/>
+                      <a:headEnd type="none" w="med" len="med"/>
+                      <a:tailEnd type="none" w="med" len="med"/>
+                    </a:lnL>
+                    <a:lnR w="6350" cap="flat" cmpd="sng" algn="ctr">
+                      <a:solidFill>
+                        <a:srgbClr val="000000"/>
+                      </a:solidFill>
+                      <a:prstDash val="solid"/>
+                      <a:round/>
+                      <a:headEnd type="none" w="med" len="med"/>
+                      <a:tailEnd type="none" w="med" len="med"/>
+                    </a:lnR>
+                    <a:lnT w="6350" cap="flat" cmpd="sng" algn="ctr">
+                      <a:solidFill>
+                        <a:srgbClr val="000000"/>
+                      </a:solidFill>
+                      <a:prstDash val="solid"/>
+                      <a:round/>
+                      <a:headEnd type="none" w="med" len="med"/>
+                      <a:tailEnd type="none" w="med" len="med"/>
+                    </a:lnT>
+                    <a:lnB w="6350" cap="flat" cmpd="sng" algn="ctr">
+                      <a:solidFill>
+                        <a:srgbClr val="000000"/>
+                      </a:solidFill>
+                      <a:prstDash val="solid"/>
+                      <a:round/>
+                      <a:headEnd type="none" w="med" len="med"/>
+                      <a:tailEnd type="none" w="med" len="med"/>
+                    </a:lnB>
+                  </a:tcPr>
+                </a:tc>
+                <a:extLst>
+                  <a:ext uri="{0D108BD9-81ED-4DB2-BD59-A6C34878D82A}">
+                    <a16:rowId xmlns:a16="http://schemas.microsoft.com/office/drawing/2014/main" val="3456761458"/>
+                  </a:ext>
+                </a:extLst>
+              </a:tr>
+              <a:tr h="147036">
+                <a:tc>
+                  <a:txBody>
+                    <a:bodyPr/>
+                    <a:lstStyle/>
+                    <a:p>
+                      <a:pPr algn="l" fontAlgn="b"/>
+                      <a:r>
+                        <a:rPr lang="en-US" sz="900" b="0" i="0" u="none" strike="noStrike">
+                          <a:solidFill>
+                            <a:srgbClr val="000000"/>
+                          </a:solidFill>
+                          <a:effectLst/>
+                          <a:latin typeface="Calibri" panose="020F0502020204030204" pitchFamily="34" charset="0"/>
+                        </a:rPr>
+                        <a:t>20190724-23420315FE_50E_32B_ValSplit.2_Darknet</a:t>
+                      </a:r>
+                    </a:p>
+                  </a:txBody>
+                  <a:tcPr marL="5070" marR="5070" marT="5070" marB="0" anchor="b">
+                    <a:lnL w="6350" cap="flat" cmpd="sng" algn="ctr">
+                      <a:solidFill>
+                        <a:srgbClr val="000000"/>
+                      </a:solidFill>
+                      <a:prstDash val="solid"/>
+                      <a:round/>
+                      <a:headEnd type="none" w="med" len="med"/>
+                      <a:tailEnd type="none" w="med" len="med"/>
+                    </a:lnL>
+                    <a:lnR w="6350" cap="flat" cmpd="sng" algn="ctr">
+                      <a:solidFill>
+                        <a:srgbClr val="000000"/>
+                      </a:solidFill>
+                      <a:prstDash val="solid"/>
+                      <a:round/>
+                      <a:headEnd type="none" w="med" len="med"/>
+                      <a:tailEnd type="none" w="med" len="med"/>
+                    </a:lnR>
+                    <a:lnT w="6350" cap="flat" cmpd="sng" algn="ctr">
+                      <a:solidFill>
+                        <a:srgbClr val="000000"/>
+                      </a:solidFill>
+                      <a:prstDash val="solid"/>
+                      <a:round/>
+                      <a:headEnd type="none" w="med" len="med"/>
+                      <a:tailEnd type="none" w="med" len="med"/>
+                    </a:lnT>
+                    <a:lnB w="6350" cap="flat" cmpd="sng" algn="ctr">
+                      <a:solidFill>
+                        <a:srgbClr val="000000"/>
+                      </a:solidFill>
+                      <a:prstDash val="solid"/>
+                      <a:round/>
+                      <a:headEnd type="none" w="med" len="med"/>
+                      <a:tailEnd type="none" w="med" len="med"/>
+                    </a:lnB>
+                    <a:solidFill>
+                      <a:srgbClr val="D9E1F2"/>
+                    </a:solidFill>
+                  </a:tcPr>
+                </a:tc>
+                <a:tc>
+                  <a:txBody>
+                    <a:bodyPr/>
+                    <a:lstStyle/>
+                    <a:p>
+                      <a:pPr algn="l" fontAlgn="b"/>
+                      <a:r>
+                        <a:rPr lang="en-US" sz="900" b="0" i="0" u="none" strike="noStrike">
+                          <a:solidFill>
+                            <a:srgbClr val="000000"/>
+                          </a:solidFill>
+                          <a:effectLst/>
+                          <a:latin typeface="Calibri" panose="020F0502020204030204" pitchFamily="34" charset="0"/>
+                        </a:rPr>
+                        <a:t> </a:t>
+                      </a:r>
+                    </a:p>
+                  </a:txBody>
+                  <a:tcPr marL="5070" marR="5070" marT="5070" marB="0" anchor="b">
+                    <a:lnL w="6350" cap="flat" cmpd="sng" algn="ctr">
+                      <a:solidFill>
+                        <a:srgbClr val="000000"/>
+                      </a:solidFill>
+                      <a:prstDash val="solid"/>
+                      <a:round/>
+                      <a:headEnd type="none" w="med" len="med"/>
+                      <a:tailEnd type="none" w="med" len="med"/>
+                    </a:lnL>
+                    <a:lnR w="6350" cap="flat" cmpd="sng" algn="ctr">
+                      <a:solidFill>
+                        <a:srgbClr val="000000"/>
+                      </a:solidFill>
+                      <a:prstDash val="solid"/>
+                      <a:round/>
+                      <a:headEnd type="none" w="med" len="med"/>
+                      <a:tailEnd type="none" w="med" len="med"/>
+                    </a:lnR>
+                    <a:lnT w="6350" cap="flat" cmpd="sng" algn="ctr">
+                      <a:solidFill>
+                        <a:srgbClr val="000000"/>
+                      </a:solidFill>
+                      <a:prstDash val="solid"/>
+                      <a:round/>
+                      <a:headEnd type="none" w="med" len="med"/>
+                      <a:tailEnd type="none" w="med" len="med"/>
+                    </a:lnT>
+                    <a:lnB w="6350" cap="flat" cmpd="sng" algn="ctr">
+                      <a:solidFill>
+                        <a:srgbClr val="000000"/>
+                      </a:solidFill>
+                      <a:prstDash val="solid"/>
+                      <a:round/>
+                      <a:headEnd type="none" w="med" len="med"/>
+                      <a:tailEnd type="none" w="med" len="med"/>
+                    </a:lnB>
+                    <a:solidFill>
+                      <a:srgbClr val="D9E1F2"/>
+                    </a:solidFill>
+                  </a:tcPr>
+                </a:tc>
+                <a:tc>
+                  <a:txBody>
+                    <a:bodyPr/>
+                    <a:lstStyle/>
+                    <a:p>
+                      <a:pPr algn="l" fontAlgn="b"/>
+                      <a:r>
+                        <a:rPr lang="en-US" sz="900" b="0" i="0" u="none" strike="noStrike">
+                          <a:solidFill>
+                            <a:srgbClr val="000000"/>
+                          </a:solidFill>
+                          <a:effectLst/>
+                          <a:latin typeface="Calibri" panose="020F0502020204030204" pitchFamily="34" charset="0"/>
+                        </a:rPr>
+                        <a:t> </a:t>
+                      </a:r>
+                    </a:p>
+                  </a:txBody>
+                  <a:tcPr marL="5070" marR="5070" marT="5070" marB="0" anchor="b">
+                    <a:lnL w="6350" cap="flat" cmpd="sng" algn="ctr">
+                      <a:solidFill>
+                        <a:srgbClr val="000000"/>
+                      </a:solidFill>
+                      <a:prstDash val="solid"/>
+                      <a:round/>
+                      <a:headEnd type="none" w="med" len="med"/>
+                      <a:tailEnd type="none" w="med" len="med"/>
+                    </a:lnL>
+                    <a:lnR w="6350" cap="flat" cmpd="sng" algn="ctr">
+                      <a:solidFill>
+                        <a:srgbClr val="000000"/>
+                      </a:solidFill>
+                      <a:prstDash val="solid"/>
+                      <a:round/>
+                      <a:headEnd type="none" w="med" len="med"/>
+                      <a:tailEnd type="none" w="med" len="med"/>
+                    </a:lnR>
+                    <a:lnT w="6350" cap="flat" cmpd="sng" algn="ctr">
+                      <a:solidFill>
+                        <a:srgbClr val="000000"/>
+                      </a:solidFill>
+                      <a:prstDash val="solid"/>
+                      <a:round/>
+                      <a:headEnd type="none" w="med" len="med"/>
+                      <a:tailEnd type="none" w="med" len="med"/>
+                    </a:lnT>
+                    <a:lnB w="6350" cap="flat" cmpd="sng" algn="ctr">
+                      <a:solidFill>
+                        <a:srgbClr val="000000"/>
+                      </a:solidFill>
+                      <a:prstDash val="solid"/>
+                      <a:round/>
+                      <a:headEnd type="none" w="med" len="med"/>
+                      <a:tailEnd type="none" w="med" len="med"/>
+                    </a:lnB>
+                    <a:solidFill>
+                      <a:srgbClr val="D9E1F2"/>
+                    </a:solidFill>
+                  </a:tcPr>
+                </a:tc>
+                <a:tc>
+                  <a:txBody>
+                    <a:bodyPr/>
+                    <a:lstStyle/>
+                    <a:p>
+                      <a:pPr algn="l" fontAlgn="b"/>
+                      <a:r>
+                        <a:rPr lang="en-US" sz="900" b="0" i="0" u="none" strike="noStrike">
+                          <a:solidFill>
+                            <a:srgbClr val="000000"/>
+                          </a:solidFill>
+                          <a:effectLst/>
+                          <a:latin typeface="Calibri" panose="020F0502020204030204" pitchFamily="34" charset="0"/>
+                        </a:rPr>
+                        <a:t> </a:t>
+                      </a:r>
+                    </a:p>
+                  </a:txBody>
+                  <a:tcPr marL="5070" marR="5070" marT="5070" marB="0" anchor="b">
+                    <a:lnL w="6350" cap="flat" cmpd="sng" algn="ctr">
+                      <a:solidFill>
+                        <a:srgbClr val="000000"/>
+                      </a:solidFill>
+                      <a:prstDash val="solid"/>
+                      <a:round/>
+                      <a:headEnd type="none" w="med" len="med"/>
+                      <a:tailEnd type="none" w="med" len="med"/>
+                    </a:lnL>
+                    <a:lnR w="6350" cap="flat" cmpd="sng" algn="ctr">
+                      <a:solidFill>
+                        <a:srgbClr val="000000"/>
+                      </a:solidFill>
+                      <a:prstDash val="solid"/>
+                      <a:round/>
+                      <a:headEnd type="none" w="med" len="med"/>
+                      <a:tailEnd type="none" w="med" len="med"/>
+                    </a:lnR>
+                    <a:lnT w="6350" cap="flat" cmpd="sng" algn="ctr">
+                      <a:solidFill>
+                        <a:srgbClr val="000000"/>
+                      </a:solidFill>
+                      <a:prstDash val="solid"/>
+                      <a:round/>
+                      <a:headEnd type="none" w="med" len="med"/>
+                      <a:tailEnd type="none" w="med" len="med"/>
+                    </a:lnT>
+                    <a:lnB w="6350" cap="flat" cmpd="sng" algn="ctr">
+                      <a:solidFill>
+                        <a:srgbClr val="000000"/>
+                      </a:solidFill>
+                      <a:prstDash val="solid"/>
+                      <a:round/>
+                      <a:headEnd type="none" w="med" len="med"/>
+                      <a:tailEnd type="none" w="med" len="med"/>
+                    </a:lnB>
+                    <a:solidFill>
+                      <a:srgbClr val="D9E1F2"/>
+                    </a:solidFill>
+                  </a:tcPr>
+                </a:tc>
+                <a:tc>
+                  <a:txBody>
+                    <a:bodyPr/>
+                    <a:lstStyle/>
+                    <a:p>
+                      <a:pPr algn="l" fontAlgn="b"/>
+                      <a:r>
+                        <a:rPr lang="en-US" sz="900" b="0" i="0" u="none" strike="noStrike">
+                          <a:solidFill>
+                            <a:srgbClr val="000000"/>
+                          </a:solidFill>
+                          <a:effectLst/>
+                          <a:latin typeface="Calibri" panose="020F0502020204030204" pitchFamily="34" charset="0"/>
+                        </a:rPr>
+                        <a:t> </a:t>
+                      </a:r>
+                    </a:p>
+                  </a:txBody>
+                  <a:tcPr marL="5070" marR="5070" marT="5070" marB="0" anchor="b">
+                    <a:lnL w="6350" cap="flat" cmpd="sng" algn="ctr">
+                      <a:solidFill>
+                        <a:srgbClr val="000000"/>
+                      </a:solidFill>
+                      <a:prstDash val="solid"/>
+                      <a:round/>
+                      <a:headEnd type="none" w="med" len="med"/>
+                      <a:tailEnd type="none" w="med" len="med"/>
+                    </a:lnL>
+                    <a:lnR w="6350" cap="flat" cmpd="sng" algn="ctr">
+                      <a:solidFill>
+                        <a:srgbClr val="000000"/>
+                      </a:solidFill>
+                      <a:prstDash val="solid"/>
+                      <a:round/>
+                      <a:headEnd type="none" w="med" len="med"/>
+                      <a:tailEnd type="none" w="med" len="med"/>
+                    </a:lnR>
+                    <a:lnT w="6350" cap="flat" cmpd="sng" algn="ctr">
+                      <a:solidFill>
+                        <a:srgbClr val="000000"/>
+                      </a:solidFill>
+                      <a:prstDash val="solid"/>
+                      <a:round/>
+                      <a:headEnd type="none" w="med" len="med"/>
+                      <a:tailEnd type="none" w="med" len="med"/>
+                    </a:lnT>
+                    <a:lnB w="6350" cap="flat" cmpd="sng" algn="ctr">
+                      <a:solidFill>
+                        <a:srgbClr val="000000"/>
+                      </a:solidFill>
+                      <a:prstDash val="solid"/>
+                      <a:round/>
+                      <a:headEnd type="none" w="med" len="med"/>
+                      <a:tailEnd type="none" w="med" len="med"/>
+                    </a:lnB>
+                    <a:solidFill>
+                      <a:srgbClr val="D9E1F2"/>
+                    </a:solidFill>
+                  </a:tcPr>
+                </a:tc>
+                <a:tc>
+                  <a:txBody>
+                    <a:bodyPr/>
+                    <a:lstStyle/>
+                    <a:p>
+                      <a:pPr algn="l" fontAlgn="b"/>
+                      <a:r>
+                        <a:rPr lang="en-US" sz="900" b="0" i="0" u="none" strike="noStrike">
+                          <a:solidFill>
+                            <a:srgbClr val="000000"/>
+                          </a:solidFill>
+                          <a:effectLst/>
+                          <a:latin typeface="Calibri" panose="020F0502020204030204" pitchFamily="34" charset="0"/>
+                        </a:rPr>
+                        <a:t> </a:t>
+                      </a:r>
+                    </a:p>
+                  </a:txBody>
+                  <a:tcPr marL="5070" marR="5070" marT="5070" marB="0" anchor="b">
+                    <a:lnL w="6350" cap="flat" cmpd="sng" algn="ctr">
+                      <a:solidFill>
+                        <a:srgbClr val="000000"/>
+                      </a:solidFill>
+                      <a:prstDash val="solid"/>
+                      <a:round/>
+                      <a:headEnd type="none" w="med" len="med"/>
+                      <a:tailEnd type="none" w="med" len="med"/>
+                    </a:lnL>
+                    <a:lnR w="6350" cap="flat" cmpd="sng" algn="ctr">
+                      <a:solidFill>
+                        <a:srgbClr val="000000"/>
+                      </a:solidFill>
+                      <a:prstDash val="solid"/>
+                      <a:round/>
+                      <a:headEnd type="none" w="med" len="med"/>
+                      <a:tailEnd type="none" w="med" len="med"/>
+                    </a:lnR>
+                    <a:lnT w="6350" cap="flat" cmpd="sng" algn="ctr">
+                      <a:solidFill>
+                        <a:srgbClr val="000000"/>
+                      </a:solidFill>
+                      <a:prstDash val="solid"/>
+                      <a:round/>
+                      <a:headEnd type="none" w="med" len="med"/>
+                      <a:tailEnd type="none" w="med" len="med"/>
+                    </a:lnT>
+                    <a:lnB w="6350" cap="flat" cmpd="sng" algn="ctr">
+                      <a:solidFill>
+                        <a:srgbClr val="000000"/>
+                      </a:solidFill>
+                      <a:prstDash val="solid"/>
+                      <a:round/>
+                      <a:headEnd type="none" w="med" len="med"/>
+                      <a:tailEnd type="none" w="med" len="med"/>
+                    </a:lnB>
+                    <a:solidFill>
+                      <a:srgbClr val="D9E1F2"/>
+                    </a:solidFill>
+                  </a:tcPr>
+                </a:tc>
+                <a:tc>
+                  <a:txBody>
+                    <a:bodyPr/>
+                    <a:lstStyle/>
+                    <a:p>
+                      <a:pPr algn="l" fontAlgn="b"/>
+                      <a:r>
+                        <a:rPr lang="en-US" sz="900" b="0" i="0" u="none" strike="noStrike">
+                          <a:solidFill>
+                            <a:srgbClr val="000000"/>
+                          </a:solidFill>
+                          <a:effectLst/>
+                          <a:latin typeface="Calibri" panose="020F0502020204030204" pitchFamily="34" charset="0"/>
+                        </a:rPr>
+                        <a:t> </a:t>
+                      </a:r>
+                    </a:p>
+                  </a:txBody>
+                  <a:tcPr marL="5070" marR="5070" marT="5070" marB="0" anchor="b">
+                    <a:lnL w="6350" cap="flat" cmpd="sng" algn="ctr">
+                      <a:solidFill>
+                        <a:srgbClr val="000000"/>
+                      </a:solidFill>
+                      <a:prstDash val="solid"/>
+                      <a:round/>
+                      <a:headEnd type="none" w="med" len="med"/>
+                      <a:tailEnd type="none" w="med" len="med"/>
+                    </a:lnL>
+                    <a:lnR w="6350" cap="flat" cmpd="sng" algn="ctr">
+                      <a:solidFill>
+                        <a:srgbClr val="000000"/>
+                      </a:solidFill>
+                      <a:prstDash val="solid"/>
+                      <a:round/>
+                      <a:headEnd type="none" w="med" len="med"/>
+                      <a:tailEnd type="none" w="med" len="med"/>
+                    </a:lnR>
+                    <a:lnT w="6350" cap="flat" cmpd="sng" algn="ctr">
+                      <a:solidFill>
+                        <a:srgbClr val="000000"/>
+                      </a:solidFill>
+                      <a:prstDash val="solid"/>
+                      <a:round/>
+                      <a:headEnd type="none" w="med" len="med"/>
+                      <a:tailEnd type="none" w="med" len="med"/>
+                    </a:lnT>
+                    <a:lnB w="6350" cap="flat" cmpd="sng" algn="ctr">
+                      <a:solidFill>
+                        <a:srgbClr val="000000"/>
+                      </a:solidFill>
+                      <a:prstDash val="solid"/>
+                      <a:round/>
+                      <a:headEnd type="none" w="med" len="med"/>
+                      <a:tailEnd type="none" w="med" len="med"/>
+                    </a:lnB>
+                    <a:solidFill>
+                      <a:srgbClr val="D9E1F2"/>
+                    </a:solidFill>
+                  </a:tcPr>
+                </a:tc>
+                <a:tc>
+                  <a:txBody>
+                    <a:bodyPr/>
+                    <a:lstStyle/>
+                    <a:p>
+                      <a:pPr algn="l" fontAlgn="b"/>
+                      <a:r>
+                        <a:rPr lang="en-US" sz="900" b="0" i="0" u="none" strike="noStrike">
+                          <a:solidFill>
+                            <a:srgbClr val="000000"/>
+                          </a:solidFill>
+                          <a:effectLst/>
+                          <a:latin typeface="Calibri" panose="020F0502020204030204" pitchFamily="34" charset="0"/>
+                        </a:rPr>
+                        <a:t> </a:t>
+                      </a:r>
+                    </a:p>
+                  </a:txBody>
+                  <a:tcPr marL="5070" marR="5070" marT="5070" marB="0" anchor="b">
+                    <a:lnL w="6350" cap="flat" cmpd="sng" algn="ctr">
+                      <a:solidFill>
+                        <a:srgbClr val="000000"/>
+                      </a:solidFill>
+                      <a:prstDash val="solid"/>
+                      <a:round/>
+                      <a:headEnd type="none" w="med" len="med"/>
+                      <a:tailEnd type="none" w="med" len="med"/>
+                    </a:lnL>
+                    <a:lnR w="6350" cap="flat" cmpd="sng" algn="ctr">
+                      <a:solidFill>
+                        <a:srgbClr val="000000"/>
+                      </a:solidFill>
+                      <a:prstDash val="solid"/>
+                      <a:round/>
+                      <a:headEnd type="none" w="med" len="med"/>
+                      <a:tailEnd type="none" w="med" len="med"/>
+                    </a:lnR>
+                    <a:lnT w="6350" cap="flat" cmpd="sng" algn="ctr">
+                      <a:solidFill>
+                        <a:srgbClr val="000000"/>
+                      </a:solidFill>
+                      <a:prstDash val="solid"/>
+                      <a:round/>
+                      <a:headEnd type="none" w="med" len="med"/>
+                      <a:tailEnd type="none" w="med" len="med"/>
+                    </a:lnT>
+                    <a:lnB w="6350" cap="flat" cmpd="sng" algn="ctr">
+                      <a:solidFill>
+                        <a:srgbClr val="000000"/>
+                      </a:solidFill>
+                      <a:prstDash val="solid"/>
+                      <a:round/>
+                      <a:headEnd type="none" w="med" len="med"/>
+                      <a:tailEnd type="none" w="med" len="med"/>
+                    </a:lnB>
+                    <a:solidFill>
+                      <a:srgbClr val="D9E1F2"/>
+                    </a:solidFill>
+                  </a:tcPr>
+                </a:tc>
+                <a:extLst>
+                  <a:ext uri="{0D108BD9-81ED-4DB2-BD59-A6C34878D82A}">
+                    <a16:rowId xmlns:a16="http://schemas.microsoft.com/office/drawing/2014/main" val="3296841940"/>
+                  </a:ext>
+                </a:extLst>
+              </a:tr>
+              <a:tr h="147036">
+                <a:tc>
+                  <a:txBody>
+                    <a:bodyPr/>
+                    <a:lstStyle/>
+                    <a:p>
+                      <a:pPr algn="l" fontAlgn="b"/>
+                      <a:r>
+                        <a:rPr lang="en-US" sz="900" b="0" i="0" u="none" strike="noStrike">
+                          <a:solidFill>
+                            <a:srgbClr val="000000"/>
+                          </a:solidFill>
+                          <a:effectLst/>
+                          <a:latin typeface="Calibri" panose="020F0502020204030204" pitchFamily="34" charset="0"/>
+                        </a:rPr>
+                        <a:t>events.out.tfevents.1564118979.NODE081.orc.gmu</a:t>
+                      </a:r>
+                    </a:p>
+                  </a:txBody>
+                  <a:tcPr marL="5070" marR="5070" marT="5070" marB="0" anchor="b">
+                    <a:lnL w="6350" cap="flat" cmpd="sng" algn="ctr">
+                      <a:solidFill>
+                        <a:srgbClr val="000000"/>
+                      </a:solidFill>
+                      <a:prstDash val="solid"/>
+                      <a:round/>
+                      <a:headEnd type="none" w="med" len="med"/>
+                      <a:tailEnd type="none" w="med" len="med"/>
+                    </a:lnL>
+                    <a:lnR w="6350" cap="flat" cmpd="sng" algn="ctr">
+                      <a:solidFill>
+                        <a:srgbClr val="000000"/>
+                      </a:solidFill>
+                      <a:prstDash val="solid"/>
+                      <a:round/>
+                      <a:headEnd type="none" w="med" len="med"/>
+                      <a:tailEnd type="none" w="med" len="med"/>
+                    </a:lnR>
+                    <a:lnT w="6350" cap="flat" cmpd="sng" algn="ctr">
+                      <a:solidFill>
+                        <a:srgbClr val="000000"/>
+                      </a:solidFill>
+                      <a:prstDash val="solid"/>
+                      <a:round/>
+                      <a:headEnd type="none" w="med" len="med"/>
+                      <a:tailEnd type="none" w="med" len="med"/>
+                    </a:lnT>
+                    <a:lnB w="6350" cap="flat" cmpd="sng" algn="ctr">
+                      <a:solidFill>
+                        <a:srgbClr val="000000"/>
+                      </a:solidFill>
+                      <a:prstDash val="solid"/>
+                      <a:round/>
+                      <a:headEnd type="none" w="med" len="med"/>
+                      <a:tailEnd type="none" w="med" len="med"/>
+                    </a:lnB>
+                  </a:tcPr>
+                </a:tc>
+                <a:tc>
+                  <a:txBody>
+                    <a:bodyPr/>
+                    <a:lstStyle/>
+                    <a:p>
+                      <a:pPr algn="l" fontAlgn="b"/>
+                      <a:r>
+                        <a:rPr lang="en-US" sz="900" b="0" i="0" u="none" strike="noStrike">
+                          <a:solidFill>
+                            <a:srgbClr val="000000"/>
+                          </a:solidFill>
+                          <a:effectLst/>
+                          <a:latin typeface="Calibri" panose="020F0502020204030204" pitchFamily="34" charset="0"/>
+                        </a:rPr>
+                        <a:t> </a:t>
+                      </a:r>
+                    </a:p>
+                  </a:txBody>
+                  <a:tcPr marL="5070" marR="5070" marT="5070" marB="0" anchor="b">
+                    <a:lnL w="6350" cap="flat" cmpd="sng" algn="ctr">
+                      <a:solidFill>
+                        <a:srgbClr val="000000"/>
+                      </a:solidFill>
+                      <a:prstDash val="solid"/>
+                      <a:round/>
+                      <a:headEnd type="none" w="med" len="med"/>
+                      <a:tailEnd type="none" w="med" len="med"/>
+                    </a:lnL>
+                    <a:lnR w="6350" cap="flat" cmpd="sng" algn="ctr">
+                      <a:solidFill>
+                        <a:srgbClr val="000000"/>
+                      </a:solidFill>
+                      <a:prstDash val="solid"/>
+                      <a:round/>
+                      <a:headEnd type="none" w="med" len="med"/>
+                      <a:tailEnd type="none" w="med" len="med"/>
+                    </a:lnR>
+                    <a:lnT w="6350" cap="flat" cmpd="sng" algn="ctr">
+                      <a:solidFill>
+                        <a:srgbClr val="000000"/>
+                      </a:solidFill>
+                      <a:prstDash val="solid"/>
+                      <a:round/>
+                      <a:headEnd type="none" w="med" len="med"/>
+                      <a:tailEnd type="none" w="med" len="med"/>
+                    </a:lnT>
+                    <a:lnB w="6350" cap="flat" cmpd="sng" algn="ctr">
+                      <a:solidFill>
+                        <a:srgbClr val="000000"/>
+                      </a:solidFill>
+                      <a:prstDash val="solid"/>
+                      <a:round/>
+                      <a:headEnd type="none" w="med" len="med"/>
+                      <a:tailEnd type="none" w="med" len="med"/>
+                    </a:lnB>
+                  </a:tcPr>
+                </a:tc>
+                <a:tc>
+                  <a:txBody>
+                    <a:bodyPr/>
+                    <a:lstStyle/>
+                    <a:p>
+                      <a:pPr algn="l" fontAlgn="b"/>
+                      <a:r>
+                        <a:rPr lang="en-US" sz="900" b="0" i="0" u="none" strike="noStrike">
+                          <a:solidFill>
+                            <a:srgbClr val="000000"/>
+                          </a:solidFill>
+                          <a:effectLst/>
+                          <a:latin typeface="Calibri" panose="020F0502020204030204" pitchFamily="34" charset="0"/>
+                        </a:rPr>
+                        <a:t> </a:t>
+                      </a:r>
+                    </a:p>
+                  </a:txBody>
+                  <a:tcPr marL="5070" marR="5070" marT="5070" marB="0" anchor="b">
+                    <a:lnL w="6350" cap="flat" cmpd="sng" algn="ctr">
+                      <a:solidFill>
+                        <a:srgbClr val="000000"/>
+                      </a:solidFill>
+                      <a:prstDash val="solid"/>
+                      <a:round/>
+                      <a:headEnd type="none" w="med" len="med"/>
+                      <a:tailEnd type="none" w="med" len="med"/>
+                    </a:lnL>
+                    <a:lnR w="6350" cap="flat" cmpd="sng" algn="ctr">
+                      <a:solidFill>
+                        <a:srgbClr val="000000"/>
+                      </a:solidFill>
+                      <a:prstDash val="solid"/>
+                      <a:round/>
+                      <a:headEnd type="none" w="med" len="med"/>
+                      <a:tailEnd type="none" w="med" len="med"/>
+                    </a:lnR>
+                    <a:lnT w="6350" cap="flat" cmpd="sng" algn="ctr">
+                      <a:solidFill>
+                        <a:srgbClr val="000000"/>
+                      </a:solidFill>
+                      <a:prstDash val="solid"/>
+                      <a:round/>
+                      <a:headEnd type="none" w="med" len="med"/>
+                      <a:tailEnd type="none" w="med" len="med"/>
+                    </a:lnT>
+                    <a:lnB w="6350" cap="flat" cmpd="sng" algn="ctr">
+                      <a:solidFill>
+                        <a:srgbClr val="000000"/>
+                      </a:solidFill>
+                      <a:prstDash val="solid"/>
+                      <a:round/>
+                      <a:headEnd type="none" w="med" len="med"/>
+                      <a:tailEnd type="none" w="med" len="med"/>
+                    </a:lnB>
+                  </a:tcPr>
+                </a:tc>
+                <a:tc>
+                  <a:txBody>
+                    <a:bodyPr/>
+                    <a:lstStyle/>
+                    <a:p>
+                      <a:pPr algn="l" fontAlgn="b"/>
+                      <a:r>
+                        <a:rPr lang="en-US" sz="900" b="0" i="0" u="none" strike="noStrike">
+                          <a:solidFill>
+                            <a:srgbClr val="000000"/>
+                          </a:solidFill>
+                          <a:effectLst/>
+                          <a:latin typeface="Calibri" panose="020F0502020204030204" pitchFamily="34" charset="0"/>
+                        </a:rPr>
+                        <a:t> </a:t>
+                      </a:r>
+                    </a:p>
+                  </a:txBody>
+                  <a:tcPr marL="5070" marR="5070" marT="5070" marB="0" anchor="b">
+                    <a:lnL w="6350" cap="flat" cmpd="sng" algn="ctr">
+                      <a:solidFill>
+                        <a:srgbClr val="000000"/>
+                      </a:solidFill>
+                      <a:prstDash val="solid"/>
+                      <a:round/>
+                      <a:headEnd type="none" w="med" len="med"/>
+                      <a:tailEnd type="none" w="med" len="med"/>
+                    </a:lnL>
+                    <a:lnR w="6350" cap="flat" cmpd="sng" algn="ctr">
+                      <a:solidFill>
+                        <a:srgbClr val="000000"/>
+                      </a:solidFill>
+                      <a:prstDash val="solid"/>
+                      <a:round/>
+                      <a:headEnd type="none" w="med" len="med"/>
+                      <a:tailEnd type="none" w="med" len="med"/>
+                    </a:lnR>
+                    <a:lnT w="6350" cap="flat" cmpd="sng" algn="ctr">
+                      <a:solidFill>
+                        <a:srgbClr val="000000"/>
+                      </a:solidFill>
+                      <a:prstDash val="solid"/>
+                      <a:round/>
+                      <a:headEnd type="none" w="med" len="med"/>
+                      <a:tailEnd type="none" w="med" len="med"/>
+                    </a:lnT>
+                    <a:lnB w="6350" cap="flat" cmpd="sng" algn="ctr">
+                      <a:solidFill>
+                        <a:srgbClr val="000000"/>
+                      </a:solidFill>
+                      <a:prstDash val="solid"/>
+                      <a:round/>
+                      <a:headEnd type="none" w="med" len="med"/>
+                      <a:tailEnd type="none" w="med" len="med"/>
+                    </a:lnB>
+                  </a:tcPr>
+                </a:tc>
+                <a:tc>
+                  <a:txBody>
+                    <a:bodyPr/>
+                    <a:lstStyle/>
+                    <a:p>
+                      <a:pPr algn="l" fontAlgn="b"/>
+                      <a:r>
+                        <a:rPr lang="en-US" sz="900" b="0" i="0" u="none" strike="noStrike">
+                          <a:solidFill>
+                            <a:srgbClr val="000000"/>
+                          </a:solidFill>
+                          <a:effectLst/>
+                          <a:latin typeface="Calibri" panose="020F0502020204030204" pitchFamily="34" charset="0"/>
+                        </a:rPr>
+                        <a:t> </a:t>
+                      </a:r>
+                    </a:p>
+                  </a:txBody>
+                  <a:tcPr marL="5070" marR="5070" marT="5070" marB="0" anchor="b">
+                    <a:lnL w="6350" cap="flat" cmpd="sng" algn="ctr">
+                      <a:solidFill>
+                        <a:srgbClr val="000000"/>
+                      </a:solidFill>
+                      <a:prstDash val="solid"/>
+                      <a:round/>
+                      <a:headEnd type="none" w="med" len="med"/>
+                      <a:tailEnd type="none" w="med" len="med"/>
+                    </a:lnL>
+                    <a:lnR w="6350" cap="flat" cmpd="sng" algn="ctr">
+                      <a:solidFill>
+                        <a:srgbClr val="000000"/>
+                      </a:solidFill>
+                      <a:prstDash val="solid"/>
+                      <a:round/>
+                      <a:headEnd type="none" w="med" len="med"/>
+                      <a:tailEnd type="none" w="med" len="med"/>
+                    </a:lnR>
+                    <a:lnT w="6350" cap="flat" cmpd="sng" algn="ctr">
+                      <a:solidFill>
+                        <a:srgbClr val="000000"/>
+                      </a:solidFill>
+                      <a:prstDash val="solid"/>
+                      <a:round/>
+                      <a:headEnd type="none" w="med" len="med"/>
+                      <a:tailEnd type="none" w="med" len="med"/>
+                    </a:lnT>
+                    <a:lnB w="6350" cap="flat" cmpd="sng" algn="ctr">
+                      <a:solidFill>
+                        <a:srgbClr val="000000"/>
+                      </a:solidFill>
+                      <a:prstDash val="solid"/>
+                      <a:round/>
+                      <a:headEnd type="none" w="med" len="med"/>
+                      <a:tailEnd type="none" w="med" len="med"/>
+                    </a:lnB>
+                  </a:tcPr>
+                </a:tc>
+                <a:tc>
+                  <a:txBody>
+                    <a:bodyPr/>
+                    <a:lstStyle/>
+                    <a:p>
+                      <a:pPr algn="l" fontAlgn="b"/>
+                      <a:r>
+                        <a:rPr lang="en-US" sz="900" b="0" i="0" u="none" strike="noStrike">
+                          <a:solidFill>
+                            <a:srgbClr val="000000"/>
+                          </a:solidFill>
+                          <a:effectLst/>
+                          <a:latin typeface="Calibri" panose="020F0502020204030204" pitchFamily="34" charset="0"/>
+                        </a:rPr>
+                        <a:t> </a:t>
+                      </a:r>
+                    </a:p>
+                  </a:txBody>
+                  <a:tcPr marL="5070" marR="5070" marT="5070" marB="0" anchor="b">
+                    <a:lnL w="6350" cap="flat" cmpd="sng" algn="ctr">
+                      <a:solidFill>
+                        <a:srgbClr val="000000"/>
+                      </a:solidFill>
+                      <a:prstDash val="solid"/>
+                      <a:round/>
+                      <a:headEnd type="none" w="med" len="med"/>
+                      <a:tailEnd type="none" w="med" len="med"/>
+                    </a:lnL>
+                    <a:lnR w="6350" cap="flat" cmpd="sng" algn="ctr">
+                      <a:solidFill>
+                        <a:srgbClr val="000000"/>
+                      </a:solidFill>
+                      <a:prstDash val="solid"/>
+                      <a:round/>
+                      <a:headEnd type="none" w="med" len="med"/>
+                      <a:tailEnd type="none" w="med" len="med"/>
+                    </a:lnR>
+                    <a:lnT w="6350" cap="flat" cmpd="sng" algn="ctr">
+                      <a:solidFill>
+                        <a:srgbClr val="000000"/>
+                      </a:solidFill>
+                      <a:prstDash val="solid"/>
+                      <a:round/>
+                      <a:headEnd type="none" w="med" len="med"/>
+                      <a:tailEnd type="none" w="med" len="med"/>
+                    </a:lnT>
+                    <a:lnB w="6350" cap="flat" cmpd="sng" algn="ctr">
+                      <a:solidFill>
+                        <a:srgbClr val="000000"/>
+                      </a:solidFill>
+                      <a:prstDash val="solid"/>
+                      <a:round/>
+                      <a:headEnd type="none" w="med" len="med"/>
+                      <a:tailEnd type="none" w="med" len="med"/>
+                    </a:lnB>
+                  </a:tcPr>
+                </a:tc>
+                <a:tc>
+                  <a:txBody>
+                    <a:bodyPr/>
+                    <a:lstStyle/>
+                    <a:p>
+                      <a:pPr algn="l" fontAlgn="b"/>
+                      <a:r>
+                        <a:rPr lang="en-US" sz="900" b="0" i="0" u="none" strike="noStrike">
+                          <a:solidFill>
+                            <a:srgbClr val="000000"/>
+                          </a:solidFill>
+                          <a:effectLst/>
+                          <a:latin typeface="Calibri" panose="020F0502020204030204" pitchFamily="34" charset="0"/>
+                        </a:rPr>
+                        <a:t> </a:t>
+                      </a:r>
+                    </a:p>
+                  </a:txBody>
+                  <a:tcPr marL="5070" marR="5070" marT="5070" marB="0" anchor="b">
+                    <a:lnL w="6350" cap="flat" cmpd="sng" algn="ctr">
+                      <a:solidFill>
+                        <a:srgbClr val="000000"/>
+                      </a:solidFill>
+                      <a:prstDash val="solid"/>
+                      <a:round/>
+                      <a:headEnd type="none" w="med" len="med"/>
+                      <a:tailEnd type="none" w="med" len="med"/>
+                    </a:lnL>
+                    <a:lnR w="6350" cap="flat" cmpd="sng" algn="ctr">
+                      <a:solidFill>
+                        <a:srgbClr val="000000"/>
+                      </a:solidFill>
+                      <a:prstDash val="solid"/>
+                      <a:round/>
+                      <a:headEnd type="none" w="med" len="med"/>
+                      <a:tailEnd type="none" w="med" len="med"/>
+                    </a:lnR>
+                    <a:lnT w="6350" cap="flat" cmpd="sng" algn="ctr">
+                      <a:solidFill>
+                        <a:srgbClr val="000000"/>
+                      </a:solidFill>
+                      <a:prstDash val="solid"/>
+                      <a:round/>
+                      <a:headEnd type="none" w="med" len="med"/>
+                      <a:tailEnd type="none" w="med" len="med"/>
+                    </a:lnT>
+                    <a:lnB w="6350" cap="flat" cmpd="sng" algn="ctr">
+                      <a:solidFill>
+                        <a:srgbClr val="000000"/>
+                      </a:solidFill>
+                      <a:prstDash val="solid"/>
+                      <a:round/>
+                      <a:headEnd type="none" w="med" len="med"/>
+                      <a:tailEnd type="none" w="med" len="med"/>
+                    </a:lnB>
+                  </a:tcPr>
+                </a:tc>
+                <a:tc>
+                  <a:txBody>
+                    <a:bodyPr/>
+                    <a:lstStyle/>
+                    <a:p>
+                      <a:pPr algn="l" fontAlgn="b"/>
+                      <a:r>
+                        <a:rPr lang="en-US" sz="900" b="0" i="0" u="none" strike="noStrike" dirty="0">
+                          <a:solidFill>
+                            <a:srgbClr val="000000"/>
+                          </a:solidFill>
+                          <a:effectLst/>
+                          <a:latin typeface="Calibri" panose="020F0502020204030204" pitchFamily="34" charset="0"/>
+                        </a:rPr>
+                        <a:t> </a:t>
+                      </a:r>
+                    </a:p>
+                  </a:txBody>
+                  <a:tcPr marL="5070" marR="5070" marT="5070" marB="0" anchor="b">
+                    <a:lnL w="6350" cap="flat" cmpd="sng" algn="ctr">
+                      <a:solidFill>
+                        <a:srgbClr val="000000"/>
+                      </a:solidFill>
+                      <a:prstDash val="solid"/>
+                      <a:round/>
+                      <a:headEnd type="none" w="med" len="med"/>
+                      <a:tailEnd type="none" w="med" len="med"/>
+                    </a:lnL>
+                    <a:lnR w="6350" cap="flat" cmpd="sng" algn="ctr">
+                      <a:solidFill>
+                        <a:srgbClr val="000000"/>
+                      </a:solidFill>
+                      <a:prstDash val="solid"/>
+                      <a:round/>
+                      <a:headEnd type="none" w="med" len="med"/>
+                      <a:tailEnd type="none" w="med" len="med"/>
+                    </a:lnR>
+                    <a:lnT w="6350" cap="flat" cmpd="sng" algn="ctr">
+                      <a:solidFill>
+                        <a:srgbClr val="000000"/>
+                      </a:solidFill>
+                      <a:prstDash val="solid"/>
+                      <a:round/>
+                      <a:headEnd type="none" w="med" len="med"/>
+                      <a:tailEnd type="none" w="med" len="med"/>
+                    </a:lnT>
+                    <a:lnB w="6350" cap="flat" cmpd="sng" algn="ctr">
+                      <a:solidFill>
+                        <a:srgbClr val="000000"/>
+                      </a:solidFill>
+                      <a:prstDash val="solid"/>
+                      <a:round/>
+                      <a:headEnd type="none" w="med" len="med"/>
+                      <a:tailEnd type="none" w="med" len="med"/>
+                    </a:lnB>
+                  </a:tcPr>
+                </a:tc>
+                <a:extLst>
+                  <a:ext uri="{0D108BD9-81ED-4DB2-BD59-A6C34878D82A}">
+                    <a16:rowId xmlns:a16="http://schemas.microsoft.com/office/drawing/2014/main" val="953506605"/>
+                  </a:ext>
+                </a:extLst>
+              </a:tr>
+            </a:tbl>
+          </a:graphicData>
+        </a:graphic>
+      </p:graphicFrame>
     </p:spTree>
     <p:extLst>
       <p:ext uri="{BB962C8B-B14F-4D97-AF65-F5344CB8AC3E}">
-        <p14:creationId xmlns:p14="http://schemas.microsoft.com/office/powerpoint/2010/main" val="3671886717"/>
+        <p14:creationId xmlns:p14="http://schemas.microsoft.com/office/powerpoint/2010/main" val="627059621"/>
       </p:ext>
     </p:extLst>
   </p:cSld>
@@ -3975,14 +10340,21 @@
             <p:ph type="ctrTitle"/>
           </p:nvPr>
         </p:nvSpPr>
-        <p:spPr/>
+        <p:spPr>
+          <a:xfrm>
+            <a:off x="1524000" y="228904"/>
+            <a:ext cx="9144000" cy="636635"/>
+          </a:xfrm>
+        </p:spPr>
         <p:txBody>
-          <a:bodyPr/>
+          <a:bodyPr>
+            <a:normAutofit fontScale="90000"/>
+          </a:bodyPr>
           <a:lstStyle/>
           <a:p>
             <a:r>
-              <a:rPr lang="en-US" dirty="0"/>
-              <a:t>Core Goal 4 - SSD</a:t>
+              <a:rPr lang="en-US" sz="4000" dirty="0"/>
+              <a:t>Core Goal 3 - YOLO</a:t>
             </a:r>
           </a:p>
         </p:txBody>
@@ -4003,11 +10375,55 @@
             <p:ph type="subTitle" idx="1"/>
           </p:nvPr>
         </p:nvSpPr>
-        <p:spPr/>
+        <p:spPr>
+          <a:xfrm>
+            <a:off x="1524000" y="1507713"/>
+            <a:ext cx="9144000" cy="2903743"/>
+          </a:xfrm>
+        </p:spPr>
         <p:txBody>
-          <a:bodyPr/>
+          <a:bodyPr>
+            <a:normAutofit/>
+          </a:bodyPr>
           <a:lstStyle/>
           <a:p>
+            <a:r>
+              <a:rPr lang="en-US" dirty="0"/>
+              <a:t>Results:</a:t>
+            </a:r>
+          </a:p>
+          <a:p>
+            <a:pPr marL="342900" indent="-342900" algn="l">
+              <a:buFont typeface="Arial" panose="020B0604020202020204" pitchFamily="34" charset="0"/>
+              <a:buChar char="•"/>
+            </a:pPr>
+            <a:r>
+              <a:rPr lang="en-US" dirty="0"/>
+              <a:t>Sample images</a:t>
+            </a:r>
+          </a:p>
+          <a:p>
+            <a:pPr marL="342900" indent="-342900" algn="l">
+              <a:buFont typeface="Arial" panose="020B0604020202020204" pitchFamily="34" charset="0"/>
+              <a:buChar char="•"/>
+            </a:pPr>
+            <a:r>
+              <a:rPr lang="en-US" dirty="0"/>
+              <a:t>Sample videos</a:t>
+            </a:r>
+          </a:p>
+          <a:p>
+            <a:pPr marL="342900" indent="-342900" algn="l">
+              <a:buFont typeface="Arial" panose="020B0604020202020204" pitchFamily="34" charset="0"/>
+              <a:buChar char="•"/>
+            </a:pPr>
+            <a:endParaRPr lang="en-US" dirty="0"/>
+          </a:p>
+          <a:p>
+            <a:pPr marL="342900" indent="-342900" algn="l">
+              <a:buFont typeface="Arial" panose="020B0604020202020204" pitchFamily="34" charset="0"/>
+              <a:buChar char="•"/>
+            </a:pPr>
             <a:endParaRPr lang="en-US" dirty="0"/>
           </a:p>
         </p:txBody>
@@ -4015,7 +10431,7 @@
     </p:spTree>
     <p:extLst>
       <p:ext uri="{BB962C8B-B14F-4D97-AF65-F5344CB8AC3E}">
-        <p14:creationId xmlns:p14="http://schemas.microsoft.com/office/powerpoint/2010/main" val="3202752072"/>
+        <p14:creationId xmlns:p14="http://schemas.microsoft.com/office/powerpoint/2010/main" val="825410633"/>
       </p:ext>
     </p:extLst>
   </p:cSld>
@@ -4058,14 +10474,21 @@
             <p:ph type="ctrTitle"/>
           </p:nvPr>
         </p:nvSpPr>
-        <p:spPr/>
+        <p:spPr>
+          <a:xfrm>
+            <a:off x="1524000" y="228904"/>
+            <a:ext cx="9144000" cy="636635"/>
+          </a:xfrm>
+        </p:spPr>
         <p:txBody>
-          <a:bodyPr/>
+          <a:bodyPr>
+            <a:normAutofit fontScale="90000"/>
+          </a:bodyPr>
           <a:lstStyle/>
           <a:p>
             <a:r>
-              <a:rPr lang="en-US" dirty="0"/>
-              <a:t>Stretch Goals #1</a:t>
+              <a:rPr lang="en-US" sz="4000" dirty="0"/>
+              <a:t>Core Goal 3 - YOLO</a:t>
             </a:r>
           </a:p>
         </p:txBody>
@@ -4086,11 +10509,179 @@
             <p:ph type="subTitle" idx="1"/>
           </p:nvPr>
         </p:nvSpPr>
-        <p:spPr/>
+        <p:spPr>
+          <a:xfrm>
+            <a:off x="1410789" y="865539"/>
+            <a:ext cx="9144000" cy="5587512"/>
+          </a:xfrm>
+        </p:spPr>
         <p:txBody>
-          <a:bodyPr/>
+          <a:bodyPr>
+            <a:normAutofit/>
+          </a:bodyPr>
           <a:lstStyle/>
           <a:p>
+            <a:r>
+              <a:rPr lang="en-US" dirty="0"/>
+              <a:t>Results:</a:t>
+            </a:r>
+          </a:p>
+          <a:p>
+            <a:pPr marL="342900" indent="-342900" algn="l">
+              <a:buFont typeface="Arial" panose="020B0604020202020204" pitchFamily="34" charset="0"/>
+              <a:buChar char="•"/>
+            </a:pPr>
+            <a:r>
+              <a:rPr lang="en-US" dirty="0"/>
+              <a:t>Why the difference?</a:t>
+            </a:r>
+          </a:p>
+          <a:p>
+            <a:pPr marL="800100" lvl="1" indent="-342900" algn="l">
+              <a:buFont typeface="Arial" panose="020B0604020202020204" pitchFamily="34" charset="0"/>
+              <a:buChar char="•"/>
+            </a:pPr>
+            <a:r>
+              <a:rPr lang="en-US" dirty="0"/>
+              <a:t>Insufficient images? w/ bounding boxes?</a:t>
+            </a:r>
+          </a:p>
+          <a:p>
+            <a:pPr marL="800100" lvl="1" indent="-342900" algn="l">
+              <a:buFont typeface="Arial" panose="020B0604020202020204" pitchFamily="34" charset="0"/>
+              <a:buChar char="•"/>
+            </a:pPr>
+            <a:r>
+              <a:rPr lang="en-US" dirty="0"/>
+              <a:t>Quality of variance in character position in images?</a:t>
+            </a:r>
+          </a:p>
+          <a:p>
+            <a:pPr marL="800100" lvl="1" indent="-342900" algn="l">
+              <a:buFont typeface="Arial" panose="020B0604020202020204" pitchFamily="34" charset="0"/>
+              <a:buChar char="•"/>
+            </a:pPr>
+            <a:r>
+              <a:rPr lang="en-US" dirty="0"/>
+              <a:t>Lisa vs Maggie </a:t>
+            </a:r>
+          </a:p>
+          <a:p>
+            <a:pPr marL="800100" lvl="1" indent="-342900" algn="l">
+              <a:buFont typeface="Arial" panose="020B0604020202020204" pitchFamily="34" charset="0"/>
+              <a:buChar char="•"/>
+            </a:pPr>
+            <a:r>
+              <a:rPr lang="en-US" dirty="0"/>
+              <a:t>Additional Data augmentation methods – jitter, flip (one direction) included</a:t>
+            </a:r>
+          </a:p>
+          <a:p>
+            <a:pPr marL="800100" lvl="1" indent="-342900" algn="l">
+              <a:buFont typeface="Arial" panose="020B0604020202020204" pitchFamily="34" charset="0"/>
+              <a:buChar char="•"/>
+            </a:pPr>
+            <a:r>
+              <a:rPr lang="en-US" dirty="0"/>
+              <a:t>Anchor box K means</a:t>
+            </a:r>
+          </a:p>
+          <a:p>
+            <a:pPr marL="800100" lvl="1" indent="-342900" algn="l">
+              <a:buFont typeface="Arial" panose="020B0604020202020204" pitchFamily="34" charset="0"/>
+              <a:buChar char="•"/>
+            </a:pPr>
+            <a:r>
+              <a:rPr lang="en-US" dirty="0"/>
+              <a:t>Frames per second</a:t>
+            </a:r>
+          </a:p>
+          <a:p>
+            <a:pPr marL="800100" lvl="1" indent="-342900" algn="l">
+              <a:buFont typeface="Arial" panose="020B0604020202020204" pitchFamily="34" charset="0"/>
+              <a:buChar char="•"/>
+            </a:pPr>
+            <a:endParaRPr lang="en-US" dirty="0"/>
+          </a:p>
+          <a:p>
+            <a:pPr marL="342900" indent="-342900" algn="l">
+              <a:buFont typeface="Arial" panose="020B0604020202020204" pitchFamily="34" charset="0"/>
+              <a:buChar char="•"/>
+            </a:pPr>
+            <a:r>
+              <a:rPr lang="en-US" dirty="0"/>
+              <a:t>Challenges faced?</a:t>
+            </a:r>
+          </a:p>
+          <a:p>
+            <a:pPr marL="342900" indent="-342900" algn="l">
+              <a:buFont typeface="Arial" panose="020B0604020202020204" pitchFamily="34" charset="0"/>
+              <a:buChar char="•"/>
+            </a:pPr>
+            <a:r>
+              <a:rPr lang="en-US" dirty="0"/>
+              <a:t>Overall experience</a:t>
+            </a:r>
+          </a:p>
+          <a:p>
+            <a:pPr marL="800100" lvl="1" indent="-342900" algn="l">
+              <a:buFont typeface="Arial" panose="020B0604020202020204" pitchFamily="34" charset="0"/>
+              <a:buChar char="•"/>
+            </a:pPr>
+            <a:r>
+              <a:rPr lang="en-US" dirty="0"/>
+              <a:t>Time taken averages</a:t>
+            </a:r>
+          </a:p>
+          <a:p>
+            <a:pPr marL="800100" lvl="1" indent="-342900" algn="l">
+              <a:buFont typeface="Arial" panose="020B0604020202020204" pitchFamily="34" charset="0"/>
+              <a:buChar char="•"/>
+            </a:pPr>
+            <a:r>
+              <a:rPr lang="en-US" dirty="0"/>
+              <a:t>Experience with ARGO</a:t>
+            </a:r>
+          </a:p>
+          <a:p>
+            <a:pPr marL="1257300" lvl="2" indent="-342900" algn="l">
+              <a:buFont typeface="Arial" panose="020B0604020202020204" pitchFamily="34" charset="0"/>
+              <a:buChar char="•"/>
+            </a:pPr>
+            <a:r>
+              <a:rPr lang="en-US" dirty="0"/>
+              <a:t>OOO, H5 file issues, </a:t>
+            </a:r>
+          </a:p>
+          <a:p>
+            <a:pPr marL="800100" lvl="1" indent="-342900" algn="l">
+              <a:buFont typeface="Arial" panose="020B0604020202020204" pitchFamily="34" charset="0"/>
+              <a:buChar char="•"/>
+            </a:pPr>
+            <a:r>
+              <a:rPr lang="en-US" dirty="0"/>
+              <a:t>Multi-GPU issues</a:t>
+            </a:r>
+          </a:p>
+          <a:p>
+            <a:pPr marL="342900" indent="-342900" algn="l">
+              <a:buFont typeface="Arial" panose="020B0604020202020204" pitchFamily="34" charset="0"/>
+              <a:buChar char="•"/>
+            </a:pPr>
+            <a:endParaRPr lang="en-US" dirty="0"/>
+          </a:p>
+          <a:p>
+            <a:pPr marL="342900" indent="-342900" algn="l">
+              <a:buFont typeface="Arial" panose="020B0604020202020204" pitchFamily="34" charset="0"/>
+              <a:buChar char="•"/>
+            </a:pPr>
+            <a:endParaRPr lang="en-US" dirty="0"/>
+          </a:p>
+          <a:p>
+            <a:pPr marL="342900" indent="-342900" algn="l">
+              <a:buFont typeface="Arial" panose="020B0604020202020204" pitchFamily="34" charset="0"/>
+              <a:buChar char="•"/>
+            </a:pPr>
             <a:endParaRPr lang="en-US" dirty="0"/>
           </a:p>
         </p:txBody>
@@ -4098,7 +10689,7 @@
     </p:spTree>
     <p:extLst>
       <p:ext uri="{BB962C8B-B14F-4D97-AF65-F5344CB8AC3E}">
-        <p14:creationId xmlns:p14="http://schemas.microsoft.com/office/powerpoint/2010/main" val="713425510"/>
+        <p14:creationId xmlns:p14="http://schemas.microsoft.com/office/powerpoint/2010/main" val="3671886717"/>
       </p:ext>
     </p:extLst>
   </p:cSld>
@@ -4148,7 +10739,7 @@
           <a:p>
             <a:r>
               <a:rPr lang="en-US" dirty="0"/>
-              <a:t>Stretch Goals #2</a:t>
+              <a:t>Core Goal 4 - SSD</a:t>
             </a:r>
           </a:p>
         </p:txBody>
@@ -4181,7 +10772,7 @@
     </p:spTree>
     <p:extLst>
       <p:ext uri="{BB962C8B-B14F-4D97-AF65-F5344CB8AC3E}">
-        <p14:creationId xmlns:p14="http://schemas.microsoft.com/office/powerpoint/2010/main" val="3022076354"/>
+        <p14:creationId xmlns:p14="http://schemas.microsoft.com/office/powerpoint/2010/main" val="3202752072"/>
       </p:ext>
     </p:extLst>
   </p:cSld>
@@ -4231,7 +10822,7 @@
           <a:p>
             <a:r>
               <a:rPr lang="en-US" dirty="0"/>
-              <a:t>Stretch Goals #3</a:t>
+              <a:t>Stretch Goals #1</a:t>
             </a:r>
           </a:p>
         </p:txBody>
@@ -4264,7 +10855,7 @@
     </p:spTree>
     <p:extLst>
       <p:ext uri="{BB962C8B-B14F-4D97-AF65-F5344CB8AC3E}">
-        <p14:creationId xmlns:p14="http://schemas.microsoft.com/office/powerpoint/2010/main" val="3331967532"/>
+        <p14:creationId xmlns:p14="http://schemas.microsoft.com/office/powerpoint/2010/main" val="713425510"/>
       </p:ext>
     </p:extLst>
   </p:cSld>
@@ -4309,12 +10900,14 @@
         </p:nvSpPr>
         <p:spPr/>
         <p:txBody>
-          <a:bodyPr/>
+          <a:bodyPr>
+            <a:normAutofit fontScale="90000"/>
+          </a:bodyPr>
           <a:lstStyle/>
           <a:p>
             <a:r>
               <a:rPr lang="en-US" dirty="0"/>
-              <a:t>Stretch Goals #4</a:t>
+              <a:t>Stretch Goals #2 – Apply Image detection algorithm on videos</a:t>
             </a:r>
           </a:p>
         </p:txBody>
@@ -4340,14 +10933,17 @@
           <a:bodyPr/>
           <a:lstStyle/>
           <a:p>
-            <a:endParaRPr lang="en-US" dirty="0"/>
+            <a:r>
+              <a:rPr lang="en-US" dirty="0"/>
+              <a:t>YOLO Video</a:t>
+            </a:r>
           </a:p>
         </p:txBody>
       </p:sp>
     </p:spTree>
     <p:extLst>
       <p:ext uri="{BB962C8B-B14F-4D97-AF65-F5344CB8AC3E}">
-        <p14:creationId xmlns:p14="http://schemas.microsoft.com/office/powerpoint/2010/main" val="3669755408"/>
+        <p14:creationId xmlns:p14="http://schemas.microsoft.com/office/powerpoint/2010/main" val="3022076354"/>
       </p:ext>
     </p:extLst>
   </p:cSld>
@@ -4397,7 +10993,7 @@
           <a:p>
             <a:r>
               <a:rPr lang="en-US" dirty="0"/>
-              <a:t>With more time…</a:t>
+              <a:t>Stretch Goals #3</a:t>
             </a:r>
           </a:p>
         </p:txBody>
@@ -4430,7 +11026,7 @@
     </p:spTree>
     <p:extLst>
       <p:ext uri="{BB962C8B-B14F-4D97-AF65-F5344CB8AC3E}">
-        <p14:creationId xmlns:p14="http://schemas.microsoft.com/office/powerpoint/2010/main" val="1501152112"/>
+        <p14:creationId xmlns:p14="http://schemas.microsoft.com/office/powerpoint/2010/main" val="3331967532"/>
       </p:ext>
     </p:extLst>
   </p:cSld>
@@ -4556,14 +11152,19 @@
             <p:ph type="ctrTitle"/>
           </p:nvPr>
         </p:nvSpPr>
-        <p:spPr/>
+        <p:spPr>
+          <a:xfrm>
+            <a:off x="217714" y="888274"/>
+            <a:ext cx="11756571" cy="1184774"/>
+          </a:xfrm>
+        </p:spPr>
         <p:txBody>
           <a:bodyPr/>
           <a:lstStyle/>
           <a:p>
             <a:r>
               <a:rPr lang="en-US" dirty="0"/>
-              <a:t>Challenges / Learnings</a:t>
+              <a:t>Stretch Goals #4 – Cloud Computing</a:t>
             </a:r>
           </a:p>
         </p:txBody>
@@ -4589,14 +11190,32 @@
           <a:bodyPr/>
           <a:lstStyle/>
           <a:p>
+            <a:r>
+              <a:rPr lang="en-US" dirty="0" err="1"/>
+              <a:t>Zegang</a:t>
+            </a:r>
+            <a:r>
+              <a:rPr lang="en-US" dirty="0"/>
+              <a:t> &amp; </a:t>
+            </a:r>
+            <a:r>
+              <a:rPr lang="en-US" dirty="0" err="1"/>
+              <a:t>Yinchen</a:t>
+            </a:r>
             <a:endParaRPr lang="en-US" dirty="0"/>
+          </a:p>
+          <a:p>
+            <a:r>
+              <a:rPr lang="en-US" dirty="0"/>
+              <a:t>Focused on AWS compute services</a:t>
+            </a:r>
           </a:p>
         </p:txBody>
       </p:sp>
     </p:spTree>
     <p:extLst>
       <p:ext uri="{BB962C8B-B14F-4D97-AF65-F5344CB8AC3E}">
-        <p14:creationId xmlns:p14="http://schemas.microsoft.com/office/powerpoint/2010/main" val="3907197743"/>
+        <p14:creationId xmlns:p14="http://schemas.microsoft.com/office/powerpoint/2010/main" val="3669755408"/>
       </p:ext>
     </p:extLst>
   </p:cSld>
@@ -4639,6 +11258,195 @@
             <p:ph type="ctrTitle"/>
           </p:nvPr>
         </p:nvSpPr>
+        <p:spPr>
+          <a:xfrm>
+            <a:off x="217714" y="328067"/>
+            <a:ext cx="11756571" cy="879442"/>
+          </a:xfrm>
+        </p:spPr>
+        <p:txBody>
+          <a:bodyPr>
+            <a:normAutofit fontScale="90000"/>
+          </a:bodyPr>
+          <a:lstStyle/>
+          <a:p>
+            <a:r>
+              <a:rPr lang="en-US" dirty="0"/>
+              <a:t>Stretch Goals #4 – Cloud Computing</a:t>
+            </a:r>
+          </a:p>
+        </p:txBody>
+      </p:sp>
+      <p:sp>
+        <p:nvSpPr>
+          <p:cNvPr id="3" name="Subtitle 2">
+            <a:extLst>
+              <a:ext uri="{FF2B5EF4-FFF2-40B4-BE49-F238E27FC236}">
+                <a16:creationId xmlns:a16="http://schemas.microsoft.com/office/drawing/2014/main" id="{0CD2B805-351F-4720-9B6A-DD87484BA767}"/>
+              </a:ext>
+            </a:extLst>
+          </p:cNvPr>
+          <p:cNvSpPr>
+            <a:spLocks noGrp="1"/>
+          </p:cNvSpPr>
+          <p:nvPr>
+            <p:ph type="subTitle" idx="1"/>
+          </p:nvPr>
+        </p:nvSpPr>
+        <p:spPr>
+          <a:xfrm>
+            <a:off x="728263" y="1430931"/>
+            <a:ext cx="10391120" cy="4528011"/>
+          </a:xfrm>
+        </p:spPr>
+        <p:txBody>
+          <a:bodyPr>
+            <a:normAutofit fontScale="92500" lnSpcReduction="20000"/>
+          </a:bodyPr>
+          <a:lstStyle/>
+          <a:p>
+            <a:r>
+              <a:rPr lang="en-US" dirty="0"/>
+              <a:t>Focused on exploring AWS Managed Service – </a:t>
+            </a:r>
+            <a:r>
+              <a:rPr lang="en-US" dirty="0" err="1"/>
+              <a:t>Sagemaker</a:t>
+            </a:r>
+            <a:endParaRPr lang="en-US" dirty="0"/>
+          </a:p>
+          <a:p>
+            <a:endParaRPr lang="en-US" dirty="0"/>
+          </a:p>
+          <a:p>
+            <a:r>
+              <a:rPr lang="en-US" dirty="0"/>
+              <a:t>Used Out of Box AWS prebuilt object detection algorithm to train model</a:t>
+            </a:r>
+          </a:p>
+          <a:p>
+            <a:r>
+              <a:rPr lang="en-US" dirty="0"/>
+              <a:t>On Homer Simpson </a:t>
+            </a:r>
+          </a:p>
+          <a:p>
+            <a:r>
+              <a:rPr lang="en-US" dirty="0"/>
+              <a:t>Uses </a:t>
+            </a:r>
+            <a:r>
+              <a:rPr lang="en-US" dirty="0" err="1"/>
+              <a:t>Sagemaker</a:t>
+            </a:r>
+            <a:r>
+              <a:rPr lang="en-US" dirty="0"/>
+              <a:t> Notebook, </a:t>
+            </a:r>
+            <a:r>
+              <a:rPr lang="en-US" dirty="0" err="1"/>
+              <a:t>Sagemaker</a:t>
+            </a:r>
+            <a:r>
+              <a:rPr lang="en-US" dirty="0"/>
+              <a:t> Training, </a:t>
+            </a:r>
+            <a:r>
+              <a:rPr lang="en-US" dirty="0" err="1"/>
+              <a:t>Sagemaker</a:t>
+            </a:r>
+            <a:r>
+              <a:rPr lang="en-US" dirty="0"/>
+              <a:t> Inference/Hosting</a:t>
+            </a:r>
+          </a:p>
+          <a:p>
+            <a:endParaRPr lang="en-US" dirty="0"/>
+          </a:p>
+          <a:p>
+            <a:r>
+              <a:rPr lang="en-US" dirty="0"/>
+              <a:t>Next steps: </a:t>
+            </a:r>
+          </a:p>
+          <a:p>
+            <a:r>
+              <a:rPr lang="en-US" dirty="0"/>
+              <a:t>Train on all characters</a:t>
+            </a:r>
+          </a:p>
+          <a:p>
+            <a:r>
+              <a:rPr lang="en-US" dirty="0"/>
+              <a:t>Improve detection by modifying hyperparameters</a:t>
+            </a:r>
+          </a:p>
+          <a:p>
+            <a:r>
+              <a:rPr lang="en-US" dirty="0"/>
+              <a:t>Challenges:</a:t>
+            </a:r>
+          </a:p>
+          <a:p>
+            <a:r>
+              <a:rPr lang="en-US" dirty="0"/>
+              <a:t>Data prep</a:t>
+            </a:r>
+          </a:p>
+          <a:p>
+            <a:r>
+              <a:rPr lang="en-US" dirty="0"/>
+              <a:t>Service Quota increase for ML instances </a:t>
+            </a:r>
+          </a:p>
+        </p:txBody>
+      </p:sp>
+    </p:spTree>
+    <p:extLst>
+      <p:ext uri="{BB962C8B-B14F-4D97-AF65-F5344CB8AC3E}">
+        <p14:creationId xmlns:p14="http://schemas.microsoft.com/office/powerpoint/2010/main" val="2685033488"/>
+      </p:ext>
+    </p:extLst>
+  </p:cSld>
+  <p:clrMapOvr>
+    <a:masterClrMapping/>
+  </p:clrMapOvr>
+</p:sld>
+</file>
+
+<file path=ppt/slides/slide22.xml><?xml version="1.0" encoding="utf-8"?>
+<p:sld xmlns:a="http://schemas.openxmlformats.org/drawingml/2006/main" xmlns:r="http://schemas.openxmlformats.org/officeDocument/2006/relationships" xmlns:p="http://schemas.openxmlformats.org/presentationml/2006/main">
+  <p:cSld>
+    <p:spTree>
+      <p:nvGrpSpPr>
+        <p:cNvPr id="1" name=""/>
+        <p:cNvGrpSpPr/>
+        <p:nvPr/>
+      </p:nvGrpSpPr>
+      <p:grpSpPr>
+        <a:xfrm>
+          <a:off x="0" y="0"/>
+          <a:ext cx="0" cy="0"/>
+          <a:chOff x="0" y="0"/>
+          <a:chExt cx="0" cy="0"/>
+        </a:xfrm>
+      </p:grpSpPr>
+      <p:sp>
+        <p:nvSpPr>
+          <p:cNvPr id="2" name="Title 1">
+            <a:extLst>
+              <a:ext uri="{FF2B5EF4-FFF2-40B4-BE49-F238E27FC236}">
+                <a16:creationId xmlns:a16="http://schemas.microsoft.com/office/drawing/2014/main" id="{6902BBD3-1236-4D52-B9A1-AD4DF8D0B35C}"/>
+              </a:ext>
+            </a:extLst>
+          </p:cNvPr>
+          <p:cNvSpPr>
+            <a:spLocks noGrp="1"/>
+          </p:cNvSpPr>
+          <p:nvPr>
+            <p:ph type="ctrTitle"/>
+          </p:nvPr>
+        </p:nvSpPr>
         <p:spPr/>
         <p:txBody>
           <a:bodyPr/>
@@ -4646,7 +11454,7 @@
           <a:p>
             <a:r>
               <a:rPr lang="en-US" dirty="0"/>
-              <a:t>Applications for this concept/research/work</a:t>
+              <a:t>With more time…</a:t>
             </a:r>
           </a:p>
         </p:txBody>
@@ -4672,6 +11480,172 @@
           <a:bodyPr/>
           <a:lstStyle/>
           <a:p>
+            <a:endParaRPr lang="en-US" dirty="0"/>
+          </a:p>
+        </p:txBody>
+      </p:sp>
+    </p:spTree>
+    <p:extLst>
+      <p:ext uri="{BB962C8B-B14F-4D97-AF65-F5344CB8AC3E}">
+        <p14:creationId xmlns:p14="http://schemas.microsoft.com/office/powerpoint/2010/main" val="1501152112"/>
+      </p:ext>
+    </p:extLst>
+  </p:cSld>
+  <p:clrMapOvr>
+    <a:masterClrMapping/>
+  </p:clrMapOvr>
+</p:sld>
+</file>
+
+<file path=ppt/slides/slide23.xml><?xml version="1.0" encoding="utf-8"?>
+<p:sld xmlns:a="http://schemas.openxmlformats.org/drawingml/2006/main" xmlns:r="http://schemas.openxmlformats.org/officeDocument/2006/relationships" xmlns:p="http://schemas.openxmlformats.org/presentationml/2006/main">
+  <p:cSld>
+    <p:spTree>
+      <p:nvGrpSpPr>
+        <p:cNvPr id="1" name=""/>
+        <p:cNvGrpSpPr/>
+        <p:nvPr/>
+      </p:nvGrpSpPr>
+      <p:grpSpPr>
+        <a:xfrm>
+          <a:off x="0" y="0"/>
+          <a:ext cx="0" cy="0"/>
+          <a:chOff x="0" y="0"/>
+          <a:chExt cx="0" cy="0"/>
+        </a:xfrm>
+      </p:grpSpPr>
+      <p:sp>
+        <p:nvSpPr>
+          <p:cNvPr id="2" name="Title 1">
+            <a:extLst>
+              <a:ext uri="{FF2B5EF4-FFF2-40B4-BE49-F238E27FC236}">
+                <a16:creationId xmlns:a16="http://schemas.microsoft.com/office/drawing/2014/main" id="{6902BBD3-1236-4D52-B9A1-AD4DF8D0B35C}"/>
+              </a:ext>
+            </a:extLst>
+          </p:cNvPr>
+          <p:cNvSpPr>
+            <a:spLocks noGrp="1"/>
+          </p:cNvSpPr>
+          <p:nvPr>
+            <p:ph type="ctrTitle"/>
+          </p:nvPr>
+        </p:nvSpPr>
+        <p:spPr/>
+        <p:txBody>
+          <a:bodyPr/>
+          <a:lstStyle/>
+          <a:p>
+            <a:r>
+              <a:rPr lang="en-US" dirty="0"/>
+              <a:t>Challenges / Learnings</a:t>
+            </a:r>
+          </a:p>
+        </p:txBody>
+      </p:sp>
+      <p:sp>
+        <p:nvSpPr>
+          <p:cNvPr id="3" name="Subtitle 2">
+            <a:extLst>
+              <a:ext uri="{FF2B5EF4-FFF2-40B4-BE49-F238E27FC236}">
+                <a16:creationId xmlns:a16="http://schemas.microsoft.com/office/drawing/2014/main" id="{0CD2B805-351F-4720-9B6A-DD87484BA767}"/>
+              </a:ext>
+            </a:extLst>
+          </p:cNvPr>
+          <p:cNvSpPr>
+            <a:spLocks noGrp="1"/>
+          </p:cNvSpPr>
+          <p:nvPr>
+            <p:ph type="subTitle" idx="1"/>
+          </p:nvPr>
+        </p:nvSpPr>
+        <p:spPr/>
+        <p:txBody>
+          <a:bodyPr/>
+          <a:lstStyle/>
+          <a:p>
+            <a:endParaRPr lang="en-US" dirty="0"/>
+          </a:p>
+        </p:txBody>
+      </p:sp>
+    </p:spTree>
+    <p:extLst>
+      <p:ext uri="{BB962C8B-B14F-4D97-AF65-F5344CB8AC3E}">
+        <p14:creationId xmlns:p14="http://schemas.microsoft.com/office/powerpoint/2010/main" val="3907197743"/>
+      </p:ext>
+    </p:extLst>
+  </p:cSld>
+  <p:clrMapOvr>
+    <a:masterClrMapping/>
+  </p:clrMapOvr>
+</p:sld>
+</file>
+
+<file path=ppt/slides/slide24.xml><?xml version="1.0" encoding="utf-8"?>
+<p:sld xmlns:a="http://schemas.openxmlformats.org/drawingml/2006/main" xmlns:r="http://schemas.openxmlformats.org/officeDocument/2006/relationships" xmlns:p="http://schemas.openxmlformats.org/presentationml/2006/main">
+  <p:cSld>
+    <p:spTree>
+      <p:nvGrpSpPr>
+        <p:cNvPr id="1" name=""/>
+        <p:cNvGrpSpPr/>
+        <p:nvPr/>
+      </p:nvGrpSpPr>
+      <p:grpSpPr>
+        <a:xfrm>
+          <a:off x="0" y="0"/>
+          <a:ext cx="0" cy="0"/>
+          <a:chOff x="0" y="0"/>
+          <a:chExt cx="0" cy="0"/>
+        </a:xfrm>
+      </p:grpSpPr>
+      <p:sp>
+        <p:nvSpPr>
+          <p:cNvPr id="2" name="Title 1">
+            <a:extLst>
+              <a:ext uri="{FF2B5EF4-FFF2-40B4-BE49-F238E27FC236}">
+                <a16:creationId xmlns:a16="http://schemas.microsoft.com/office/drawing/2014/main" id="{6902BBD3-1236-4D52-B9A1-AD4DF8D0B35C}"/>
+              </a:ext>
+            </a:extLst>
+          </p:cNvPr>
+          <p:cNvSpPr>
+            <a:spLocks noGrp="1"/>
+          </p:cNvSpPr>
+          <p:nvPr>
+            <p:ph type="ctrTitle"/>
+          </p:nvPr>
+        </p:nvSpPr>
+        <p:spPr/>
+        <p:txBody>
+          <a:bodyPr/>
+          <a:lstStyle/>
+          <a:p>
+            <a:r>
+              <a:rPr lang="en-US" dirty="0"/>
+              <a:t>Applications for this concept/research/work</a:t>
+            </a:r>
+          </a:p>
+        </p:txBody>
+      </p:sp>
+      <p:sp>
+        <p:nvSpPr>
+          <p:cNvPr id="3" name="Subtitle 2">
+            <a:extLst>
+              <a:ext uri="{FF2B5EF4-FFF2-40B4-BE49-F238E27FC236}">
+                <a16:creationId xmlns:a16="http://schemas.microsoft.com/office/drawing/2014/main" id="{0CD2B805-351F-4720-9B6A-DD87484BA767}"/>
+              </a:ext>
+            </a:extLst>
+          </p:cNvPr>
+          <p:cNvSpPr>
+            <a:spLocks noGrp="1"/>
+          </p:cNvSpPr>
+          <p:nvPr>
+            <p:ph type="subTitle" idx="1"/>
+          </p:nvPr>
+        </p:nvSpPr>
+        <p:spPr/>
+        <p:txBody>
+          <a:bodyPr/>
+          <a:lstStyle/>
+          <a:p>
             <a:r>
               <a:rPr lang="en-US" dirty="0"/>
               <a:t>Tad</a:t>
@@ -4692,7 +11666,7 @@
 </p:sld>
 </file>
 
-<file path=ppt/slides/slide22.xml><?xml version="1.0" encoding="utf-8"?>
+<file path=ppt/slides/slide25.xml><?xml version="1.0" encoding="utf-8"?>
 <p:sld xmlns:a="http://schemas.openxmlformats.org/drawingml/2006/main" xmlns:r="http://schemas.openxmlformats.org/officeDocument/2006/relationships" xmlns:p="http://schemas.openxmlformats.org/presentationml/2006/main">
   <p:cSld>
     <p:spTree>
@@ -5184,7 +12158,7 @@
         </p:blipFill>
         <p:spPr>
           <a:xfrm>
-            <a:off x="501091" y="1116824"/>
+            <a:off x="420546" y="1116824"/>
             <a:ext cx="11443387" cy="2312176"/>
           </a:xfrm>
           <a:prstGeom prst="rect">
